--- a/Notes/1_Intro_Bayesian_Perspectives.pptx
+++ b/Notes/1_Intro_Bayesian_Perspectives.pptx
@@ -5,7 +5,7 @@
     <p:sldMasterId id="2147483648" r:id="rId1"/>
   </p:sldMasterIdLst>
   <p:notesMasterIdLst>
-    <p:notesMasterId r:id="rId36"/>
+    <p:notesMasterId r:id="rId37"/>
   </p:notesMasterIdLst>
   <p:sldIdLst>
     <p:sldId id="278" r:id="rId2"/>
@@ -32,16 +32,17 @@
     <p:sldId id="309" r:id="rId23"/>
     <p:sldId id="311" r:id="rId24"/>
     <p:sldId id="293" r:id="rId25"/>
-    <p:sldId id="322" r:id="rId26"/>
-    <p:sldId id="291" r:id="rId27"/>
-    <p:sldId id="292" r:id="rId28"/>
-    <p:sldId id="313" r:id="rId29"/>
-    <p:sldId id="314" r:id="rId30"/>
-    <p:sldId id="267" r:id="rId31"/>
-    <p:sldId id="256" r:id="rId32"/>
-    <p:sldId id="271" r:id="rId33"/>
-    <p:sldId id="273" r:id="rId34"/>
-    <p:sldId id="294" r:id="rId35"/>
+    <p:sldId id="291" r:id="rId26"/>
+    <p:sldId id="292" r:id="rId27"/>
+    <p:sldId id="313" r:id="rId28"/>
+    <p:sldId id="314" r:id="rId29"/>
+    <p:sldId id="267" r:id="rId30"/>
+    <p:sldId id="256" r:id="rId31"/>
+    <p:sldId id="271" r:id="rId32"/>
+    <p:sldId id="273" r:id="rId33"/>
+    <p:sldId id="294" r:id="rId34"/>
+    <p:sldId id="322" r:id="rId35"/>
+    <p:sldId id="326" r:id="rId36"/>
   </p:sldIdLst>
   <p:sldSz cx="9144000" cy="6858000" type="screen4x3"/>
   <p:notesSz cx="6858000" cy="9144000"/>
@@ -241,7 +242,7 @@
           <a:p>
             <a:fld id="{47B5508F-B9DA-3A4B-92BF-6A4138802024}" type="datetimeFigureOut">
               <a:rPr lang="en-US" smtClean="0"/>
-              <a:t>8/22/2019</a:t>
+              <a:t>8/23/2019</a:t>
             </a:fld>
             <a:endParaRPr lang="en-US"/>
           </a:p>
@@ -859,7 +860,7 @@
             <a:fld id="{B2F2B4BC-311C-574E-AB1F-5BCC7E00BDAB}" type="datetimeFigureOut">
               <a:rPr lang="en-US" smtClean="0"/>
               <a:pPr/>
-              <a:t>8/22/2019</a:t>
+              <a:t>8/23/2019</a:t>
             </a:fld>
             <a:endParaRPr lang="en-US"/>
           </a:p>
@@ -1024,7 +1025,7 @@
             <a:fld id="{B2F2B4BC-311C-574E-AB1F-5BCC7E00BDAB}" type="datetimeFigureOut">
               <a:rPr lang="en-US" smtClean="0"/>
               <a:pPr/>
-              <a:t>8/22/2019</a:t>
+              <a:t>8/23/2019</a:t>
             </a:fld>
             <a:endParaRPr lang="en-US"/>
           </a:p>
@@ -1199,7 +1200,7 @@
             <a:fld id="{B2F2B4BC-311C-574E-AB1F-5BCC7E00BDAB}" type="datetimeFigureOut">
               <a:rPr lang="en-US" smtClean="0"/>
               <a:pPr/>
-              <a:t>8/22/2019</a:t>
+              <a:t>8/23/2019</a:t>
             </a:fld>
             <a:endParaRPr lang="en-US"/>
           </a:p>
@@ -1364,7 +1365,7 @@
             <a:fld id="{B2F2B4BC-311C-574E-AB1F-5BCC7E00BDAB}" type="datetimeFigureOut">
               <a:rPr lang="en-US" smtClean="0"/>
               <a:pPr/>
-              <a:t>8/22/2019</a:t>
+              <a:t>8/23/2019</a:t>
             </a:fld>
             <a:endParaRPr lang="en-US"/>
           </a:p>
@@ -1606,7 +1607,7 @@
             <a:fld id="{B2F2B4BC-311C-574E-AB1F-5BCC7E00BDAB}" type="datetimeFigureOut">
               <a:rPr lang="en-US" smtClean="0"/>
               <a:pPr/>
-              <a:t>8/22/2019</a:t>
+              <a:t>8/23/2019</a:t>
             </a:fld>
             <a:endParaRPr lang="en-US"/>
           </a:p>
@@ -1888,7 +1889,7 @@
             <a:fld id="{B2F2B4BC-311C-574E-AB1F-5BCC7E00BDAB}" type="datetimeFigureOut">
               <a:rPr lang="en-US" smtClean="0"/>
               <a:pPr/>
-              <a:t>8/22/2019</a:t>
+              <a:t>8/23/2019</a:t>
             </a:fld>
             <a:endParaRPr lang="en-US"/>
           </a:p>
@@ -2304,7 +2305,7 @@
             <a:fld id="{B2F2B4BC-311C-574E-AB1F-5BCC7E00BDAB}" type="datetimeFigureOut">
               <a:rPr lang="en-US" smtClean="0"/>
               <a:pPr/>
-              <a:t>8/22/2019</a:t>
+              <a:t>8/23/2019</a:t>
             </a:fld>
             <a:endParaRPr lang="en-US"/>
           </a:p>
@@ -2418,7 +2419,7 @@
             <a:fld id="{B2F2B4BC-311C-574E-AB1F-5BCC7E00BDAB}" type="datetimeFigureOut">
               <a:rPr lang="en-US" smtClean="0"/>
               <a:pPr/>
-              <a:t>8/22/2019</a:t>
+              <a:t>8/23/2019</a:t>
             </a:fld>
             <a:endParaRPr lang="en-US"/>
           </a:p>
@@ -2510,7 +2511,7 @@
             <a:fld id="{B2F2B4BC-311C-574E-AB1F-5BCC7E00BDAB}" type="datetimeFigureOut">
               <a:rPr lang="en-US" smtClean="0"/>
               <a:pPr/>
-              <a:t>8/22/2019</a:t>
+              <a:t>8/23/2019</a:t>
             </a:fld>
             <a:endParaRPr lang="en-US"/>
           </a:p>
@@ -2782,7 +2783,7 @@
             <a:fld id="{B2F2B4BC-311C-574E-AB1F-5BCC7E00BDAB}" type="datetimeFigureOut">
               <a:rPr lang="en-US" smtClean="0"/>
               <a:pPr/>
-              <a:t>8/22/2019</a:t>
+              <a:t>8/23/2019</a:t>
             </a:fld>
             <a:endParaRPr lang="en-US"/>
           </a:p>
@@ -3031,7 +3032,7 @@
             <a:fld id="{B2F2B4BC-311C-574E-AB1F-5BCC7E00BDAB}" type="datetimeFigureOut">
               <a:rPr lang="en-US" smtClean="0"/>
               <a:pPr/>
-              <a:t>8/22/2019</a:t>
+              <a:t>8/23/2019</a:t>
             </a:fld>
             <a:endParaRPr lang="en-US"/>
           </a:p>
@@ -3239,7 +3240,7 @@
             <a:fld id="{B2F2B4BC-311C-574E-AB1F-5BCC7E00BDAB}" type="datetimeFigureOut">
               <a:rPr lang="en-US" smtClean="0"/>
               <a:pPr/>
-              <a:t>8/22/2019</a:t>
+              <a:t>8/23/2019</a:t>
             </a:fld>
             <a:endParaRPr lang="en-US"/>
           </a:p>
@@ -3809,7 +3810,7 @@
           <a:graphicData uri="http://schemas.openxmlformats.org/presentationml/2006/ole">
             <mc:AlternateContent xmlns:mc="http://schemas.openxmlformats.org/markup-compatibility/2006">
               <mc:Choice xmlns:v="urn:schemas-microsoft-com:vml" Requires="v">
-                <p:oleObj spid="_x0000_s45191" r:id="rId7" imgW="723960" imgH="361800" progId="">
+                <p:oleObj spid="_x0000_s45211" r:id="rId7" imgW="723960" imgH="361800" progId="">
                   <p:embed/>
                 </p:oleObj>
               </mc:Choice>
@@ -3848,7 +3849,7 @@
                       <a:noFill/>
                       <a:extLst>
                         <a:ext uri="{909E8E84-426E-40dd-AFC4-6F175D3DCCD1}">
-                          <a14:hiddenFill xmlns="" xmlns:a14="http://schemas.microsoft.com/office/drawing/2010/main">
+                          <a14:hiddenFill xmlns:a14="http://schemas.microsoft.com/office/drawing/2010/main" xmlns="">
                             <a:blipFill dpi="0" rotWithShape="0">
                               <a:blip/>
                               <a:srcRect/>
@@ -3889,7 +3890,7 @@
           <a:graphicData uri="http://schemas.openxmlformats.org/presentationml/2006/ole">
             <mc:AlternateContent xmlns:mc="http://schemas.openxmlformats.org/markup-compatibility/2006">
               <mc:Choice xmlns:v="urn:schemas-microsoft-com:vml" Requires="v">
-                <p:oleObj spid="_x0000_s45192" r:id="rId9" imgW="76320" imgH="181080" progId="">
+                <p:oleObj spid="_x0000_s45212" r:id="rId9" imgW="76320" imgH="181080" progId="">
                   <p:embed/>
                 </p:oleObj>
               </mc:Choice>
@@ -3928,7 +3929,7 @@
                       <a:noFill/>
                       <a:extLst>
                         <a:ext uri="{909E8E84-426E-40dd-AFC4-6F175D3DCCD1}">
-                          <a14:hiddenFill xmlns="" xmlns:a14="http://schemas.microsoft.com/office/drawing/2010/main">
+                          <a14:hiddenFill xmlns:a14="http://schemas.microsoft.com/office/drawing/2010/main" xmlns="">
                             <a:blipFill dpi="0" rotWithShape="0">
                               <a:blip/>
                               <a:srcRect/>
@@ -6354,6 +6355,203 @@
   <p:clrMapOvr>
     <a:masterClrMapping/>
   </p:clrMapOvr>
+  <p:timing>
+    <p:tnLst>
+      <p:par>
+        <p:cTn id="1" dur="indefinite" restart="never" nodeType="tmRoot">
+          <p:childTnLst>
+            <p:seq concurrent="1" nextAc="seek">
+              <p:cTn id="2" dur="indefinite" nodeType="mainSeq">
+                <p:childTnLst>
+                  <p:par>
+                    <p:cTn id="3" fill="hold">
+                      <p:stCondLst>
+                        <p:cond delay="indefinite"/>
+                      </p:stCondLst>
+                      <p:childTnLst>
+                        <p:par>
+                          <p:cTn id="4" fill="hold">
+                            <p:stCondLst>
+                              <p:cond delay="0"/>
+                            </p:stCondLst>
+                            <p:childTnLst>
+                              <p:par>
+                                <p:cTn id="5" presetID="2" presetClass="entr" presetSubtype="4" fill="hold" grpId="0" nodeType="clickEffect">
+                                  <p:stCondLst>
+                                    <p:cond delay="0"/>
+                                  </p:stCondLst>
+                                  <p:childTnLst>
+                                    <p:set>
+                                      <p:cBhvr>
+                                        <p:cTn id="6" dur="1" fill="hold">
+                                          <p:stCondLst>
+                                            <p:cond delay="0"/>
+                                          </p:stCondLst>
+                                        </p:cTn>
+                                        <p:tgtEl>
+                                          <p:spTgt spid="11"/>
+                                        </p:tgtEl>
+                                        <p:attrNameLst>
+                                          <p:attrName>style.visibility</p:attrName>
+                                        </p:attrNameLst>
+                                      </p:cBhvr>
+                                      <p:to>
+                                        <p:strVal val="visible"/>
+                                      </p:to>
+                                    </p:set>
+                                    <p:anim calcmode="lin" valueType="num">
+                                      <p:cBhvr additive="base">
+                                        <p:cTn id="7" dur="500" fill="hold"/>
+                                        <p:tgtEl>
+                                          <p:spTgt spid="11"/>
+                                        </p:tgtEl>
+                                        <p:attrNameLst>
+                                          <p:attrName>ppt_x</p:attrName>
+                                        </p:attrNameLst>
+                                      </p:cBhvr>
+                                      <p:tavLst>
+                                        <p:tav tm="0">
+                                          <p:val>
+                                            <p:strVal val="#ppt_x"/>
+                                          </p:val>
+                                        </p:tav>
+                                        <p:tav tm="100000">
+                                          <p:val>
+                                            <p:strVal val="#ppt_x"/>
+                                          </p:val>
+                                        </p:tav>
+                                      </p:tavLst>
+                                    </p:anim>
+                                    <p:anim calcmode="lin" valueType="num">
+                                      <p:cBhvr additive="base">
+                                        <p:cTn id="8" dur="500" fill="hold"/>
+                                        <p:tgtEl>
+                                          <p:spTgt spid="11"/>
+                                        </p:tgtEl>
+                                        <p:attrNameLst>
+                                          <p:attrName>ppt_y</p:attrName>
+                                        </p:attrNameLst>
+                                      </p:cBhvr>
+                                      <p:tavLst>
+                                        <p:tav tm="0">
+                                          <p:val>
+                                            <p:strVal val="1+#ppt_h/2"/>
+                                          </p:val>
+                                        </p:tav>
+                                        <p:tav tm="100000">
+                                          <p:val>
+                                            <p:strVal val="#ppt_y"/>
+                                          </p:val>
+                                        </p:tav>
+                                      </p:tavLst>
+                                    </p:anim>
+                                  </p:childTnLst>
+                                </p:cTn>
+                              </p:par>
+                              <p:par>
+                                <p:cTn id="9" presetID="2" presetClass="entr" presetSubtype="4" fill="hold" nodeType="withEffect">
+                                  <p:stCondLst>
+                                    <p:cond delay="0"/>
+                                  </p:stCondLst>
+                                  <p:childTnLst>
+                                    <p:set>
+                                      <p:cBhvr>
+                                        <p:cTn id="10" dur="1" fill="hold">
+                                          <p:stCondLst>
+                                            <p:cond delay="0"/>
+                                          </p:stCondLst>
+                                        </p:cTn>
+                                        <p:tgtEl>
+                                          <p:spTgt spid="3"/>
+                                        </p:tgtEl>
+                                        <p:attrNameLst>
+                                          <p:attrName>style.visibility</p:attrName>
+                                        </p:attrNameLst>
+                                      </p:cBhvr>
+                                      <p:to>
+                                        <p:strVal val="visible"/>
+                                      </p:to>
+                                    </p:set>
+                                    <p:anim calcmode="lin" valueType="num">
+                                      <p:cBhvr additive="base">
+                                        <p:cTn id="11" dur="500" fill="hold"/>
+                                        <p:tgtEl>
+                                          <p:spTgt spid="3"/>
+                                        </p:tgtEl>
+                                        <p:attrNameLst>
+                                          <p:attrName>ppt_x</p:attrName>
+                                        </p:attrNameLst>
+                                      </p:cBhvr>
+                                      <p:tavLst>
+                                        <p:tav tm="0">
+                                          <p:val>
+                                            <p:strVal val="#ppt_x"/>
+                                          </p:val>
+                                        </p:tav>
+                                        <p:tav tm="100000">
+                                          <p:val>
+                                            <p:strVal val="#ppt_x"/>
+                                          </p:val>
+                                        </p:tav>
+                                      </p:tavLst>
+                                    </p:anim>
+                                    <p:anim calcmode="lin" valueType="num">
+                                      <p:cBhvr additive="base">
+                                        <p:cTn id="12" dur="500" fill="hold"/>
+                                        <p:tgtEl>
+                                          <p:spTgt spid="3"/>
+                                        </p:tgtEl>
+                                        <p:attrNameLst>
+                                          <p:attrName>ppt_y</p:attrName>
+                                        </p:attrNameLst>
+                                      </p:cBhvr>
+                                      <p:tavLst>
+                                        <p:tav tm="0">
+                                          <p:val>
+                                            <p:strVal val="1+#ppt_h/2"/>
+                                          </p:val>
+                                        </p:tav>
+                                        <p:tav tm="100000">
+                                          <p:val>
+                                            <p:strVal val="#ppt_y"/>
+                                          </p:val>
+                                        </p:tav>
+                                      </p:tavLst>
+                                    </p:anim>
+                                  </p:childTnLst>
+                                </p:cTn>
+                              </p:par>
+                            </p:childTnLst>
+                          </p:cTn>
+                        </p:par>
+                      </p:childTnLst>
+                    </p:cTn>
+                  </p:par>
+                </p:childTnLst>
+              </p:cTn>
+              <p:prevCondLst>
+                <p:cond evt="onPrev" delay="0">
+                  <p:tgtEl>
+                    <p:sldTgt/>
+                  </p:tgtEl>
+                </p:cond>
+              </p:prevCondLst>
+              <p:nextCondLst>
+                <p:cond evt="onNext" delay="0">
+                  <p:tgtEl>
+                    <p:sldTgt/>
+                  </p:tgtEl>
+                </p:cond>
+              </p:nextCondLst>
+            </p:seq>
+          </p:childTnLst>
+        </p:cTn>
+      </p:par>
+    </p:tnLst>
+    <p:bldLst>
+      <p:bldP spid="11" grpId="0"/>
+    </p:bldLst>
+  </p:timing>
 </p:sld>
 </file>
 
@@ -7003,6 +7201,350 @@
   <p:clrMapOvr>
     <a:masterClrMapping/>
   </p:clrMapOvr>
+  <p:timing>
+    <p:tnLst>
+      <p:par>
+        <p:cTn id="1" dur="indefinite" restart="never" nodeType="tmRoot">
+          <p:childTnLst>
+            <p:seq concurrent="1" nextAc="seek">
+              <p:cTn id="2" dur="indefinite" nodeType="mainSeq">
+                <p:childTnLst>
+                  <p:par>
+                    <p:cTn id="3" fill="hold">
+                      <p:stCondLst>
+                        <p:cond delay="indefinite"/>
+                      </p:stCondLst>
+                      <p:childTnLst>
+                        <p:par>
+                          <p:cTn id="4" fill="hold">
+                            <p:stCondLst>
+                              <p:cond delay="0"/>
+                            </p:stCondLst>
+                            <p:childTnLst>
+                              <p:par>
+                                <p:cTn id="5" presetID="2" presetClass="entr" presetSubtype="4" fill="hold" nodeType="clickEffect">
+                                  <p:stCondLst>
+                                    <p:cond delay="0"/>
+                                  </p:stCondLst>
+                                  <p:childTnLst>
+                                    <p:set>
+                                      <p:cBhvr>
+                                        <p:cTn id="6" dur="1" fill="hold">
+                                          <p:stCondLst>
+                                            <p:cond delay="0"/>
+                                          </p:stCondLst>
+                                        </p:cTn>
+                                        <p:tgtEl>
+                                          <p:spTgt spid="5"/>
+                                        </p:tgtEl>
+                                        <p:attrNameLst>
+                                          <p:attrName>style.visibility</p:attrName>
+                                        </p:attrNameLst>
+                                      </p:cBhvr>
+                                      <p:to>
+                                        <p:strVal val="visible"/>
+                                      </p:to>
+                                    </p:set>
+                                    <p:anim calcmode="lin" valueType="num">
+                                      <p:cBhvr additive="base">
+                                        <p:cTn id="7" dur="500" fill="hold"/>
+                                        <p:tgtEl>
+                                          <p:spTgt spid="5"/>
+                                        </p:tgtEl>
+                                        <p:attrNameLst>
+                                          <p:attrName>ppt_x</p:attrName>
+                                        </p:attrNameLst>
+                                      </p:cBhvr>
+                                      <p:tavLst>
+                                        <p:tav tm="0">
+                                          <p:val>
+                                            <p:strVal val="#ppt_x"/>
+                                          </p:val>
+                                        </p:tav>
+                                        <p:tav tm="100000">
+                                          <p:val>
+                                            <p:strVal val="#ppt_x"/>
+                                          </p:val>
+                                        </p:tav>
+                                      </p:tavLst>
+                                    </p:anim>
+                                    <p:anim calcmode="lin" valueType="num">
+                                      <p:cBhvr additive="base">
+                                        <p:cTn id="8" dur="500" fill="hold"/>
+                                        <p:tgtEl>
+                                          <p:spTgt spid="5"/>
+                                        </p:tgtEl>
+                                        <p:attrNameLst>
+                                          <p:attrName>ppt_y</p:attrName>
+                                        </p:attrNameLst>
+                                      </p:cBhvr>
+                                      <p:tavLst>
+                                        <p:tav tm="0">
+                                          <p:val>
+                                            <p:strVal val="1+#ppt_h/2"/>
+                                          </p:val>
+                                        </p:tav>
+                                        <p:tav tm="100000">
+                                          <p:val>
+                                            <p:strVal val="#ppt_y"/>
+                                          </p:val>
+                                        </p:tav>
+                                      </p:tavLst>
+                                    </p:anim>
+                                  </p:childTnLst>
+                                </p:cTn>
+                              </p:par>
+                              <p:par>
+                                <p:cTn id="9" presetID="2" presetClass="entr" presetSubtype="4" fill="hold" grpId="0" nodeType="withEffect">
+                                  <p:stCondLst>
+                                    <p:cond delay="0"/>
+                                  </p:stCondLst>
+                                  <p:childTnLst>
+                                    <p:set>
+                                      <p:cBhvr>
+                                        <p:cTn id="10" dur="1" fill="hold">
+                                          <p:stCondLst>
+                                            <p:cond delay="0"/>
+                                          </p:stCondLst>
+                                        </p:cTn>
+                                        <p:tgtEl>
+                                          <p:spTgt spid="24"/>
+                                        </p:tgtEl>
+                                        <p:attrNameLst>
+                                          <p:attrName>style.visibility</p:attrName>
+                                        </p:attrNameLst>
+                                      </p:cBhvr>
+                                      <p:to>
+                                        <p:strVal val="visible"/>
+                                      </p:to>
+                                    </p:set>
+                                    <p:anim calcmode="lin" valueType="num">
+                                      <p:cBhvr additive="base">
+                                        <p:cTn id="11" dur="500" fill="hold"/>
+                                        <p:tgtEl>
+                                          <p:spTgt spid="24"/>
+                                        </p:tgtEl>
+                                        <p:attrNameLst>
+                                          <p:attrName>ppt_x</p:attrName>
+                                        </p:attrNameLst>
+                                      </p:cBhvr>
+                                      <p:tavLst>
+                                        <p:tav tm="0">
+                                          <p:val>
+                                            <p:strVal val="#ppt_x"/>
+                                          </p:val>
+                                        </p:tav>
+                                        <p:tav tm="100000">
+                                          <p:val>
+                                            <p:strVal val="#ppt_x"/>
+                                          </p:val>
+                                        </p:tav>
+                                      </p:tavLst>
+                                    </p:anim>
+                                    <p:anim calcmode="lin" valueType="num">
+                                      <p:cBhvr additive="base">
+                                        <p:cTn id="12" dur="500" fill="hold"/>
+                                        <p:tgtEl>
+                                          <p:spTgt spid="24"/>
+                                        </p:tgtEl>
+                                        <p:attrNameLst>
+                                          <p:attrName>ppt_y</p:attrName>
+                                        </p:attrNameLst>
+                                      </p:cBhvr>
+                                      <p:tavLst>
+                                        <p:tav tm="0">
+                                          <p:val>
+                                            <p:strVal val="1+#ppt_h/2"/>
+                                          </p:val>
+                                        </p:tav>
+                                        <p:tav tm="100000">
+                                          <p:val>
+                                            <p:strVal val="#ppt_y"/>
+                                          </p:val>
+                                        </p:tav>
+                                      </p:tavLst>
+                                    </p:anim>
+                                  </p:childTnLst>
+                                </p:cTn>
+                              </p:par>
+                              <p:par>
+                                <p:cTn id="13" presetID="2" presetClass="entr" presetSubtype="4" fill="hold" grpId="0" nodeType="withEffect">
+                                  <p:stCondLst>
+                                    <p:cond delay="0"/>
+                                  </p:stCondLst>
+                                  <p:childTnLst>
+                                    <p:set>
+                                      <p:cBhvr>
+                                        <p:cTn id="14" dur="1" fill="hold">
+                                          <p:stCondLst>
+                                            <p:cond delay="0"/>
+                                          </p:stCondLst>
+                                        </p:cTn>
+                                        <p:tgtEl>
+                                          <p:spTgt spid="25"/>
+                                        </p:tgtEl>
+                                        <p:attrNameLst>
+                                          <p:attrName>style.visibility</p:attrName>
+                                        </p:attrNameLst>
+                                      </p:cBhvr>
+                                      <p:to>
+                                        <p:strVal val="visible"/>
+                                      </p:to>
+                                    </p:set>
+                                    <p:anim calcmode="lin" valueType="num">
+                                      <p:cBhvr additive="base">
+                                        <p:cTn id="15" dur="500" fill="hold"/>
+                                        <p:tgtEl>
+                                          <p:spTgt spid="25"/>
+                                        </p:tgtEl>
+                                        <p:attrNameLst>
+                                          <p:attrName>ppt_x</p:attrName>
+                                        </p:attrNameLst>
+                                      </p:cBhvr>
+                                      <p:tavLst>
+                                        <p:tav tm="0">
+                                          <p:val>
+                                            <p:strVal val="#ppt_x"/>
+                                          </p:val>
+                                        </p:tav>
+                                        <p:tav tm="100000">
+                                          <p:val>
+                                            <p:strVal val="#ppt_x"/>
+                                          </p:val>
+                                        </p:tav>
+                                      </p:tavLst>
+                                    </p:anim>
+                                    <p:anim calcmode="lin" valueType="num">
+                                      <p:cBhvr additive="base">
+                                        <p:cTn id="16" dur="500" fill="hold"/>
+                                        <p:tgtEl>
+                                          <p:spTgt spid="25"/>
+                                        </p:tgtEl>
+                                        <p:attrNameLst>
+                                          <p:attrName>ppt_y</p:attrName>
+                                        </p:attrNameLst>
+                                      </p:cBhvr>
+                                      <p:tavLst>
+                                        <p:tav tm="0">
+                                          <p:val>
+                                            <p:strVal val="1+#ppt_h/2"/>
+                                          </p:val>
+                                        </p:tav>
+                                        <p:tav tm="100000">
+                                          <p:val>
+                                            <p:strVal val="#ppt_y"/>
+                                          </p:val>
+                                        </p:tav>
+                                      </p:tavLst>
+                                    </p:anim>
+                                  </p:childTnLst>
+                                </p:cTn>
+                              </p:par>
+                              <p:par>
+                                <p:cTn id="17" presetID="2" presetClass="entr" presetSubtype="4" fill="hold" nodeType="withEffect">
+                                  <p:stCondLst>
+                                    <p:cond delay="0"/>
+                                  </p:stCondLst>
+                                  <p:childTnLst>
+                                    <p:set>
+                                      <p:cBhvr>
+                                        <p:cTn id="18" dur="1" fill="hold">
+                                          <p:stCondLst>
+                                            <p:cond delay="0"/>
+                                          </p:stCondLst>
+                                        </p:cTn>
+                                        <p:tgtEl>
+                                          <p:spTgt spid="29"/>
+                                        </p:tgtEl>
+                                        <p:attrNameLst>
+                                          <p:attrName>style.visibility</p:attrName>
+                                        </p:attrNameLst>
+                                      </p:cBhvr>
+                                      <p:to>
+                                        <p:strVal val="visible"/>
+                                      </p:to>
+                                    </p:set>
+                                    <p:anim calcmode="lin" valueType="num">
+                                      <p:cBhvr additive="base">
+                                        <p:cTn id="19" dur="500" fill="hold"/>
+                                        <p:tgtEl>
+                                          <p:spTgt spid="29"/>
+                                        </p:tgtEl>
+                                        <p:attrNameLst>
+                                          <p:attrName>ppt_x</p:attrName>
+                                        </p:attrNameLst>
+                                      </p:cBhvr>
+                                      <p:tavLst>
+                                        <p:tav tm="0">
+                                          <p:val>
+                                            <p:strVal val="#ppt_x"/>
+                                          </p:val>
+                                        </p:tav>
+                                        <p:tav tm="100000">
+                                          <p:val>
+                                            <p:strVal val="#ppt_x"/>
+                                          </p:val>
+                                        </p:tav>
+                                      </p:tavLst>
+                                    </p:anim>
+                                    <p:anim calcmode="lin" valueType="num">
+                                      <p:cBhvr additive="base">
+                                        <p:cTn id="20" dur="500" fill="hold"/>
+                                        <p:tgtEl>
+                                          <p:spTgt spid="29"/>
+                                        </p:tgtEl>
+                                        <p:attrNameLst>
+                                          <p:attrName>ppt_y</p:attrName>
+                                        </p:attrNameLst>
+                                      </p:cBhvr>
+                                      <p:tavLst>
+                                        <p:tav tm="0">
+                                          <p:val>
+                                            <p:strVal val="1+#ppt_h/2"/>
+                                          </p:val>
+                                        </p:tav>
+                                        <p:tav tm="100000">
+                                          <p:val>
+                                            <p:strVal val="#ppt_y"/>
+                                          </p:val>
+                                        </p:tav>
+                                      </p:tavLst>
+                                    </p:anim>
+                                  </p:childTnLst>
+                                </p:cTn>
+                              </p:par>
+                            </p:childTnLst>
+                          </p:cTn>
+                        </p:par>
+                      </p:childTnLst>
+                    </p:cTn>
+                  </p:par>
+                </p:childTnLst>
+              </p:cTn>
+              <p:prevCondLst>
+                <p:cond evt="onPrev" delay="0">
+                  <p:tgtEl>
+                    <p:sldTgt/>
+                  </p:tgtEl>
+                </p:cond>
+              </p:prevCondLst>
+              <p:nextCondLst>
+                <p:cond evt="onNext" delay="0">
+                  <p:tgtEl>
+                    <p:sldTgt/>
+                  </p:tgtEl>
+                </p:cond>
+              </p:nextCondLst>
+            </p:seq>
+          </p:childTnLst>
+        </p:cTn>
+      </p:par>
+    </p:tnLst>
+    <p:bldLst>
+      <p:bldP spid="24" grpId="0"/>
+      <p:bldP spid="25" grpId="0"/>
+    </p:bldLst>
+  </p:timing>
 </p:sld>
 </file>
 
@@ -18018,142 +18560,6 @@
       </p:grpSpPr>
       <p:pic>
         <p:nvPicPr>
-          <p:cNvPr id="4" name="Picture 2">
-            <a:extLst>
-              <a:ext uri="{FF2B5EF4-FFF2-40B4-BE49-F238E27FC236}">
-                <a16:creationId xmlns:a16="http://schemas.microsoft.com/office/drawing/2014/main" id="{A31D8861-D430-4FCB-B4C2-940EFD9ABF35}"/>
-              </a:ext>
-            </a:extLst>
-          </p:cNvPr>
-          <p:cNvPicPr>
-            <a:picLocks noChangeAspect="1" noChangeArrowheads="1"/>
-          </p:cNvPicPr>
-          <p:nvPr/>
-        </p:nvPicPr>
-        <p:blipFill>
-          <a:blip r:embed="rId2" cstate="print"/>
-          <a:srcRect/>
-          <a:stretch>
-            <a:fillRect/>
-          </a:stretch>
-        </p:blipFill>
-        <p:spPr bwMode="auto">
-          <a:xfrm>
-            <a:off x="484188" y="76200"/>
-            <a:ext cx="8202612" cy="239712"/>
-          </a:xfrm>
-          <a:prstGeom prst="rect">
-            <a:avLst/>
-          </a:prstGeom>
-          <a:noFill/>
-          <a:ln w="9525">
-            <a:noFill/>
-            <a:round/>
-            <a:headEnd/>
-            <a:tailEnd/>
-          </a:ln>
-        </p:spPr>
-      </p:pic>
-      <p:sp>
-        <p:nvSpPr>
-          <p:cNvPr id="5" name="Rectangle 4">
-            <a:extLst>
-              <a:ext uri="{FF2B5EF4-FFF2-40B4-BE49-F238E27FC236}">
-                <a16:creationId xmlns:a16="http://schemas.microsoft.com/office/drawing/2014/main" id="{B28F4E61-8FC7-4BDA-B34C-F6CB4D999AEE}"/>
-              </a:ext>
-            </a:extLst>
-          </p:cNvPr>
-          <p:cNvSpPr>
-            <a:spLocks noChangeArrowheads="1"/>
-          </p:cNvSpPr>
-          <p:nvPr/>
-        </p:nvSpPr>
-        <p:spPr bwMode="auto">
-          <a:xfrm>
-            <a:off x="135468" y="84667"/>
-            <a:ext cx="8991601" cy="1127125"/>
-          </a:xfrm>
-          <a:prstGeom prst="rect">
-            <a:avLst/>
-          </a:prstGeom>
-          <a:noFill/>
-          <a:ln w="9525">
-            <a:noFill/>
-            <a:round/>
-            <a:headEnd/>
-            <a:tailEnd/>
-          </a:ln>
-        </p:spPr>
-        <p:txBody>
-          <a:bodyPr lIns="0" tIns="0" rIns="0" bIns="0" anchor="ctr"/>
-          <a:lstStyle/>
-          <a:p>
-            <a:pPr algn="ctr">
-              <a:buClr>
-                <a:srgbClr val="000000"/>
-              </a:buClr>
-              <a:buSzPct val="100000"/>
-              <a:buFont typeface="Times New Roman" pitchFamily="18" charset="0"/>
-              <a:buNone/>
-              <a:tabLst>
-                <a:tab pos="0" algn="l"/>
-                <a:tab pos="914400" algn="l"/>
-                <a:tab pos="1828800" algn="l"/>
-                <a:tab pos="2743200" algn="l"/>
-                <a:tab pos="3657600" algn="l"/>
-                <a:tab pos="4572000" algn="l"/>
-                <a:tab pos="5486400" algn="l"/>
-                <a:tab pos="6400800" algn="l"/>
-                <a:tab pos="7315200" algn="l"/>
-                <a:tab pos="8229600" algn="l"/>
-                <a:tab pos="9144000" algn="l"/>
-                <a:tab pos="10058400" algn="l"/>
-              </a:tabLst>
-            </a:pPr>
-            <a:r>
-              <a:rPr lang="en-GB" sz="4000" dirty="0">
-                <a:solidFill>
-                  <a:srgbClr val="000000"/>
-                </a:solidFill>
-                <a:latin typeface="Times New Roman" pitchFamily="18" charset="0"/>
-              </a:rPr>
-              <a:t>Bayesian Model Checking</a:t>
-            </a:r>
-          </a:p>
-        </p:txBody>
-      </p:sp>
-    </p:spTree>
-    <p:extLst>
-      <p:ext uri="{BB962C8B-B14F-4D97-AF65-F5344CB8AC3E}">
-        <p14:creationId xmlns:p14="http://schemas.microsoft.com/office/powerpoint/2010/main" val="1156364628"/>
-      </p:ext>
-    </p:extLst>
-  </p:cSld>
-  <p:clrMapOvr>
-    <a:masterClrMapping/>
-  </p:clrMapOvr>
-</p:sld>
-</file>
-
-<file path=ppt/slides/slide26.xml><?xml version="1.0" encoding="utf-8"?>
-<p:sld xmlns:a="http://schemas.openxmlformats.org/drawingml/2006/main" xmlns:r="http://schemas.openxmlformats.org/officeDocument/2006/relationships" xmlns:p="http://schemas.openxmlformats.org/presentationml/2006/main">
-  <p:cSld>
-    <p:spTree>
-      <p:nvGrpSpPr>
-        <p:cNvPr id="1" name=""/>
-        <p:cNvGrpSpPr/>
-        <p:nvPr/>
-      </p:nvGrpSpPr>
-      <p:grpSpPr>
-        <a:xfrm>
-          <a:off x="0" y="0"/>
-          <a:ext cx="0" cy="0"/>
-          <a:chOff x="0" y="0"/>
-          <a:chExt cx="0" cy="0"/>
-        </a:xfrm>
-      </p:grpSpPr>
-      <p:pic>
-        <p:nvPicPr>
           <p:cNvPr id="4" name="Picture 2"/>
           <p:cNvPicPr>
             <a:picLocks noChangeAspect="1" noChangeArrowheads="1"/>
@@ -18257,7 +18663,7 @@
         <p:spPr bwMode="auto">
           <a:xfrm>
             <a:off x="228600" y="1153050"/>
-            <a:ext cx="8686800" cy="527138"/>
+            <a:ext cx="8686800" cy="2112090"/>
           </a:xfrm>
           <a:prstGeom prst="rect">
             <a:avLst/>
@@ -18832,7 +19238,7 @@
 </p:sld>
 </file>
 
-<file path=ppt/slides/slide27.xml><?xml version="1.0" encoding="utf-8"?>
+<file path=ppt/slides/slide26.xml><?xml version="1.0" encoding="utf-8"?>
 <p:sld xmlns:a="http://schemas.openxmlformats.org/drawingml/2006/main" xmlns:r="http://schemas.openxmlformats.org/officeDocument/2006/relationships" xmlns:p="http://schemas.openxmlformats.org/presentationml/2006/main">
   <p:cSld>
     <p:spTree>
@@ -19292,30 +19698,6 @@
           </a:fontRef>
         </p:style>
       </p:cxnSp>
-      <p:pic>
-        <p:nvPicPr>
-          <p:cNvPr id="22" name="Picture 21"/>
-          <p:cNvPicPr>
-            <a:picLocks noChangeAspect="1"/>
-          </p:cNvPicPr>
-          <p:nvPr/>
-        </p:nvPicPr>
-        <p:blipFill>
-          <a:blip r:embed="rId4"/>
-          <a:stretch>
-            <a:fillRect/>
-          </a:stretch>
-        </p:blipFill>
-        <p:spPr>
-          <a:xfrm>
-            <a:off x="6327995" y="4407308"/>
-            <a:ext cx="1993900" cy="495300"/>
-          </a:xfrm>
-          <a:prstGeom prst="rect">
-            <a:avLst/>
-          </a:prstGeom>
-        </p:spPr>
-      </p:pic>
       <p:pic>
         <p:nvPicPr>
           <p:cNvPr id="13" name="Picture 12"/>
@@ -19445,57 +19827,6 @@
           </a:p>
         </p:txBody>
       </p:sp>
-      <p:sp>
-        <p:nvSpPr>
-          <p:cNvPr id="5" name="Rectangle 4">
-            <a:extLst>
-              <a:ext uri="{FF2B5EF4-FFF2-40B4-BE49-F238E27FC236}">
-                <a16:creationId xmlns:a16="http://schemas.microsoft.com/office/drawing/2014/main" id="{B60DD083-2166-4BC8-8423-25FE2CFA3CF3}"/>
-              </a:ext>
-            </a:extLst>
-          </p:cNvPr>
-          <p:cNvSpPr/>
-          <p:nvPr/>
-        </p:nvSpPr>
-        <p:spPr>
-          <a:xfrm>
-            <a:off x="7135317" y="4209009"/>
-            <a:ext cx="1564685" cy="872653"/>
-          </a:xfrm>
-          <a:prstGeom prst="rect">
-            <a:avLst/>
-          </a:prstGeom>
-          <a:solidFill>
-            <a:schemeClr val="bg1"/>
-          </a:solidFill>
-          <a:ln>
-            <a:noFill/>
-          </a:ln>
-          <a:effectLst/>
-        </p:spPr>
-        <p:style>
-          <a:lnRef idx="1">
-            <a:schemeClr val="accent1"/>
-          </a:lnRef>
-          <a:fillRef idx="3">
-            <a:schemeClr val="accent1"/>
-          </a:fillRef>
-          <a:effectRef idx="2">
-            <a:schemeClr val="accent1"/>
-          </a:effectRef>
-          <a:fontRef idx="minor">
-            <a:schemeClr val="lt1"/>
-          </a:fontRef>
-        </p:style>
-        <p:txBody>
-          <a:bodyPr rtlCol="0" anchor="ctr"/>
-          <a:lstStyle/>
-          <a:p>
-            <a:pPr algn="ctr"/>
-            <a:endParaRPr lang="en-US" dirty="0"/>
-          </a:p>
-        </p:txBody>
-      </p:sp>
       <p:pic>
         <p:nvPicPr>
           <p:cNvPr id="7" name="Picture 6">
@@ -19511,14 +19842,14 @@
           <p:nvPr/>
         </p:nvPicPr>
         <p:blipFill>
-          <a:blip r:embed="rId5"/>
+          <a:blip r:embed="rId4"/>
           <a:stretch>
             <a:fillRect/>
           </a:stretch>
         </p:blipFill>
         <p:spPr>
           <a:xfrm>
-            <a:off x="6568847" y="4392586"/>
+            <a:off x="6391363" y="4469316"/>
             <a:ext cx="1013019" cy="639129"/>
           </a:xfrm>
           <a:prstGeom prst="rect">
@@ -19540,7 +19871,7 @@
         </p:nvSpPr>
         <p:spPr>
           <a:xfrm>
-            <a:off x="7506915" y="4227696"/>
+            <a:off x="7329431" y="4304426"/>
             <a:ext cx="506509" cy="932302"/>
           </a:xfrm>
           <a:prstGeom prst="rightBrace">
@@ -19584,7 +19915,7 @@
         </p:nvSpPr>
         <p:spPr>
           <a:xfrm>
-            <a:off x="7198672" y="2898260"/>
+            <a:off x="7021188" y="2974990"/>
             <a:ext cx="1999612" cy="1200329"/>
           </a:xfrm>
           <a:prstGeom prst="rect">
@@ -19657,7 +19988,7 @@
         </p:nvCxnSpPr>
         <p:spPr>
           <a:xfrm flipV="1">
-            <a:off x="8013424" y="4098589"/>
+            <a:off x="7835940" y="4175319"/>
             <a:ext cx="0" cy="595258"/>
           </a:xfrm>
           <a:prstGeom prst="line">
@@ -20122,36 +20453,27 @@
                             </p:childTnLst>
                           </p:cTn>
                         </p:par>
-                      </p:childTnLst>
-                    </p:cTn>
-                  </p:par>
-                  <p:par>
-                    <p:cTn id="30" fill="hold">
-                      <p:stCondLst>
-                        <p:cond delay="indefinite"/>
-                      </p:stCondLst>
-                      <p:childTnLst>
                         <p:par>
-                          <p:cTn id="31" fill="hold">
+                          <p:cTn id="30" fill="hold">
                             <p:stCondLst>
-                              <p:cond delay="0"/>
+                              <p:cond delay="1000"/>
                             </p:stCondLst>
                             <p:childTnLst>
                               <p:par>
-                                <p:cTn id="32" presetID="2" presetClass="entr" presetSubtype="4" fill="hold" nodeType="clickEffect">
+                                <p:cTn id="31" presetID="9" presetClass="entr" presetSubtype="0" fill="hold" nodeType="afterEffect">
                                   <p:stCondLst>
                                     <p:cond delay="0"/>
                                   </p:stCondLst>
                                   <p:childTnLst>
                                     <p:set>
                                       <p:cBhvr>
-                                        <p:cTn id="33" dur="1" fill="hold">
+                                        <p:cTn id="32" dur="1" fill="hold">
                                           <p:stCondLst>
                                             <p:cond delay="0"/>
                                           </p:stCondLst>
                                         </p:cTn>
                                         <p:tgtEl>
-                                          <p:spTgt spid="22"/>
+                                          <p:spTgt spid="13"/>
                                         </p:tgtEl>
                                         <p:attrNameLst>
                                           <p:attrName>style.visibility</p:attrName>
@@ -20161,87 +20483,67 @@
                                         <p:strVal val="visible"/>
                                       </p:to>
                                     </p:set>
-                                    <p:anim calcmode="lin" valueType="num">
-                                      <p:cBhvr additive="base">
-                                        <p:cTn id="34" dur="500" fill="hold"/>
-                                        <p:tgtEl>
-                                          <p:spTgt spid="22"/>
-                                        </p:tgtEl>
-                                        <p:attrNameLst>
-                                          <p:attrName>ppt_x</p:attrName>
-                                        </p:attrNameLst>
-                                      </p:cBhvr>
-                                      <p:tavLst>
-                                        <p:tav tm="0">
-                                          <p:val>
-                                            <p:strVal val="#ppt_x"/>
-                                          </p:val>
-                                        </p:tav>
-                                        <p:tav tm="100000">
-                                          <p:val>
-                                            <p:strVal val="#ppt_x"/>
-                                          </p:val>
-                                        </p:tav>
-                                      </p:tavLst>
-                                    </p:anim>
-                                    <p:anim calcmode="lin" valueType="num">
-                                      <p:cBhvr additive="base">
-                                        <p:cTn id="35" dur="500" fill="hold"/>
-                                        <p:tgtEl>
-                                          <p:spTgt spid="22"/>
-                                        </p:tgtEl>
-                                        <p:attrNameLst>
-                                          <p:attrName>ppt_y</p:attrName>
-                                        </p:attrNameLst>
-                                      </p:cBhvr>
-                                      <p:tavLst>
-                                        <p:tav tm="0">
-                                          <p:val>
-                                            <p:strVal val="1+#ppt_h/2"/>
-                                          </p:val>
-                                        </p:tav>
-                                        <p:tav tm="100000">
-                                          <p:val>
-                                            <p:strVal val="#ppt_y"/>
-                                          </p:val>
-                                        </p:tav>
-                                      </p:tavLst>
-                                    </p:anim>
+                                    <p:animEffect transition="in" filter="dissolve">
+                                      <p:cBhvr>
+                                        <p:cTn id="33" dur="500"/>
+                                        <p:tgtEl>
+                                          <p:spTgt spid="13"/>
+                                        </p:tgtEl>
+                                      </p:cBhvr>
+                                    </p:animEffect>
                                   </p:childTnLst>
                                 </p:cTn>
                               </p:par>
+                            </p:childTnLst>
+                          </p:cTn>
+                        </p:par>
+                      </p:childTnLst>
+                    </p:cTn>
+                  </p:par>
+                  <p:par>
+                    <p:cTn id="34" fill="hold">
+                      <p:stCondLst>
+                        <p:cond delay="indefinite"/>
+                      </p:stCondLst>
+                      <p:childTnLst>
+                        <p:par>
+                          <p:cTn id="35" fill="hold">
+                            <p:stCondLst>
+                              <p:cond delay="0"/>
+                            </p:stCondLst>
+                            <p:childTnLst>
                               <p:par>
-                                <p:cTn id="36" presetID="9" presetClass="exit" presetSubtype="0" fill="hold" nodeType="withEffect">
+                                <p:cTn id="36" presetID="9" presetClass="entr" presetSubtype="0" fill="hold" nodeType="clickEffect">
                                   <p:stCondLst>
                                     <p:cond delay="0"/>
                                   </p:stCondLst>
                                   <p:childTnLst>
-                                    <p:animEffect transition="out" filter="dissolve">
-                                      <p:cBhvr>
-                                        <p:cTn id="37" dur="500"/>
-                                        <p:tgtEl>
-                                          <p:spTgt spid="2"/>
-                                        </p:tgtEl>
-                                      </p:cBhvr>
-                                    </p:animEffect>
                                     <p:set>
                                       <p:cBhvr>
-                                        <p:cTn id="38" dur="1" fill="hold">
+                                        <p:cTn id="37" dur="1" fill="hold">
                                           <p:stCondLst>
-                                            <p:cond delay="499"/>
+                                            <p:cond delay="0"/>
                                           </p:stCondLst>
                                         </p:cTn>
                                         <p:tgtEl>
-                                          <p:spTgt spid="2"/>
+                                          <p:spTgt spid="14"/>
                                         </p:tgtEl>
                                         <p:attrNameLst>
                                           <p:attrName>style.visibility</p:attrName>
                                         </p:attrNameLst>
                                       </p:cBhvr>
                                       <p:to>
-                                        <p:strVal val="hidden"/>
+                                        <p:strVal val="visible"/>
                                       </p:to>
                                     </p:set>
+                                    <p:animEffect transition="in" filter="dissolve">
+                                      <p:cBhvr>
+                                        <p:cTn id="38" dur="500"/>
+                                        <p:tgtEl>
+                                          <p:spTgt spid="14"/>
+                                        </p:tgtEl>
+                                      </p:cBhvr>
+                                    </p:animEffect>
                                   </p:childTnLst>
                                 </p:cTn>
                               </p:par>
@@ -20255,7 +20557,7 @@
                             </p:stCondLst>
                             <p:childTnLst>
                               <p:par>
-                                <p:cTn id="40" presetID="9" presetClass="entr" presetSubtype="0" fill="hold" nodeType="afterEffect">
+                                <p:cTn id="40" presetID="2" presetClass="entr" presetSubtype="4" fill="hold" nodeType="afterEffect">
                                   <p:stCondLst>
                                     <p:cond delay="0"/>
                                   </p:stCondLst>
@@ -20268,7 +20570,7 @@
                                           </p:stCondLst>
                                         </p:cTn>
                                         <p:tgtEl>
-                                          <p:spTgt spid="13"/>
+                                          <p:spTgt spid="7"/>
                                         </p:tgtEl>
                                         <p:attrNameLst>
                                           <p:attrName>style.visibility</p:attrName>
@@ -20278,32 +20580,70 @@
                                         <p:strVal val="visible"/>
                                       </p:to>
                                     </p:set>
-                                    <p:animEffect transition="in" filter="dissolve">
-                                      <p:cBhvr>
-                                        <p:cTn id="42" dur="500"/>
-                                        <p:tgtEl>
-                                          <p:spTgt spid="13"/>
-                                        </p:tgtEl>
-                                      </p:cBhvr>
-                                    </p:animEffect>
+                                    <p:anim calcmode="lin" valueType="num">
+                                      <p:cBhvr additive="base">
+                                        <p:cTn id="42" dur="500" fill="hold"/>
+                                        <p:tgtEl>
+                                          <p:spTgt spid="7"/>
+                                        </p:tgtEl>
+                                        <p:attrNameLst>
+                                          <p:attrName>ppt_x</p:attrName>
+                                        </p:attrNameLst>
+                                      </p:cBhvr>
+                                      <p:tavLst>
+                                        <p:tav tm="0">
+                                          <p:val>
+                                            <p:strVal val="#ppt_x"/>
+                                          </p:val>
+                                        </p:tav>
+                                        <p:tav tm="100000">
+                                          <p:val>
+                                            <p:strVal val="#ppt_x"/>
+                                          </p:val>
+                                        </p:tav>
+                                      </p:tavLst>
+                                    </p:anim>
+                                    <p:anim calcmode="lin" valueType="num">
+                                      <p:cBhvr additive="base">
+                                        <p:cTn id="43" dur="500" fill="hold"/>
+                                        <p:tgtEl>
+                                          <p:spTgt spid="7"/>
+                                        </p:tgtEl>
+                                        <p:attrNameLst>
+                                          <p:attrName>ppt_y</p:attrName>
+                                        </p:attrNameLst>
+                                      </p:cBhvr>
+                                      <p:tavLst>
+                                        <p:tav tm="0">
+                                          <p:val>
+                                            <p:strVal val="1+#ppt_h/2"/>
+                                          </p:val>
+                                        </p:tav>
+                                        <p:tav tm="100000">
+                                          <p:val>
+                                            <p:strVal val="#ppt_y"/>
+                                          </p:val>
+                                        </p:tav>
+                                      </p:tavLst>
+                                    </p:anim>
                                   </p:childTnLst>
                                 </p:cTn>
                               </p:par>
                               <p:par>
-                                <p:cTn id="43" presetID="9" presetClass="entr" presetSubtype="0" fill="hold" nodeType="withEffect">
+                                <p:cTn id="44" presetID="2" presetClass="entr" presetSubtype="4" fill="hold" grpId="0" nodeType="withEffect">
                                   <p:stCondLst>
                                     <p:cond delay="0"/>
                                   </p:stCondLst>
                                   <p:childTnLst>
                                     <p:set>
                                       <p:cBhvr>
-                                        <p:cTn id="44" dur="1" fill="hold">
+                                        <p:cTn id="45" dur="1" fill="hold">
                                           <p:stCondLst>
                                             <p:cond delay="0"/>
                                           </p:stCondLst>
                                         </p:cTn>
                                         <p:tgtEl>
-                                          <p:spTgt spid="14"/>
+                                          <p:spTgt spid="8"/>
                                         </p:tgtEl>
                                         <p:attrNameLst>
                                           <p:attrName>style.visibility</p:attrName>
@@ -20313,14 +20653,198 @@
                                         <p:strVal val="visible"/>
                                       </p:to>
                                     </p:set>
-                                    <p:animEffect transition="in" filter="dissolve">
+                                    <p:anim calcmode="lin" valueType="num">
+                                      <p:cBhvr additive="base">
+                                        <p:cTn id="46" dur="500" fill="hold"/>
+                                        <p:tgtEl>
+                                          <p:spTgt spid="8"/>
+                                        </p:tgtEl>
+                                        <p:attrNameLst>
+                                          <p:attrName>ppt_x</p:attrName>
+                                        </p:attrNameLst>
+                                      </p:cBhvr>
+                                      <p:tavLst>
+                                        <p:tav tm="0">
+                                          <p:val>
+                                            <p:strVal val="#ppt_x"/>
+                                          </p:val>
+                                        </p:tav>
+                                        <p:tav tm="100000">
+                                          <p:val>
+                                            <p:strVal val="#ppt_x"/>
+                                          </p:val>
+                                        </p:tav>
+                                      </p:tavLst>
+                                    </p:anim>
+                                    <p:anim calcmode="lin" valueType="num">
+                                      <p:cBhvr additive="base">
+                                        <p:cTn id="47" dur="500" fill="hold"/>
+                                        <p:tgtEl>
+                                          <p:spTgt spid="8"/>
+                                        </p:tgtEl>
+                                        <p:attrNameLst>
+                                          <p:attrName>ppt_y</p:attrName>
+                                        </p:attrNameLst>
+                                      </p:cBhvr>
+                                      <p:tavLst>
+                                        <p:tav tm="0">
+                                          <p:val>
+                                            <p:strVal val="1+#ppt_h/2"/>
+                                          </p:val>
+                                        </p:tav>
+                                        <p:tav tm="100000">
+                                          <p:val>
+                                            <p:strVal val="#ppt_y"/>
+                                          </p:val>
+                                        </p:tav>
+                                      </p:tavLst>
+                                    </p:anim>
+                                  </p:childTnLst>
+                                </p:cTn>
+                              </p:par>
+                              <p:par>
+                                <p:cTn id="48" presetID="2" presetClass="entr" presetSubtype="4" fill="hold" grpId="0" nodeType="withEffect">
+                                  <p:stCondLst>
+                                    <p:cond delay="0"/>
+                                  </p:stCondLst>
+                                  <p:childTnLst>
+                                    <p:set>
                                       <p:cBhvr>
-                                        <p:cTn id="45" dur="500"/>
-                                        <p:tgtEl>
-                                          <p:spTgt spid="14"/>
-                                        </p:tgtEl>
-                                      </p:cBhvr>
-                                    </p:animEffect>
+                                        <p:cTn id="49" dur="1" fill="hold">
+                                          <p:stCondLst>
+                                            <p:cond delay="0"/>
+                                          </p:stCondLst>
+                                        </p:cTn>
+                                        <p:tgtEl>
+                                          <p:spTgt spid="9"/>
+                                        </p:tgtEl>
+                                        <p:attrNameLst>
+                                          <p:attrName>style.visibility</p:attrName>
+                                        </p:attrNameLst>
+                                      </p:cBhvr>
+                                      <p:to>
+                                        <p:strVal val="visible"/>
+                                      </p:to>
+                                    </p:set>
+                                    <p:anim calcmode="lin" valueType="num">
+                                      <p:cBhvr additive="base">
+                                        <p:cTn id="50" dur="500" fill="hold"/>
+                                        <p:tgtEl>
+                                          <p:spTgt spid="9"/>
+                                        </p:tgtEl>
+                                        <p:attrNameLst>
+                                          <p:attrName>ppt_x</p:attrName>
+                                        </p:attrNameLst>
+                                      </p:cBhvr>
+                                      <p:tavLst>
+                                        <p:tav tm="0">
+                                          <p:val>
+                                            <p:strVal val="#ppt_x"/>
+                                          </p:val>
+                                        </p:tav>
+                                        <p:tav tm="100000">
+                                          <p:val>
+                                            <p:strVal val="#ppt_x"/>
+                                          </p:val>
+                                        </p:tav>
+                                      </p:tavLst>
+                                    </p:anim>
+                                    <p:anim calcmode="lin" valueType="num">
+                                      <p:cBhvr additive="base">
+                                        <p:cTn id="51" dur="500" fill="hold"/>
+                                        <p:tgtEl>
+                                          <p:spTgt spid="9"/>
+                                        </p:tgtEl>
+                                        <p:attrNameLst>
+                                          <p:attrName>ppt_y</p:attrName>
+                                        </p:attrNameLst>
+                                      </p:cBhvr>
+                                      <p:tavLst>
+                                        <p:tav tm="0">
+                                          <p:val>
+                                            <p:strVal val="1+#ppt_h/2"/>
+                                          </p:val>
+                                        </p:tav>
+                                        <p:tav tm="100000">
+                                          <p:val>
+                                            <p:strVal val="#ppt_y"/>
+                                          </p:val>
+                                        </p:tav>
+                                      </p:tavLst>
+                                    </p:anim>
+                                  </p:childTnLst>
+                                </p:cTn>
+                              </p:par>
+                              <p:par>
+                                <p:cTn id="52" presetID="2" presetClass="entr" presetSubtype="4" fill="hold" nodeType="withEffect">
+                                  <p:stCondLst>
+                                    <p:cond delay="0"/>
+                                  </p:stCondLst>
+                                  <p:childTnLst>
+                                    <p:set>
+                                      <p:cBhvr>
+                                        <p:cTn id="53" dur="1" fill="hold">
+                                          <p:stCondLst>
+                                            <p:cond delay="0"/>
+                                          </p:stCondLst>
+                                        </p:cTn>
+                                        <p:tgtEl>
+                                          <p:spTgt spid="19"/>
+                                        </p:tgtEl>
+                                        <p:attrNameLst>
+                                          <p:attrName>style.visibility</p:attrName>
+                                        </p:attrNameLst>
+                                      </p:cBhvr>
+                                      <p:to>
+                                        <p:strVal val="visible"/>
+                                      </p:to>
+                                    </p:set>
+                                    <p:anim calcmode="lin" valueType="num">
+                                      <p:cBhvr additive="base">
+                                        <p:cTn id="54" dur="500" fill="hold"/>
+                                        <p:tgtEl>
+                                          <p:spTgt spid="19"/>
+                                        </p:tgtEl>
+                                        <p:attrNameLst>
+                                          <p:attrName>ppt_x</p:attrName>
+                                        </p:attrNameLst>
+                                      </p:cBhvr>
+                                      <p:tavLst>
+                                        <p:tav tm="0">
+                                          <p:val>
+                                            <p:strVal val="#ppt_x"/>
+                                          </p:val>
+                                        </p:tav>
+                                        <p:tav tm="100000">
+                                          <p:val>
+                                            <p:strVal val="#ppt_x"/>
+                                          </p:val>
+                                        </p:tav>
+                                      </p:tavLst>
+                                    </p:anim>
+                                    <p:anim calcmode="lin" valueType="num">
+                                      <p:cBhvr additive="base">
+                                        <p:cTn id="55" dur="500" fill="hold"/>
+                                        <p:tgtEl>
+                                          <p:spTgt spid="19"/>
+                                        </p:tgtEl>
+                                        <p:attrNameLst>
+                                          <p:attrName>ppt_y</p:attrName>
+                                        </p:attrNameLst>
+                                      </p:cBhvr>
+                                      <p:tavLst>
+                                        <p:tav tm="0">
+                                          <p:val>
+                                            <p:strVal val="1+#ppt_h/2"/>
+                                          </p:val>
+                                        </p:tav>
+                                        <p:tav tm="100000">
+                                          <p:val>
+                                            <p:strVal val="#ppt_y"/>
+                                          </p:val>
+                                        </p:tav>
+                                      </p:tavLst>
+                                    </p:anim>
                                   </p:childTnLst>
                                 </p:cTn>
                               </p:par>
@@ -20353,12 +20877,14 @@
     </p:tnLst>
     <p:bldLst>
       <p:bldP spid="16" grpId="0"/>
+      <p:bldP spid="8" grpId="0" animBg="1"/>
+      <p:bldP spid="9" grpId="0"/>
     </p:bldLst>
   </p:timing>
 </p:sld>
 </file>
 
-<file path=ppt/slides/slide28.xml><?xml version="1.0" encoding="utf-8"?>
+<file path=ppt/slides/slide27.xml><?xml version="1.0" encoding="utf-8"?>
 <p:sld xmlns:a="http://schemas.openxmlformats.org/drawingml/2006/main" xmlns:r="http://schemas.openxmlformats.org/officeDocument/2006/relationships" xmlns:p="http://schemas.openxmlformats.org/presentationml/2006/main">
   <p:cSld>
     <p:spTree>
@@ -20940,7 +21466,7 @@
                                           </p:stCondLst>
                                         </p:cTn>
                                         <p:tgtEl>
-                                          <p:spTgt spid="4"/>
+                                          <p:spTgt spid="7"/>
                                         </p:tgtEl>
                                         <p:attrNameLst>
                                           <p:attrName>style.visibility</p:attrName>
@@ -20954,7 +21480,7 @@
                                       <p:cBhvr additive="base">
                                         <p:cTn id="7" dur="500" fill="hold"/>
                                         <p:tgtEl>
-                                          <p:spTgt spid="4"/>
+                                          <p:spTgt spid="7"/>
                                         </p:tgtEl>
                                         <p:attrNameLst>
                                           <p:attrName>ppt_x</p:attrName>
@@ -20977,7 +21503,7 @@
                                       <p:cBhvr additive="base">
                                         <p:cTn id="8" dur="500" fill="hold"/>
                                         <p:tgtEl>
-                                          <p:spTgt spid="4"/>
+                                          <p:spTgt spid="7"/>
                                         </p:tgtEl>
                                         <p:attrNameLst>
                                           <p:attrName>ppt_y</p:attrName>
@@ -21031,7 +21557,7 @@
                                           </p:stCondLst>
                                         </p:cTn>
                                         <p:tgtEl>
-                                          <p:spTgt spid="5"/>
+                                          <p:spTgt spid="6"/>
                                         </p:tgtEl>
                                         <p:attrNameLst>
                                           <p:attrName>style.visibility</p:attrName>
@@ -21045,7 +21571,7 @@
                                       <p:cBhvr additive="base">
                                         <p:cTn id="13" dur="500" fill="hold"/>
                                         <p:tgtEl>
-                                          <p:spTgt spid="5"/>
+                                          <p:spTgt spid="6"/>
                                         </p:tgtEl>
                                         <p:attrNameLst>
                                           <p:attrName>ppt_x</p:attrName>
@@ -21068,7 +21594,7 @@
                                       <p:cBhvr additive="base">
                                         <p:cTn id="14" dur="500" fill="hold"/>
                                         <p:tgtEl>
-                                          <p:spTgt spid="5"/>
+                                          <p:spTgt spid="6"/>
                                         </p:tgtEl>
                                         <p:attrNameLst>
                                           <p:attrName>ppt_y</p:attrName>
@@ -21122,7 +21648,7 @@
                                           </p:stCondLst>
                                         </p:cTn>
                                         <p:tgtEl>
-                                          <p:spTgt spid="7"/>
+                                          <p:spTgt spid="4"/>
                                         </p:tgtEl>
                                         <p:attrNameLst>
                                           <p:attrName>style.visibility</p:attrName>
@@ -21136,7 +21662,7 @@
                                       <p:cBhvr additive="base">
                                         <p:cTn id="19" dur="500" fill="hold"/>
                                         <p:tgtEl>
-                                          <p:spTgt spid="7"/>
+                                          <p:spTgt spid="4"/>
                                         </p:tgtEl>
                                         <p:attrNameLst>
                                           <p:attrName>ppt_x</p:attrName>
@@ -21159,7 +21685,7 @@
                                       <p:cBhvr additive="base">
                                         <p:cTn id="20" dur="500" fill="hold"/>
                                         <p:tgtEl>
-                                          <p:spTgt spid="7"/>
+                                          <p:spTgt spid="4"/>
                                         </p:tgtEl>
                                         <p:attrNameLst>
                                           <p:attrName>ppt_y</p:attrName>
@@ -21213,7 +21739,7 @@
                                           </p:stCondLst>
                                         </p:cTn>
                                         <p:tgtEl>
-                                          <p:spTgt spid="6"/>
+                                          <p:spTgt spid="5"/>
                                         </p:tgtEl>
                                         <p:attrNameLst>
                                           <p:attrName>style.visibility</p:attrName>
@@ -21227,7 +21753,7 @@
                                       <p:cBhvr additive="base">
                                         <p:cTn id="25" dur="500" fill="hold"/>
                                         <p:tgtEl>
-                                          <p:spTgt spid="6"/>
+                                          <p:spTgt spid="5"/>
                                         </p:tgtEl>
                                         <p:attrNameLst>
                                           <p:attrName>ppt_x</p:attrName>
@@ -21250,7 +21776,7 @@
                                       <p:cBhvr additive="base">
                                         <p:cTn id="26" dur="500" fill="hold"/>
                                         <p:tgtEl>
-                                          <p:spTgt spid="6"/>
+                                          <p:spTgt spid="5"/>
                                         </p:tgtEl>
                                         <p:attrNameLst>
                                           <p:attrName>ppt_y</p:attrName>
@@ -21309,7 +21835,7 @@
 </p:sld>
 </file>
 
-<file path=ppt/slides/slide29.xml><?xml version="1.0" encoding="utf-8"?>
+<file path=ppt/slides/slide28.xml><?xml version="1.0" encoding="utf-8"?>
 <p:sld xmlns:a="http://schemas.openxmlformats.org/drawingml/2006/main" xmlns:r="http://schemas.openxmlformats.org/officeDocument/2006/relationships" xmlns:p="http://schemas.openxmlformats.org/presentationml/2006/main">
   <p:cSld>
     <p:spTree>
@@ -22434,6 +22960,825 @@
 </p:sld>
 </file>
 
+<file path=ppt/slides/slide29.xml><?xml version="1.0" encoding="utf-8"?>
+<p:sld xmlns:a="http://schemas.openxmlformats.org/drawingml/2006/main" xmlns:r="http://schemas.openxmlformats.org/officeDocument/2006/relationships" xmlns:p="http://schemas.openxmlformats.org/presentationml/2006/main">
+  <p:cSld>
+    <p:spTree>
+      <p:nvGrpSpPr>
+        <p:cNvPr id="1" name=""/>
+        <p:cNvGrpSpPr/>
+        <p:nvPr/>
+      </p:nvGrpSpPr>
+      <p:grpSpPr>
+        <a:xfrm>
+          <a:off x="0" y="0"/>
+          <a:ext cx="0" cy="0"/>
+          <a:chOff x="0" y="0"/>
+          <a:chExt cx="0" cy="0"/>
+        </a:xfrm>
+      </p:grpSpPr>
+      <p:pic>
+        <p:nvPicPr>
+          <p:cNvPr id="4" name="Picture 2"/>
+          <p:cNvPicPr>
+            <a:picLocks noChangeAspect="1" noChangeArrowheads="1"/>
+          </p:cNvPicPr>
+          <p:nvPr/>
+        </p:nvPicPr>
+        <p:blipFill>
+          <a:blip r:embed="rId3" cstate="print"/>
+          <a:srcRect/>
+          <a:stretch>
+            <a:fillRect/>
+          </a:stretch>
+        </p:blipFill>
+        <p:spPr bwMode="auto">
+          <a:xfrm>
+            <a:off x="484188" y="76200"/>
+            <a:ext cx="8202612" cy="239712"/>
+          </a:xfrm>
+          <a:prstGeom prst="rect">
+            <a:avLst/>
+          </a:prstGeom>
+          <a:noFill/>
+          <a:ln w="9525">
+            <a:noFill/>
+            <a:round/>
+            <a:headEnd/>
+            <a:tailEnd/>
+          </a:ln>
+        </p:spPr>
+      </p:pic>
+      <p:sp>
+        <p:nvSpPr>
+          <p:cNvPr id="5" name="Rectangle 4"/>
+          <p:cNvSpPr>
+            <a:spLocks noChangeArrowheads="1"/>
+          </p:cNvSpPr>
+          <p:nvPr/>
+        </p:nvSpPr>
+        <p:spPr bwMode="auto">
+          <a:xfrm>
+            <a:off x="60518" y="174607"/>
+            <a:ext cx="8991601" cy="1127125"/>
+          </a:xfrm>
+          <a:prstGeom prst="rect">
+            <a:avLst/>
+          </a:prstGeom>
+          <a:noFill/>
+          <a:ln w="9525">
+            <a:noFill/>
+            <a:round/>
+            <a:headEnd/>
+            <a:tailEnd/>
+          </a:ln>
+        </p:spPr>
+        <p:txBody>
+          <a:bodyPr lIns="0" tIns="0" rIns="0" bIns="0" anchor="ctr"/>
+          <a:lstStyle/>
+          <a:p>
+            <a:pPr algn="ctr">
+              <a:buClr>
+                <a:srgbClr val="000000"/>
+              </a:buClr>
+              <a:buSzPct val="100000"/>
+              <a:buFont typeface="Times New Roman" pitchFamily="18" charset="0"/>
+              <a:buNone/>
+              <a:tabLst>
+                <a:tab pos="0" algn="l"/>
+                <a:tab pos="914400" algn="l"/>
+                <a:tab pos="1828800" algn="l"/>
+                <a:tab pos="2743200" algn="l"/>
+                <a:tab pos="3657600" algn="l"/>
+                <a:tab pos="4572000" algn="l"/>
+                <a:tab pos="5486400" algn="l"/>
+                <a:tab pos="6400800" algn="l"/>
+                <a:tab pos="7315200" algn="l"/>
+                <a:tab pos="8229600" algn="l"/>
+                <a:tab pos="9144000" algn="l"/>
+                <a:tab pos="10058400" algn="l"/>
+              </a:tabLst>
+            </a:pPr>
+            <a:r>
+              <a:rPr lang="en-GB" sz="2800" dirty="0">
+                <a:solidFill>
+                  <a:srgbClr val="000000"/>
+                </a:solidFill>
+                <a:latin typeface="Times New Roman" pitchFamily="18" charset="0"/>
+              </a:rPr>
+              <a:t>Aside: The “Bayesian Framework” in Forensic Science</a:t>
+            </a:r>
+          </a:p>
+        </p:txBody>
+      </p:sp>
+      <p:graphicFrame>
+        <p:nvGraphicFramePr>
+          <p:cNvPr id="7" name="Object 6"/>
+          <p:cNvGraphicFramePr>
+            <a:graphicFrameLocks noChangeAspect="1"/>
+          </p:cNvGraphicFramePr>
+          <p:nvPr/>
+        </p:nvGraphicFramePr>
+        <p:xfrm>
+          <a:off x="1738567" y="4075761"/>
+          <a:ext cx="5360315" cy="1012504"/>
+        </p:xfrm>
+        <a:graphic>
+          <a:graphicData uri="http://schemas.openxmlformats.org/presentationml/2006/ole">
+            <mc:AlternateContent xmlns:mc="http://schemas.openxmlformats.org/markup-compatibility/2006">
+              <mc:Choice xmlns:v="urn:schemas-microsoft-com:vml" Requires="v">
+                <p:oleObj spid="_x0000_s25762" name="Equation" r:id="rId4" imgW="2286000" imgH="431800" progId="Equation.DSMT4">
+                  <p:embed/>
+                </p:oleObj>
+              </mc:Choice>
+              <mc:Fallback>
+                <p:oleObj name="Equation" r:id="rId4" imgW="2286000" imgH="431800" progId="Equation.DSMT4">
+                  <p:embed/>
+                  <p:pic>
+                    <p:nvPicPr>
+                      <p:cNvPr id="0" name="Picture 3"/>
+                      <p:cNvPicPr>
+                        <a:picLocks noChangeAspect="1" noChangeArrowheads="1"/>
+                      </p:cNvPicPr>
+                      <p:nvPr/>
+                    </p:nvPicPr>
+                    <p:blipFill>
+                      <a:blip r:embed="rId5">
+                        <a:extLst>
+                          <a:ext uri="{28A0092B-C50C-407E-A947-70E740481C1C}">
+                            <a14:useLocalDpi xmlns:a14="http://schemas.microsoft.com/office/drawing/2010/main" val="0"/>
+                          </a:ext>
+                        </a:extLst>
+                      </a:blip>
+                      <a:srcRect/>
+                      <a:stretch>
+                        <a:fillRect/>
+                      </a:stretch>
+                    </p:blipFill>
+                    <p:spPr bwMode="auto">
+                      <a:xfrm>
+                        <a:off x="1738567" y="4075761"/>
+                        <a:ext cx="5360315" cy="1012504"/>
+                      </a:xfrm>
+                      <a:prstGeom prst="rect">
+                        <a:avLst/>
+                      </a:prstGeom>
+                      <a:noFill/>
+                      <a:extLst>
+                        <a:ext uri="{909E8E84-426E-40dd-AFC4-6F175D3DCCD1}">
+                          <a14:hiddenFill xmlns:a14="http://schemas.microsoft.com/office/drawing/2010/main" xmlns="">
+                            <a:solidFill>
+                              <a:srgbClr val="FFFFFF"/>
+                            </a:solidFill>
+                          </a14:hiddenFill>
+                        </a:ext>
+                      </a:extLst>
+                    </p:spPr>
+                  </p:pic>
+                </p:oleObj>
+              </mc:Fallback>
+            </mc:AlternateContent>
+          </a:graphicData>
+        </a:graphic>
+      </p:graphicFrame>
+      <p:sp>
+        <p:nvSpPr>
+          <p:cNvPr id="8" name="Rectangle 5"/>
+          <p:cNvSpPr>
+            <a:spLocks noChangeArrowheads="1"/>
+          </p:cNvSpPr>
+          <p:nvPr/>
+        </p:nvSpPr>
+        <p:spPr bwMode="auto">
+          <a:xfrm>
+            <a:off x="228600" y="1393368"/>
+            <a:ext cx="8686800" cy="2590800"/>
+          </a:xfrm>
+          <a:prstGeom prst="rect">
+            <a:avLst/>
+          </a:prstGeom>
+          <a:noFill/>
+          <a:ln w="9525">
+            <a:noFill/>
+            <a:round/>
+            <a:headEnd/>
+            <a:tailEnd/>
+          </a:ln>
+        </p:spPr>
+        <p:txBody>
+          <a:bodyPr lIns="0" tIns="0" rIns="0" bIns="0"/>
+          <a:lstStyle/>
+          <a:p>
+            <a:pPr marL="430213" indent="-323850">
+              <a:lnSpc>
+                <a:spcPct val="100000"/>
+              </a:lnSpc>
+              <a:spcBef>
+                <a:spcPts val="800"/>
+              </a:spcBef>
+              <a:buFont typeface="Times New Roman" pitchFamily="18" charset="0"/>
+              <a:buChar char="•"/>
+              <a:tabLst>
+                <a:tab pos="430213" algn="l"/>
+                <a:tab pos="1344613" algn="l"/>
+                <a:tab pos="2259013" algn="l"/>
+                <a:tab pos="3173413" algn="l"/>
+                <a:tab pos="4087813" algn="l"/>
+                <a:tab pos="5002213" algn="l"/>
+                <a:tab pos="5916613" algn="l"/>
+                <a:tab pos="6831013" algn="l"/>
+                <a:tab pos="7745413" algn="l"/>
+                <a:tab pos="8659813" algn="l"/>
+                <a:tab pos="9574213" algn="l"/>
+                <a:tab pos="10488613" algn="l"/>
+              </a:tabLst>
+            </a:pPr>
+            <a:r>
+              <a:rPr lang="en-GB" sz="2400" dirty="0" err="1">
+                <a:solidFill>
+                  <a:srgbClr val="000000"/>
+                </a:solidFill>
+                <a:latin typeface="Times New Roman" pitchFamily="18" charset="0"/>
+              </a:rPr>
+              <a:t>Bayes</a:t>
+            </a:r>
+            <a:r>
+              <a:rPr lang="en-GB" sz="2400" dirty="0">
+                <a:solidFill>
+                  <a:srgbClr val="000000"/>
+                </a:solidFill>
+                <a:latin typeface="Times New Roman" pitchFamily="18" charset="0"/>
+              </a:rPr>
+              <a:t>’ </a:t>
+            </a:r>
+            <a:r>
+              <a:rPr lang="en-GB" sz="2400" dirty="0" err="1">
+                <a:solidFill>
+                  <a:srgbClr val="000000"/>
+                </a:solidFill>
+                <a:latin typeface="Times New Roman" pitchFamily="18" charset="0"/>
+              </a:rPr>
+              <a:t>Rule</a:t>
+            </a:r>
+            <a:r>
+              <a:rPr lang="en-GB" sz="2400" baseline="30000" dirty="0" err="1">
+                <a:solidFill>
+                  <a:srgbClr val="000000"/>
+                </a:solidFill>
+                <a:latin typeface="Times New Roman" pitchFamily="18" charset="0"/>
+              </a:rPr>
+              <a:t>Aitken</a:t>
+            </a:r>
+            <a:r>
+              <a:rPr lang="en-GB" sz="2400" baseline="30000" dirty="0">
+                <a:solidFill>
+                  <a:srgbClr val="000000"/>
+                </a:solidFill>
+                <a:latin typeface="Times New Roman" pitchFamily="18" charset="0"/>
+              </a:rPr>
+              <a:t>, </a:t>
+            </a:r>
+            <a:r>
+              <a:rPr lang="en-GB" sz="2400" baseline="30000" dirty="0" err="1">
+                <a:solidFill>
+                  <a:srgbClr val="000000"/>
+                </a:solidFill>
+                <a:latin typeface="Times New Roman" pitchFamily="18" charset="0"/>
+              </a:rPr>
+              <a:t>Taroni</a:t>
+            </a:r>
+            <a:r>
+              <a:rPr lang="en-GB" sz="2400" dirty="0">
+                <a:solidFill>
+                  <a:srgbClr val="000000"/>
+                </a:solidFill>
+                <a:latin typeface="Times New Roman" pitchFamily="18" charset="0"/>
+              </a:rPr>
+              <a:t>:</a:t>
+            </a:r>
+          </a:p>
+          <a:p>
+            <a:pPr marL="887413" lvl="1" indent="-323850">
+              <a:lnSpc>
+                <a:spcPct val="100000"/>
+              </a:lnSpc>
+              <a:spcBef>
+                <a:spcPts val="800"/>
+              </a:spcBef>
+              <a:buFont typeface="Times New Roman" pitchFamily="18" charset="0"/>
+              <a:buChar char="•"/>
+              <a:tabLst>
+                <a:tab pos="430213" algn="l"/>
+                <a:tab pos="1344613" algn="l"/>
+                <a:tab pos="2259013" algn="l"/>
+                <a:tab pos="3173413" algn="l"/>
+                <a:tab pos="4087813" algn="l"/>
+                <a:tab pos="5002213" algn="l"/>
+                <a:tab pos="5916613" algn="l"/>
+                <a:tab pos="6831013" algn="l"/>
+                <a:tab pos="7745413" algn="l"/>
+                <a:tab pos="8659813" algn="l"/>
+                <a:tab pos="9574213" algn="l"/>
+                <a:tab pos="10488613" algn="l"/>
+              </a:tabLst>
+            </a:pPr>
+            <a:r>
+              <a:rPr lang="en-GB" sz="2800" i="1" dirty="0">
+                <a:solidFill>
+                  <a:srgbClr val="000000"/>
+                </a:solidFill>
+                <a:latin typeface="Times New Roman" pitchFamily="18" charset="0"/>
+              </a:rPr>
+              <a:t>H</a:t>
+            </a:r>
+            <a:r>
+              <a:rPr lang="en-GB" sz="2800" i="1" baseline="-25000" dirty="0">
+                <a:solidFill>
+                  <a:srgbClr val="000000"/>
+                </a:solidFill>
+                <a:latin typeface="Times New Roman" pitchFamily="18" charset="0"/>
+              </a:rPr>
+              <a:t>p</a:t>
+            </a:r>
+            <a:r>
+              <a:rPr lang="en-GB" sz="2800" dirty="0">
+                <a:solidFill>
+                  <a:srgbClr val="000000"/>
+                </a:solidFill>
+                <a:latin typeface="Times New Roman" pitchFamily="18" charset="0"/>
+              </a:rPr>
+              <a:t> = the prosecution’s hypothesis</a:t>
+            </a:r>
+          </a:p>
+          <a:p>
+            <a:pPr marL="887413" lvl="1" indent="-323850">
+              <a:lnSpc>
+                <a:spcPct val="100000"/>
+              </a:lnSpc>
+              <a:spcBef>
+                <a:spcPts val="800"/>
+              </a:spcBef>
+              <a:buFont typeface="Times New Roman" pitchFamily="18" charset="0"/>
+              <a:buChar char="•"/>
+              <a:tabLst>
+                <a:tab pos="430213" algn="l"/>
+                <a:tab pos="1344613" algn="l"/>
+                <a:tab pos="2259013" algn="l"/>
+                <a:tab pos="3173413" algn="l"/>
+                <a:tab pos="4087813" algn="l"/>
+                <a:tab pos="5002213" algn="l"/>
+                <a:tab pos="5916613" algn="l"/>
+                <a:tab pos="6831013" algn="l"/>
+                <a:tab pos="7745413" algn="l"/>
+                <a:tab pos="8659813" algn="l"/>
+                <a:tab pos="9574213" algn="l"/>
+                <a:tab pos="10488613" algn="l"/>
+              </a:tabLst>
+            </a:pPr>
+            <a:r>
+              <a:rPr lang="en-GB" sz="2400" i="1" dirty="0" err="1">
+                <a:solidFill>
+                  <a:srgbClr val="000000"/>
+                </a:solidFill>
+                <a:latin typeface="Times New Roman" pitchFamily="18" charset="0"/>
+              </a:rPr>
+              <a:t>H</a:t>
+            </a:r>
+            <a:r>
+              <a:rPr lang="en-GB" sz="2400" i="1" baseline="-25000" dirty="0" err="1">
+                <a:solidFill>
+                  <a:srgbClr val="000000"/>
+                </a:solidFill>
+                <a:latin typeface="Times New Roman" pitchFamily="18" charset="0"/>
+              </a:rPr>
+              <a:t>d</a:t>
+            </a:r>
+            <a:r>
+              <a:rPr lang="en-GB" sz="2400" dirty="0">
+                <a:solidFill>
+                  <a:srgbClr val="000000"/>
+                </a:solidFill>
+                <a:latin typeface="Times New Roman" pitchFamily="18" charset="0"/>
+              </a:rPr>
+              <a:t> = the defences’ hypothesis</a:t>
+            </a:r>
+          </a:p>
+          <a:p>
+            <a:pPr marL="887413" lvl="1" indent="-323850">
+              <a:spcBef>
+                <a:spcPts val="800"/>
+              </a:spcBef>
+              <a:buFont typeface="Times New Roman" pitchFamily="18" charset="0"/>
+              <a:buChar char="•"/>
+              <a:tabLst>
+                <a:tab pos="430213" algn="l"/>
+                <a:tab pos="1344613" algn="l"/>
+                <a:tab pos="2259013" algn="l"/>
+                <a:tab pos="3173413" algn="l"/>
+                <a:tab pos="4087813" algn="l"/>
+                <a:tab pos="5002213" algn="l"/>
+                <a:tab pos="5916613" algn="l"/>
+                <a:tab pos="6831013" algn="l"/>
+                <a:tab pos="7745413" algn="l"/>
+                <a:tab pos="8659813" algn="l"/>
+                <a:tab pos="9574213" algn="l"/>
+                <a:tab pos="10488613" algn="l"/>
+              </a:tabLst>
+            </a:pPr>
+            <a:r>
+              <a:rPr lang="en-GB" sz="2400" dirty="0">
+                <a:solidFill>
+                  <a:srgbClr val="000000"/>
+                </a:solidFill>
+                <a:latin typeface="Times New Roman" pitchFamily="18" charset="0"/>
+              </a:rPr>
+              <a:t> </a:t>
+            </a:r>
+            <a:r>
+              <a:rPr lang="en-GB" sz="2400" i="1" dirty="0">
+                <a:solidFill>
+                  <a:srgbClr val="000000"/>
+                </a:solidFill>
+                <a:latin typeface="Times New Roman" pitchFamily="18" charset="0"/>
+              </a:rPr>
+              <a:t>E</a:t>
+            </a:r>
+            <a:r>
+              <a:rPr lang="en-GB" sz="2400" dirty="0">
+                <a:solidFill>
+                  <a:srgbClr val="000000"/>
+                </a:solidFill>
+                <a:latin typeface="Times New Roman" pitchFamily="18" charset="0"/>
+              </a:rPr>
+              <a:t> = any evidence</a:t>
+            </a:r>
+          </a:p>
+          <a:p>
+            <a:pPr marL="887413" lvl="1" indent="-323850">
+              <a:lnSpc>
+                <a:spcPct val="100000"/>
+              </a:lnSpc>
+              <a:spcBef>
+                <a:spcPts val="800"/>
+              </a:spcBef>
+              <a:buFont typeface="Times New Roman" pitchFamily="18" charset="0"/>
+              <a:buChar char="•"/>
+              <a:tabLst>
+                <a:tab pos="430213" algn="l"/>
+                <a:tab pos="1344613" algn="l"/>
+                <a:tab pos="2259013" algn="l"/>
+                <a:tab pos="3173413" algn="l"/>
+                <a:tab pos="4087813" algn="l"/>
+                <a:tab pos="5002213" algn="l"/>
+                <a:tab pos="5916613" algn="l"/>
+                <a:tab pos="6831013" algn="l"/>
+                <a:tab pos="7745413" algn="l"/>
+                <a:tab pos="8659813" algn="l"/>
+                <a:tab pos="9574213" algn="l"/>
+                <a:tab pos="10488613" algn="l"/>
+              </a:tabLst>
+            </a:pPr>
+            <a:r>
+              <a:rPr lang="en-GB" sz="2400" i="1" dirty="0">
+                <a:solidFill>
+                  <a:srgbClr val="000000"/>
+                </a:solidFill>
+                <a:latin typeface="Times New Roman" pitchFamily="18" charset="0"/>
+              </a:rPr>
+              <a:t>I</a:t>
+            </a:r>
+            <a:r>
+              <a:rPr lang="en-GB" sz="2400" dirty="0">
+                <a:solidFill>
+                  <a:srgbClr val="000000"/>
+                </a:solidFill>
+                <a:latin typeface="Times New Roman" pitchFamily="18" charset="0"/>
+              </a:rPr>
+              <a:t> = any background information</a:t>
+            </a:r>
+          </a:p>
+          <a:p>
+            <a:pPr marL="887413" lvl="1" indent="-323850">
+              <a:lnSpc>
+                <a:spcPct val="100000"/>
+              </a:lnSpc>
+              <a:spcBef>
+                <a:spcPts val="800"/>
+              </a:spcBef>
+              <a:tabLst>
+                <a:tab pos="430213" algn="l"/>
+                <a:tab pos="1344613" algn="l"/>
+                <a:tab pos="2259013" algn="l"/>
+                <a:tab pos="3173413" algn="l"/>
+                <a:tab pos="4087813" algn="l"/>
+                <a:tab pos="5002213" algn="l"/>
+                <a:tab pos="5916613" algn="l"/>
+                <a:tab pos="6831013" algn="l"/>
+                <a:tab pos="7745413" algn="l"/>
+                <a:tab pos="8659813" algn="l"/>
+                <a:tab pos="9574213" algn="l"/>
+                <a:tab pos="10488613" algn="l"/>
+              </a:tabLst>
+            </a:pPr>
+            <a:endParaRPr lang="en-GB" sz="3200" dirty="0">
+              <a:solidFill>
+                <a:srgbClr val="000000"/>
+              </a:solidFill>
+              <a:latin typeface="Times New Roman" pitchFamily="18" charset="0"/>
+            </a:endParaRPr>
+          </a:p>
+        </p:txBody>
+      </p:sp>
+      <p:graphicFrame>
+        <p:nvGraphicFramePr>
+          <p:cNvPr id="25604" name="Object 4"/>
+          <p:cNvGraphicFramePr>
+            <a:graphicFrameLocks noChangeAspect="1"/>
+          </p:cNvGraphicFramePr>
+          <p:nvPr/>
+        </p:nvGraphicFramePr>
+        <p:xfrm>
+          <a:off x="1751013" y="5357813"/>
+          <a:ext cx="5330825" cy="982662"/>
+        </p:xfrm>
+        <a:graphic>
+          <a:graphicData uri="http://schemas.openxmlformats.org/presentationml/2006/ole">
+            <mc:AlternateContent xmlns:mc="http://schemas.openxmlformats.org/markup-compatibility/2006">
+              <mc:Choice xmlns:v="urn:schemas-microsoft-com:vml" Requires="v">
+                <p:oleObj spid="_x0000_s25763" name="Equation" r:id="rId6" imgW="2273300" imgH="419100" progId="Equation.DSMT4">
+                  <p:embed/>
+                </p:oleObj>
+              </mc:Choice>
+              <mc:Fallback>
+                <p:oleObj name="Equation" r:id="rId6" imgW="2273300" imgH="419100" progId="Equation.DSMT4">
+                  <p:embed/>
+                  <p:pic>
+                    <p:nvPicPr>
+                      <p:cNvPr id="0" name="Picture 4"/>
+                      <p:cNvPicPr>
+                        <a:picLocks noChangeAspect="1" noChangeArrowheads="1"/>
+                      </p:cNvPicPr>
+                      <p:nvPr/>
+                    </p:nvPicPr>
+                    <p:blipFill>
+                      <a:blip r:embed="rId7">
+                        <a:extLst>
+                          <a:ext uri="{28A0092B-C50C-407E-A947-70E740481C1C}">
+                            <a14:useLocalDpi xmlns:a14="http://schemas.microsoft.com/office/drawing/2010/main" val="0"/>
+                          </a:ext>
+                        </a:extLst>
+                      </a:blip>
+                      <a:srcRect/>
+                      <a:stretch>
+                        <a:fillRect/>
+                      </a:stretch>
+                    </p:blipFill>
+                    <p:spPr bwMode="auto">
+                      <a:xfrm>
+                        <a:off x="1751013" y="5357813"/>
+                        <a:ext cx="5330825" cy="982662"/>
+                      </a:xfrm>
+                      <a:prstGeom prst="rect">
+                        <a:avLst/>
+                      </a:prstGeom>
+                      <a:noFill/>
+                      <a:extLst>
+                        <a:ext uri="{909E8E84-426E-40dd-AFC4-6F175D3DCCD1}">
+                          <a14:hiddenFill xmlns:a14="http://schemas.microsoft.com/office/drawing/2010/main" xmlns="">
+                            <a:solidFill>
+                              <a:srgbClr val="FFFFFF"/>
+                            </a:solidFill>
+                          </a14:hiddenFill>
+                        </a:ext>
+                      </a:extLst>
+                    </p:spPr>
+                  </p:pic>
+                </p:oleObj>
+              </mc:Fallback>
+            </mc:AlternateContent>
+          </a:graphicData>
+        </a:graphic>
+      </p:graphicFrame>
+    </p:spTree>
+  </p:cSld>
+  <p:clrMapOvr>
+    <a:masterClrMapping/>
+  </p:clrMapOvr>
+  <p:timing>
+    <p:tnLst>
+      <p:par>
+        <p:cTn id="1" dur="indefinite" restart="never" nodeType="tmRoot">
+          <p:childTnLst>
+            <p:seq concurrent="1" nextAc="seek">
+              <p:cTn id="2" dur="indefinite" nodeType="mainSeq">
+                <p:childTnLst>
+                  <p:par>
+                    <p:cTn id="3" fill="hold">
+                      <p:stCondLst>
+                        <p:cond delay="indefinite"/>
+                      </p:stCondLst>
+                      <p:childTnLst>
+                        <p:par>
+                          <p:cTn id="4" fill="hold">
+                            <p:stCondLst>
+                              <p:cond delay="0"/>
+                            </p:stCondLst>
+                            <p:childTnLst>
+                              <p:par>
+                                <p:cTn id="5" presetID="2" presetClass="entr" presetSubtype="4" accel="50000" decel="50000" fill="hold" nodeType="clickEffect">
+                                  <p:stCondLst>
+                                    <p:cond delay="0"/>
+                                  </p:stCondLst>
+                                  <p:childTnLst>
+                                    <p:set>
+                                      <p:cBhvr>
+                                        <p:cTn id="6" dur="1" fill="hold">
+                                          <p:stCondLst>
+                                            <p:cond delay="0"/>
+                                          </p:stCondLst>
+                                        </p:cTn>
+                                        <p:tgtEl>
+                                          <p:spTgt spid="7"/>
+                                        </p:tgtEl>
+                                        <p:attrNameLst>
+                                          <p:attrName>style.visibility</p:attrName>
+                                        </p:attrNameLst>
+                                      </p:cBhvr>
+                                      <p:to>
+                                        <p:strVal val="visible"/>
+                                      </p:to>
+                                    </p:set>
+                                    <p:anim calcmode="lin" valueType="num">
+                                      <p:cBhvr additive="base">
+                                        <p:cTn id="7" dur="500" fill="hold"/>
+                                        <p:tgtEl>
+                                          <p:spTgt spid="7"/>
+                                        </p:tgtEl>
+                                        <p:attrNameLst>
+                                          <p:attrName>ppt_x</p:attrName>
+                                        </p:attrNameLst>
+                                      </p:cBhvr>
+                                      <p:tavLst>
+                                        <p:tav tm="0">
+                                          <p:val>
+                                            <p:strVal val="#ppt_x"/>
+                                          </p:val>
+                                        </p:tav>
+                                        <p:tav tm="100000">
+                                          <p:val>
+                                            <p:strVal val="#ppt_x"/>
+                                          </p:val>
+                                        </p:tav>
+                                      </p:tavLst>
+                                    </p:anim>
+                                    <p:anim calcmode="lin" valueType="num">
+                                      <p:cBhvr additive="base">
+                                        <p:cTn id="8" dur="500" fill="hold"/>
+                                        <p:tgtEl>
+                                          <p:spTgt spid="7"/>
+                                        </p:tgtEl>
+                                        <p:attrNameLst>
+                                          <p:attrName>ppt_y</p:attrName>
+                                        </p:attrNameLst>
+                                      </p:cBhvr>
+                                      <p:tavLst>
+                                        <p:tav tm="0">
+                                          <p:val>
+                                            <p:strVal val="1+#ppt_h/2"/>
+                                          </p:val>
+                                        </p:tav>
+                                        <p:tav tm="100000">
+                                          <p:val>
+                                            <p:strVal val="#ppt_y"/>
+                                          </p:val>
+                                        </p:tav>
+                                      </p:tavLst>
+                                    </p:anim>
+                                  </p:childTnLst>
+                                </p:cTn>
+                              </p:par>
+                            </p:childTnLst>
+                          </p:cTn>
+                        </p:par>
+                      </p:childTnLst>
+                    </p:cTn>
+                  </p:par>
+                  <p:par>
+                    <p:cTn id="9" fill="hold">
+                      <p:stCondLst>
+                        <p:cond delay="indefinite"/>
+                      </p:stCondLst>
+                      <p:childTnLst>
+                        <p:par>
+                          <p:cTn id="10" fill="hold">
+                            <p:stCondLst>
+                              <p:cond delay="0"/>
+                            </p:stCondLst>
+                            <p:childTnLst>
+                              <p:par>
+                                <p:cTn id="11" presetID="2" presetClass="entr" presetSubtype="4" accel="50000" decel="50000" fill="hold" nodeType="clickEffect">
+                                  <p:stCondLst>
+                                    <p:cond delay="0"/>
+                                  </p:stCondLst>
+                                  <p:childTnLst>
+                                    <p:set>
+                                      <p:cBhvr>
+                                        <p:cTn id="12" dur="1" fill="hold">
+                                          <p:stCondLst>
+                                            <p:cond delay="0"/>
+                                          </p:stCondLst>
+                                        </p:cTn>
+                                        <p:tgtEl>
+                                          <p:spTgt spid="25604"/>
+                                        </p:tgtEl>
+                                        <p:attrNameLst>
+                                          <p:attrName>style.visibility</p:attrName>
+                                        </p:attrNameLst>
+                                      </p:cBhvr>
+                                      <p:to>
+                                        <p:strVal val="visible"/>
+                                      </p:to>
+                                    </p:set>
+                                    <p:anim calcmode="lin" valueType="num">
+                                      <p:cBhvr additive="base">
+                                        <p:cTn id="13" dur="500" fill="hold"/>
+                                        <p:tgtEl>
+                                          <p:spTgt spid="25604"/>
+                                        </p:tgtEl>
+                                        <p:attrNameLst>
+                                          <p:attrName>ppt_x</p:attrName>
+                                        </p:attrNameLst>
+                                      </p:cBhvr>
+                                      <p:tavLst>
+                                        <p:tav tm="0">
+                                          <p:val>
+                                            <p:strVal val="#ppt_x"/>
+                                          </p:val>
+                                        </p:tav>
+                                        <p:tav tm="100000">
+                                          <p:val>
+                                            <p:strVal val="#ppt_x"/>
+                                          </p:val>
+                                        </p:tav>
+                                      </p:tavLst>
+                                    </p:anim>
+                                    <p:anim calcmode="lin" valueType="num">
+                                      <p:cBhvr additive="base">
+                                        <p:cTn id="14" dur="500" fill="hold"/>
+                                        <p:tgtEl>
+                                          <p:spTgt spid="25604"/>
+                                        </p:tgtEl>
+                                        <p:attrNameLst>
+                                          <p:attrName>ppt_y</p:attrName>
+                                        </p:attrNameLst>
+                                      </p:cBhvr>
+                                      <p:tavLst>
+                                        <p:tav tm="0">
+                                          <p:val>
+                                            <p:strVal val="1+#ppt_h/2"/>
+                                          </p:val>
+                                        </p:tav>
+                                        <p:tav tm="100000">
+                                          <p:val>
+                                            <p:strVal val="#ppt_y"/>
+                                          </p:val>
+                                        </p:tav>
+                                      </p:tavLst>
+                                    </p:anim>
+                                  </p:childTnLst>
+                                </p:cTn>
+                              </p:par>
+                            </p:childTnLst>
+                          </p:cTn>
+                        </p:par>
+                      </p:childTnLst>
+                    </p:cTn>
+                  </p:par>
+                </p:childTnLst>
+              </p:cTn>
+              <p:prevCondLst>
+                <p:cond evt="onPrev" delay="0">
+                  <p:tgtEl>
+                    <p:sldTgt/>
+                  </p:tgtEl>
+                </p:cond>
+              </p:prevCondLst>
+              <p:nextCondLst>
+                <p:cond evt="onNext" delay="0">
+                  <p:tgtEl>
+                    <p:sldTgt/>
+                  </p:tgtEl>
+                </p:cond>
+              </p:nextCondLst>
+            </p:seq>
+          </p:childTnLst>
+        </p:cTn>
+      </p:par>
+    </p:tnLst>
+  </p:timing>
+</p:sld>
+</file>
+
 <file path=ppt/slides/slide3.xml><?xml version="1.0" encoding="utf-8"?>
 <p:sld xmlns:a="http://schemas.openxmlformats.org/drawingml/2006/main" xmlns:r="http://schemas.openxmlformats.org/officeDocument/2006/relationships" xmlns:p="http://schemas.openxmlformats.org/presentationml/2006/main">
   <p:cSld>
@@ -22561,7 +23906,7 @@
           <a:graphicData uri="http://schemas.openxmlformats.org/presentationml/2006/ole">
             <mc:AlternateContent xmlns:mc="http://schemas.openxmlformats.org/markup-compatibility/2006">
               <mc:Choice xmlns:v="urn:schemas-microsoft-com:vml" Requires="v">
-                <p:oleObj spid="_x0000_s27016" name="Equation" r:id="rId4" imgW="1612900" imgH="419100" progId="Equation.DSMT4">
+                <p:oleObj spid="_x0000_s27076" name="Equation" r:id="rId4" imgW="1612900" imgH="419100" progId="Equation.DSMT4">
                   <p:embed/>
                 </p:oleObj>
               </mc:Choice>
@@ -22600,7 +23945,7 @@
                       <a:noFill/>
                       <a:extLst>
                         <a:ext uri="{909E8E84-426E-40dd-AFC4-6F175D3DCCD1}">
-                          <a14:hiddenFill xmlns="" xmlns:a14="http://schemas.microsoft.com/office/drawing/2010/main">
+                          <a14:hiddenFill xmlns:a14="http://schemas.microsoft.com/office/drawing/2010/main" xmlns="">
                             <a:solidFill>
                               <a:srgbClr val="FFFFFF"/>
                             </a:solidFill>
@@ -22631,7 +23976,7 @@
           <a:graphicData uri="http://schemas.openxmlformats.org/presentationml/2006/ole">
             <mc:AlternateContent xmlns:mc="http://schemas.openxmlformats.org/markup-compatibility/2006">
               <mc:Choice xmlns:v="urn:schemas-microsoft-com:vml" Requires="v">
-                <p:oleObj spid="_x0000_s27017" name="Equation" r:id="rId6" imgW="1346200" imgH="419100" progId="Equation.DSMT4">
+                <p:oleObj spid="_x0000_s27077" name="Equation" r:id="rId6" imgW="1346200" imgH="419100" progId="Equation.DSMT4">
                   <p:embed/>
                 </p:oleObj>
               </mc:Choice>
@@ -22670,7 +24015,7 @@
                       <a:noFill/>
                       <a:extLst>
                         <a:ext uri="{909E8E84-426E-40dd-AFC4-6F175D3DCCD1}">
-                          <a14:hiddenFill xmlns="" xmlns:a14="http://schemas.microsoft.com/office/drawing/2010/main">
+                          <a14:hiddenFill xmlns:a14="http://schemas.microsoft.com/office/drawing/2010/main" xmlns="">
                             <a:solidFill>
                               <a:srgbClr val="FFFFFF"/>
                             </a:solidFill>
@@ -22789,7 +24134,7 @@
           <a:graphicData uri="http://schemas.openxmlformats.org/presentationml/2006/ole">
             <mc:AlternateContent xmlns:mc="http://schemas.openxmlformats.org/markup-compatibility/2006">
               <mc:Choice xmlns:v="urn:schemas-microsoft-com:vml" Requires="v">
-                <p:oleObj spid="_x0000_s27018" name="Equation" r:id="rId8" imgW="1397000" imgH="190500" progId="Equation.DSMT4">
+                <p:oleObj spid="_x0000_s27078" name="Equation" r:id="rId8" imgW="1397000" imgH="190500" progId="Equation.DSMT4">
                   <p:embed/>
                 </p:oleObj>
               </mc:Choice>
@@ -22828,7 +24173,7 @@
                       <a:noFill/>
                       <a:extLst>
                         <a:ext uri="{909E8E84-426E-40dd-AFC4-6F175D3DCCD1}">
-                          <a14:hiddenFill xmlns="" xmlns:a14="http://schemas.microsoft.com/office/drawing/2010/main">
+                          <a14:hiddenFill xmlns:a14="http://schemas.microsoft.com/office/drawing/2010/main" xmlns="">
                             <a:solidFill>
                               <a:srgbClr val="FFFFFF"/>
                             </a:solidFill>
@@ -22859,7 +24204,7 @@
           <a:graphicData uri="http://schemas.openxmlformats.org/presentationml/2006/ole">
             <mc:AlternateContent xmlns:mc="http://schemas.openxmlformats.org/markup-compatibility/2006">
               <mc:Choice xmlns:v="urn:schemas-microsoft-com:vml" Requires="v">
-                <p:oleObj spid="_x0000_s27019" name="Equation" r:id="rId10" imgW="1346200" imgH="419100" progId="Equation.DSMT4">
+                <p:oleObj spid="_x0000_s27079" name="Equation" r:id="rId10" imgW="1346200" imgH="419100" progId="Equation.DSMT4">
                   <p:embed/>
                 </p:oleObj>
               </mc:Choice>
@@ -22898,7 +24243,7 @@
                       <a:noFill/>
                       <a:extLst>
                         <a:ext uri="{909E8E84-426E-40dd-AFC4-6F175D3DCCD1}">
-                          <a14:hiddenFill xmlns="" xmlns:a14="http://schemas.microsoft.com/office/drawing/2010/main">
+                          <a14:hiddenFill xmlns:a14="http://schemas.microsoft.com/office/drawing/2010/main" xmlns="">
                             <a:solidFill>
                               <a:srgbClr val="FFFFFF"/>
                             </a:solidFill>
@@ -23037,7 +24382,7 @@
           <a:graphicData uri="http://schemas.openxmlformats.org/presentationml/2006/ole">
             <mc:AlternateContent xmlns:mc="http://schemas.openxmlformats.org/markup-compatibility/2006">
               <mc:Choice xmlns:v="urn:schemas-microsoft-com:vml" Requires="v">
-                <p:oleObj spid="_x0000_s27020" name="Equation" r:id="rId12" imgW="381000" imgH="190500" progId="Equation.DSMT4">
+                <p:oleObj spid="_x0000_s27080" name="Equation" r:id="rId12" imgW="381000" imgH="190500" progId="Equation.DSMT4">
                   <p:embed/>
                 </p:oleObj>
               </mc:Choice>
@@ -23076,7 +24421,7 @@
                       <a:noFill/>
                       <a:extLst>
                         <a:ext uri="{909E8E84-426E-40dd-AFC4-6F175D3DCCD1}">
-                          <a14:hiddenFill xmlns="" xmlns:a14="http://schemas.microsoft.com/office/drawing/2010/main">
+                          <a14:hiddenFill xmlns:a14="http://schemas.microsoft.com/office/drawing/2010/main" xmlns="">
                             <a:solidFill>
                               <a:srgbClr val="FFFFFF"/>
                             </a:solidFill>
@@ -23107,7 +24452,7 @@
           <a:graphicData uri="http://schemas.openxmlformats.org/presentationml/2006/ole">
             <mc:AlternateContent xmlns:mc="http://schemas.openxmlformats.org/markup-compatibility/2006">
               <mc:Choice xmlns:v="urn:schemas-microsoft-com:vml" Requires="v">
-                <p:oleObj spid="_x0000_s27021" name="Equation" r:id="rId14" imgW="381000" imgH="190500" progId="Equation.DSMT4">
+                <p:oleObj spid="_x0000_s27081" name="Equation" r:id="rId14" imgW="381000" imgH="190500" progId="Equation.DSMT4">
                   <p:embed/>
                 </p:oleObj>
               </mc:Choice>
@@ -23146,7 +24491,7 @@
                       <a:noFill/>
                       <a:extLst>
                         <a:ext uri="{909E8E84-426E-40dd-AFC4-6F175D3DCCD1}">
-                          <a14:hiddenFill xmlns="" xmlns:a14="http://schemas.microsoft.com/office/drawing/2010/main">
+                          <a14:hiddenFill xmlns:a14="http://schemas.microsoft.com/office/drawing/2010/main" xmlns="">
                             <a:solidFill>
                               <a:srgbClr val="FFFFFF"/>
                             </a:solidFill>
@@ -25041,825 +26386,6 @@
           <a:chExt cx="0" cy="0"/>
         </a:xfrm>
       </p:grpSpPr>
-      <p:pic>
-        <p:nvPicPr>
-          <p:cNvPr id="4" name="Picture 2"/>
-          <p:cNvPicPr>
-            <a:picLocks noChangeAspect="1" noChangeArrowheads="1"/>
-          </p:cNvPicPr>
-          <p:nvPr/>
-        </p:nvPicPr>
-        <p:blipFill>
-          <a:blip r:embed="rId3" cstate="print"/>
-          <a:srcRect/>
-          <a:stretch>
-            <a:fillRect/>
-          </a:stretch>
-        </p:blipFill>
-        <p:spPr bwMode="auto">
-          <a:xfrm>
-            <a:off x="484188" y="76200"/>
-            <a:ext cx="8202612" cy="239712"/>
-          </a:xfrm>
-          <a:prstGeom prst="rect">
-            <a:avLst/>
-          </a:prstGeom>
-          <a:noFill/>
-          <a:ln w="9525">
-            <a:noFill/>
-            <a:round/>
-            <a:headEnd/>
-            <a:tailEnd/>
-          </a:ln>
-        </p:spPr>
-      </p:pic>
-      <p:sp>
-        <p:nvSpPr>
-          <p:cNvPr id="5" name="Rectangle 4"/>
-          <p:cNvSpPr>
-            <a:spLocks noChangeArrowheads="1"/>
-          </p:cNvSpPr>
-          <p:nvPr/>
-        </p:nvSpPr>
-        <p:spPr bwMode="auto">
-          <a:xfrm>
-            <a:off x="60518" y="174607"/>
-            <a:ext cx="8991601" cy="1127125"/>
-          </a:xfrm>
-          <a:prstGeom prst="rect">
-            <a:avLst/>
-          </a:prstGeom>
-          <a:noFill/>
-          <a:ln w="9525">
-            <a:noFill/>
-            <a:round/>
-            <a:headEnd/>
-            <a:tailEnd/>
-          </a:ln>
-        </p:spPr>
-        <p:txBody>
-          <a:bodyPr lIns="0" tIns="0" rIns="0" bIns="0" anchor="ctr"/>
-          <a:lstStyle/>
-          <a:p>
-            <a:pPr algn="ctr">
-              <a:buClr>
-                <a:srgbClr val="000000"/>
-              </a:buClr>
-              <a:buSzPct val="100000"/>
-              <a:buFont typeface="Times New Roman" pitchFamily="18" charset="0"/>
-              <a:buNone/>
-              <a:tabLst>
-                <a:tab pos="0" algn="l"/>
-                <a:tab pos="914400" algn="l"/>
-                <a:tab pos="1828800" algn="l"/>
-                <a:tab pos="2743200" algn="l"/>
-                <a:tab pos="3657600" algn="l"/>
-                <a:tab pos="4572000" algn="l"/>
-                <a:tab pos="5486400" algn="l"/>
-                <a:tab pos="6400800" algn="l"/>
-                <a:tab pos="7315200" algn="l"/>
-                <a:tab pos="8229600" algn="l"/>
-                <a:tab pos="9144000" algn="l"/>
-                <a:tab pos="10058400" algn="l"/>
-              </a:tabLst>
-            </a:pPr>
-            <a:r>
-              <a:rPr lang="en-GB" sz="3600" dirty="0">
-                <a:solidFill>
-                  <a:srgbClr val="000000"/>
-                </a:solidFill>
-                <a:latin typeface="Times New Roman" pitchFamily="18" charset="0"/>
-              </a:rPr>
-              <a:t>The “Bayesian Framework” in Forensic Science</a:t>
-            </a:r>
-          </a:p>
-        </p:txBody>
-      </p:sp>
-      <p:graphicFrame>
-        <p:nvGraphicFramePr>
-          <p:cNvPr id="7" name="Object 6"/>
-          <p:cNvGraphicFramePr>
-            <a:graphicFrameLocks noChangeAspect="1"/>
-          </p:cNvGraphicFramePr>
-          <p:nvPr/>
-        </p:nvGraphicFramePr>
-        <p:xfrm>
-          <a:off x="1738567" y="4075761"/>
-          <a:ext cx="5360315" cy="1012504"/>
-        </p:xfrm>
-        <a:graphic>
-          <a:graphicData uri="http://schemas.openxmlformats.org/presentationml/2006/ole">
-            <mc:AlternateContent xmlns:mc="http://schemas.openxmlformats.org/markup-compatibility/2006">
-              <mc:Choice xmlns:v="urn:schemas-microsoft-com:vml" Requires="v">
-                <p:oleObj spid="_x0000_s25742" name="Equation" r:id="rId4" imgW="2286000" imgH="431800" progId="Equation.DSMT4">
-                  <p:embed/>
-                </p:oleObj>
-              </mc:Choice>
-              <mc:Fallback>
-                <p:oleObj name="Equation" r:id="rId4" imgW="2286000" imgH="431800" progId="Equation.DSMT4">
-                  <p:embed/>
-                  <p:pic>
-                    <p:nvPicPr>
-                      <p:cNvPr id="0" name="Picture 3"/>
-                      <p:cNvPicPr>
-                        <a:picLocks noChangeAspect="1" noChangeArrowheads="1"/>
-                      </p:cNvPicPr>
-                      <p:nvPr/>
-                    </p:nvPicPr>
-                    <p:blipFill>
-                      <a:blip r:embed="rId5">
-                        <a:extLst>
-                          <a:ext uri="{28A0092B-C50C-407E-A947-70E740481C1C}">
-                            <a14:useLocalDpi xmlns:a14="http://schemas.microsoft.com/office/drawing/2010/main" val="0"/>
-                          </a:ext>
-                        </a:extLst>
-                      </a:blip>
-                      <a:srcRect/>
-                      <a:stretch>
-                        <a:fillRect/>
-                      </a:stretch>
-                    </p:blipFill>
-                    <p:spPr bwMode="auto">
-                      <a:xfrm>
-                        <a:off x="1738567" y="4075761"/>
-                        <a:ext cx="5360315" cy="1012504"/>
-                      </a:xfrm>
-                      <a:prstGeom prst="rect">
-                        <a:avLst/>
-                      </a:prstGeom>
-                      <a:noFill/>
-                      <a:extLst>
-                        <a:ext uri="{909E8E84-426E-40dd-AFC4-6F175D3DCCD1}">
-                          <a14:hiddenFill xmlns="" xmlns:a14="http://schemas.microsoft.com/office/drawing/2010/main">
-                            <a:solidFill>
-                              <a:srgbClr val="FFFFFF"/>
-                            </a:solidFill>
-                          </a14:hiddenFill>
-                        </a:ext>
-                      </a:extLst>
-                    </p:spPr>
-                  </p:pic>
-                </p:oleObj>
-              </mc:Fallback>
-            </mc:AlternateContent>
-          </a:graphicData>
-        </a:graphic>
-      </p:graphicFrame>
-      <p:sp>
-        <p:nvSpPr>
-          <p:cNvPr id="8" name="Rectangle 5"/>
-          <p:cNvSpPr>
-            <a:spLocks noChangeArrowheads="1"/>
-          </p:cNvSpPr>
-          <p:nvPr/>
-        </p:nvSpPr>
-        <p:spPr bwMode="auto">
-          <a:xfrm>
-            <a:off x="228600" y="1219200"/>
-            <a:ext cx="8686800" cy="2590800"/>
-          </a:xfrm>
-          <a:prstGeom prst="rect">
-            <a:avLst/>
-          </a:prstGeom>
-          <a:noFill/>
-          <a:ln w="9525">
-            <a:noFill/>
-            <a:round/>
-            <a:headEnd/>
-            <a:tailEnd/>
-          </a:ln>
-        </p:spPr>
-        <p:txBody>
-          <a:bodyPr lIns="0" tIns="0" rIns="0" bIns="0"/>
-          <a:lstStyle/>
-          <a:p>
-            <a:pPr marL="430213" indent="-323850">
-              <a:lnSpc>
-                <a:spcPct val="100000"/>
-              </a:lnSpc>
-              <a:spcBef>
-                <a:spcPts val="800"/>
-              </a:spcBef>
-              <a:buFont typeface="Times New Roman" pitchFamily="18" charset="0"/>
-              <a:buChar char="•"/>
-              <a:tabLst>
-                <a:tab pos="430213" algn="l"/>
-                <a:tab pos="1344613" algn="l"/>
-                <a:tab pos="2259013" algn="l"/>
-                <a:tab pos="3173413" algn="l"/>
-                <a:tab pos="4087813" algn="l"/>
-                <a:tab pos="5002213" algn="l"/>
-                <a:tab pos="5916613" algn="l"/>
-                <a:tab pos="6831013" algn="l"/>
-                <a:tab pos="7745413" algn="l"/>
-                <a:tab pos="8659813" algn="l"/>
-                <a:tab pos="9574213" algn="l"/>
-                <a:tab pos="10488613" algn="l"/>
-              </a:tabLst>
-            </a:pPr>
-            <a:r>
-              <a:rPr lang="en-GB" sz="3200" dirty="0" err="1">
-                <a:solidFill>
-                  <a:srgbClr val="000000"/>
-                </a:solidFill>
-                <a:latin typeface="Times New Roman" pitchFamily="18" charset="0"/>
-              </a:rPr>
-              <a:t>Bayes</a:t>
-            </a:r>
-            <a:r>
-              <a:rPr lang="en-GB" sz="3200" dirty="0">
-                <a:solidFill>
-                  <a:srgbClr val="000000"/>
-                </a:solidFill>
-                <a:latin typeface="Times New Roman" pitchFamily="18" charset="0"/>
-              </a:rPr>
-              <a:t>’ </a:t>
-            </a:r>
-            <a:r>
-              <a:rPr lang="en-GB" sz="3200" dirty="0" err="1">
-                <a:solidFill>
-                  <a:srgbClr val="000000"/>
-                </a:solidFill>
-                <a:latin typeface="Times New Roman" pitchFamily="18" charset="0"/>
-              </a:rPr>
-              <a:t>Rule</a:t>
-            </a:r>
-            <a:r>
-              <a:rPr lang="en-GB" sz="3200" baseline="30000" dirty="0" err="1">
-                <a:solidFill>
-                  <a:srgbClr val="000000"/>
-                </a:solidFill>
-                <a:latin typeface="Times New Roman" pitchFamily="18" charset="0"/>
-              </a:rPr>
-              <a:t>Aitken</a:t>
-            </a:r>
-            <a:r>
-              <a:rPr lang="en-GB" sz="3200" baseline="30000" dirty="0">
-                <a:solidFill>
-                  <a:srgbClr val="000000"/>
-                </a:solidFill>
-                <a:latin typeface="Times New Roman" pitchFamily="18" charset="0"/>
-              </a:rPr>
-              <a:t>, </a:t>
-            </a:r>
-            <a:r>
-              <a:rPr lang="en-GB" sz="3200" baseline="30000" dirty="0" err="1">
-                <a:solidFill>
-                  <a:srgbClr val="000000"/>
-                </a:solidFill>
-                <a:latin typeface="Times New Roman" pitchFamily="18" charset="0"/>
-              </a:rPr>
-              <a:t>Taroni</a:t>
-            </a:r>
-            <a:r>
-              <a:rPr lang="en-GB" sz="3200" dirty="0">
-                <a:solidFill>
-                  <a:srgbClr val="000000"/>
-                </a:solidFill>
-                <a:latin typeface="Times New Roman" pitchFamily="18" charset="0"/>
-              </a:rPr>
-              <a:t>:</a:t>
-            </a:r>
-          </a:p>
-          <a:p>
-            <a:pPr marL="887413" lvl="1" indent="-323850">
-              <a:lnSpc>
-                <a:spcPct val="100000"/>
-              </a:lnSpc>
-              <a:spcBef>
-                <a:spcPts val="800"/>
-              </a:spcBef>
-              <a:buFont typeface="Times New Roman" pitchFamily="18" charset="0"/>
-              <a:buChar char="•"/>
-              <a:tabLst>
-                <a:tab pos="430213" algn="l"/>
-                <a:tab pos="1344613" algn="l"/>
-                <a:tab pos="2259013" algn="l"/>
-                <a:tab pos="3173413" algn="l"/>
-                <a:tab pos="4087813" algn="l"/>
-                <a:tab pos="5002213" algn="l"/>
-                <a:tab pos="5916613" algn="l"/>
-                <a:tab pos="6831013" algn="l"/>
-                <a:tab pos="7745413" algn="l"/>
-                <a:tab pos="8659813" algn="l"/>
-                <a:tab pos="9574213" algn="l"/>
-                <a:tab pos="10488613" algn="l"/>
-              </a:tabLst>
-            </a:pPr>
-            <a:r>
-              <a:rPr lang="en-GB" sz="2800" i="1" dirty="0">
-                <a:solidFill>
-                  <a:srgbClr val="000000"/>
-                </a:solidFill>
-                <a:latin typeface="Times New Roman" pitchFamily="18" charset="0"/>
-              </a:rPr>
-              <a:t>H</a:t>
-            </a:r>
-            <a:r>
-              <a:rPr lang="en-GB" sz="2800" i="1" baseline="-25000" dirty="0">
-                <a:solidFill>
-                  <a:srgbClr val="000000"/>
-                </a:solidFill>
-                <a:latin typeface="Times New Roman" pitchFamily="18" charset="0"/>
-              </a:rPr>
-              <a:t>p</a:t>
-            </a:r>
-            <a:r>
-              <a:rPr lang="en-GB" sz="2800" dirty="0">
-                <a:solidFill>
-                  <a:srgbClr val="000000"/>
-                </a:solidFill>
-                <a:latin typeface="Times New Roman" pitchFamily="18" charset="0"/>
-              </a:rPr>
-              <a:t> = the prosecution’s hypothesis</a:t>
-            </a:r>
-          </a:p>
-          <a:p>
-            <a:pPr marL="887413" lvl="1" indent="-323850">
-              <a:lnSpc>
-                <a:spcPct val="100000"/>
-              </a:lnSpc>
-              <a:spcBef>
-                <a:spcPts val="800"/>
-              </a:spcBef>
-              <a:buFont typeface="Times New Roman" pitchFamily="18" charset="0"/>
-              <a:buChar char="•"/>
-              <a:tabLst>
-                <a:tab pos="430213" algn="l"/>
-                <a:tab pos="1344613" algn="l"/>
-                <a:tab pos="2259013" algn="l"/>
-                <a:tab pos="3173413" algn="l"/>
-                <a:tab pos="4087813" algn="l"/>
-                <a:tab pos="5002213" algn="l"/>
-                <a:tab pos="5916613" algn="l"/>
-                <a:tab pos="6831013" algn="l"/>
-                <a:tab pos="7745413" algn="l"/>
-                <a:tab pos="8659813" algn="l"/>
-                <a:tab pos="9574213" algn="l"/>
-                <a:tab pos="10488613" algn="l"/>
-              </a:tabLst>
-            </a:pPr>
-            <a:r>
-              <a:rPr lang="en-GB" sz="2800" i="1" dirty="0" err="1">
-                <a:solidFill>
-                  <a:srgbClr val="000000"/>
-                </a:solidFill>
-                <a:latin typeface="Times New Roman" pitchFamily="18" charset="0"/>
-              </a:rPr>
-              <a:t>H</a:t>
-            </a:r>
-            <a:r>
-              <a:rPr lang="en-GB" sz="2800" i="1" baseline="-25000" dirty="0" err="1">
-                <a:solidFill>
-                  <a:srgbClr val="000000"/>
-                </a:solidFill>
-                <a:latin typeface="Times New Roman" pitchFamily="18" charset="0"/>
-              </a:rPr>
-              <a:t>d</a:t>
-            </a:r>
-            <a:r>
-              <a:rPr lang="en-GB" sz="2800" dirty="0">
-                <a:solidFill>
-                  <a:srgbClr val="000000"/>
-                </a:solidFill>
-                <a:latin typeface="Times New Roman" pitchFamily="18" charset="0"/>
-              </a:rPr>
-              <a:t> = the defences’ hypothesis</a:t>
-            </a:r>
-          </a:p>
-          <a:p>
-            <a:pPr marL="887413" lvl="1" indent="-323850">
-              <a:spcBef>
-                <a:spcPts val="800"/>
-              </a:spcBef>
-              <a:buFont typeface="Times New Roman" pitchFamily="18" charset="0"/>
-              <a:buChar char="•"/>
-              <a:tabLst>
-                <a:tab pos="430213" algn="l"/>
-                <a:tab pos="1344613" algn="l"/>
-                <a:tab pos="2259013" algn="l"/>
-                <a:tab pos="3173413" algn="l"/>
-                <a:tab pos="4087813" algn="l"/>
-                <a:tab pos="5002213" algn="l"/>
-                <a:tab pos="5916613" algn="l"/>
-                <a:tab pos="6831013" algn="l"/>
-                <a:tab pos="7745413" algn="l"/>
-                <a:tab pos="8659813" algn="l"/>
-                <a:tab pos="9574213" algn="l"/>
-                <a:tab pos="10488613" algn="l"/>
-              </a:tabLst>
-            </a:pPr>
-            <a:r>
-              <a:rPr lang="en-GB" sz="2800" dirty="0">
-                <a:solidFill>
-                  <a:srgbClr val="000000"/>
-                </a:solidFill>
-                <a:latin typeface="Times New Roman" pitchFamily="18" charset="0"/>
-              </a:rPr>
-              <a:t> </a:t>
-            </a:r>
-            <a:r>
-              <a:rPr lang="en-GB" sz="2800" i="1" dirty="0">
-                <a:solidFill>
-                  <a:srgbClr val="000000"/>
-                </a:solidFill>
-                <a:latin typeface="Times New Roman" pitchFamily="18" charset="0"/>
-              </a:rPr>
-              <a:t>E</a:t>
-            </a:r>
-            <a:r>
-              <a:rPr lang="en-GB" sz="2800" dirty="0">
-                <a:solidFill>
-                  <a:srgbClr val="000000"/>
-                </a:solidFill>
-                <a:latin typeface="Times New Roman" pitchFamily="18" charset="0"/>
-              </a:rPr>
-              <a:t> = any evidence</a:t>
-            </a:r>
-          </a:p>
-          <a:p>
-            <a:pPr marL="887413" lvl="1" indent="-323850">
-              <a:lnSpc>
-                <a:spcPct val="100000"/>
-              </a:lnSpc>
-              <a:spcBef>
-                <a:spcPts val="800"/>
-              </a:spcBef>
-              <a:buFont typeface="Times New Roman" pitchFamily="18" charset="0"/>
-              <a:buChar char="•"/>
-              <a:tabLst>
-                <a:tab pos="430213" algn="l"/>
-                <a:tab pos="1344613" algn="l"/>
-                <a:tab pos="2259013" algn="l"/>
-                <a:tab pos="3173413" algn="l"/>
-                <a:tab pos="4087813" algn="l"/>
-                <a:tab pos="5002213" algn="l"/>
-                <a:tab pos="5916613" algn="l"/>
-                <a:tab pos="6831013" algn="l"/>
-                <a:tab pos="7745413" algn="l"/>
-                <a:tab pos="8659813" algn="l"/>
-                <a:tab pos="9574213" algn="l"/>
-                <a:tab pos="10488613" algn="l"/>
-              </a:tabLst>
-            </a:pPr>
-            <a:r>
-              <a:rPr lang="en-GB" sz="2800" i="1" dirty="0">
-                <a:solidFill>
-                  <a:srgbClr val="000000"/>
-                </a:solidFill>
-                <a:latin typeface="Times New Roman" pitchFamily="18" charset="0"/>
-              </a:rPr>
-              <a:t>I</a:t>
-            </a:r>
-            <a:r>
-              <a:rPr lang="en-GB" sz="2800" dirty="0">
-                <a:solidFill>
-                  <a:srgbClr val="000000"/>
-                </a:solidFill>
-                <a:latin typeface="Times New Roman" pitchFamily="18" charset="0"/>
-              </a:rPr>
-              <a:t> = any background information</a:t>
-            </a:r>
-          </a:p>
-          <a:p>
-            <a:pPr marL="887413" lvl="1" indent="-323850">
-              <a:lnSpc>
-                <a:spcPct val="100000"/>
-              </a:lnSpc>
-              <a:spcBef>
-                <a:spcPts val="800"/>
-              </a:spcBef>
-              <a:tabLst>
-                <a:tab pos="430213" algn="l"/>
-                <a:tab pos="1344613" algn="l"/>
-                <a:tab pos="2259013" algn="l"/>
-                <a:tab pos="3173413" algn="l"/>
-                <a:tab pos="4087813" algn="l"/>
-                <a:tab pos="5002213" algn="l"/>
-                <a:tab pos="5916613" algn="l"/>
-                <a:tab pos="6831013" algn="l"/>
-                <a:tab pos="7745413" algn="l"/>
-                <a:tab pos="8659813" algn="l"/>
-                <a:tab pos="9574213" algn="l"/>
-                <a:tab pos="10488613" algn="l"/>
-              </a:tabLst>
-            </a:pPr>
-            <a:endParaRPr lang="en-GB" sz="3200" dirty="0">
-              <a:solidFill>
-                <a:srgbClr val="000000"/>
-              </a:solidFill>
-              <a:latin typeface="Times New Roman" pitchFamily="18" charset="0"/>
-            </a:endParaRPr>
-          </a:p>
-        </p:txBody>
-      </p:sp>
-      <p:graphicFrame>
-        <p:nvGraphicFramePr>
-          <p:cNvPr id="25604" name="Object 4"/>
-          <p:cNvGraphicFramePr>
-            <a:graphicFrameLocks noChangeAspect="1"/>
-          </p:cNvGraphicFramePr>
-          <p:nvPr/>
-        </p:nvGraphicFramePr>
-        <p:xfrm>
-          <a:off x="1751013" y="5357813"/>
-          <a:ext cx="5330825" cy="982662"/>
-        </p:xfrm>
-        <a:graphic>
-          <a:graphicData uri="http://schemas.openxmlformats.org/presentationml/2006/ole">
-            <mc:AlternateContent xmlns:mc="http://schemas.openxmlformats.org/markup-compatibility/2006">
-              <mc:Choice xmlns:v="urn:schemas-microsoft-com:vml" Requires="v">
-                <p:oleObj spid="_x0000_s25743" name="Equation" r:id="rId6" imgW="2273300" imgH="419100" progId="Equation.DSMT4">
-                  <p:embed/>
-                </p:oleObj>
-              </mc:Choice>
-              <mc:Fallback>
-                <p:oleObj name="Equation" r:id="rId6" imgW="2273300" imgH="419100" progId="Equation.DSMT4">
-                  <p:embed/>
-                  <p:pic>
-                    <p:nvPicPr>
-                      <p:cNvPr id="0" name="Picture 4"/>
-                      <p:cNvPicPr>
-                        <a:picLocks noChangeAspect="1" noChangeArrowheads="1"/>
-                      </p:cNvPicPr>
-                      <p:nvPr/>
-                    </p:nvPicPr>
-                    <p:blipFill>
-                      <a:blip r:embed="rId7">
-                        <a:extLst>
-                          <a:ext uri="{28A0092B-C50C-407E-A947-70E740481C1C}">
-                            <a14:useLocalDpi xmlns:a14="http://schemas.microsoft.com/office/drawing/2010/main" val="0"/>
-                          </a:ext>
-                        </a:extLst>
-                      </a:blip>
-                      <a:srcRect/>
-                      <a:stretch>
-                        <a:fillRect/>
-                      </a:stretch>
-                    </p:blipFill>
-                    <p:spPr bwMode="auto">
-                      <a:xfrm>
-                        <a:off x="1751013" y="5357813"/>
-                        <a:ext cx="5330825" cy="982662"/>
-                      </a:xfrm>
-                      <a:prstGeom prst="rect">
-                        <a:avLst/>
-                      </a:prstGeom>
-                      <a:noFill/>
-                      <a:extLst>
-                        <a:ext uri="{909E8E84-426E-40dd-AFC4-6F175D3DCCD1}">
-                          <a14:hiddenFill xmlns="" xmlns:a14="http://schemas.microsoft.com/office/drawing/2010/main">
-                            <a:solidFill>
-                              <a:srgbClr val="FFFFFF"/>
-                            </a:solidFill>
-                          </a14:hiddenFill>
-                        </a:ext>
-                      </a:extLst>
-                    </p:spPr>
-                  </p:pic>
-                </p:oleObj>
-              </mc:Fallback>
-            </mc:AlternateContent>
-          </a:graphicData>
-        </a:graphic>
-      </p:graphicFrame>
-    </p:spTree>
-  </p:cSld>
-  <p:clrMapOvr>
-    <a:masterClrMapping/>
-  </p:clrMapOvr>
-  <p:timing>
-    <p:tnLst>
-      <p:par>
-        <p:cTn id="1" dur="indefinite" restart="never" nodeType="tmRoot">
-          <p:childTnLst>
-            <p:seq concurrent="1" nextAc="seek">
-              <p:cTn id="2" dur="indefinite" nodeType="mainSeq">
-                <p:childTnLst>
-                  <p:par>
-                    <p:cTn id="3" fill="hold">
-                      <p:stCondLst>
-                        <p:cond delay="indefinite"/>
-                      </p:stCondLst>
-                      <p:childTnLst>
-                        <p:par>
-                          <p:cTn id="4" fill="hold">
-                            <p:stCondLst>
-                              <p:cond delay="0"/>
-                            </p:stCondLst>
-                            <p:childTnLst>
-                              <p:par>
-                                <p:cTn id="5" presetID="2" presetClass="entr" presetSubtype="4" accel="50000" decel="50000" fill="hold" nodeType="clickEffect">
-                                  <p:stCondLst>
-                                    <p:cond delay="0"/>
-                                  </p:stCondLst>
-                                  <p:childTnLst>
-                                    <p:set>
-                                      <p:cBhvr>
-                                        <p:cTn id="6" dur="1" fill="hold">
-                                          <p:stCondLst>
-                                            <p:cond delay="0"/>
-                                          </p:stCondLst>
-                                        </p:cTn>
-                                        <p:tgtEl>
-                                          <p:spTgt spid="7"/>
-                                        </p:tgtEl>
-                                        <p:attrNameLst>
-                                          <p:attrName>style.visibility</p:attrName>
-                                        </p:attrNameLst>
-                                      </p:cBhvr>
-                                      <p:to>
-                                        <p:strVal val="visible"/>
-                                      </p:to>
-                                    </p:set>
-                                    <p:anim calcmode="lin" valueType="num">
-                                      <p:cBhvr additive="base">
-                                        <p:cTn id="7" dur="500" fill="hold"/>
-                                        <p:tgtEl>
-                                          <p:spTgt spid="7"/>
-                                        </p:tgtEl>
-                                        <p:attrNameLst>
-                                          <p:attrName>ppt_x</p:attrName>
-                                        </p:attrNameLst>
-                                      </p:cBhvr>
-                                      <p:tavLst>
-                                        <p:tav tm="0">
-                                          <p:val>
-                                            <p:strVal val="#ppt_x"/>
-                                          </p:val>
-                                        </p:tav>
-                                        <p:tav tm="100000">
-                                          <p:val>
-                                            <p:strVal val="#ppt_x"/>
-                                          </p:val>
-                                        </p:tav>
-                                      </p:tavLst>
-                                    </p:anim>
-                                    <p:anim calcmode="lin" valueType="num">
-                                      <p:cBhvr additive="base">
-                                        <p:cTn id="8" dur="500" fill="hold"/>
-                                        <p:tgtEl>
-                                          <p:spTgt spid="7"/>
-                                        </p:tgtEl>
-                                        <p:attrNameLst>
-                                          <p:attrName>ppt_y</p:attrName>
-                                        </p:attrNameLst>
-                                      </p:cBhvr>
-                                      <p:tavLst>
-                                        <p:tav tm="0">
-                                          <p:val>
-                                            <p:strVal val="1+#ppt_h/2"/>
-                                          </p:val>
-                                        </p:tav>
-                                        <p:tav tm="100000">
-                                          <p:val>
-                                            <p:strVal val="#ppt_y"/>
-                                          </p:val>
-                                        </p:tav>
-                                      </p:tavLst>
-                                    </p:anim>
-                                  </p:childTnLst>
-                                </p:cTn>
-                              </p:par>
-                            </p:childTnLst>
-                          </p:cTn>
-                        </p:par>
-                      </p:childTnLst>
-                    </p:cTn>
-                  </p:par>
-                  <p:par>
-                    <p:cTn id="9" fill="hold">
-                      <p:stCondLst>
-                        <p:cond delay="indefinite"/>
-                      </p:stCondLst>
-                      <p:childTnLst>
-                        <p:par>
-                          <p:cTn id="10" fill="hold">
-                            <p:stCondLst>
-                              <p:cond delay="0"/>
-                            </p:stCondLst>
-                            <p:childTnLst>
-                              <p:par>
-                                <p:cTn id="11" presetID="2" presetClass="entr" presetSubtype="4" accel="50000" decel="50000" fill="hold" nodeType="clickEffect">
-                                  <p:stCondLst>
-                                    <p:cond delay="0"/>
-                                  </p:stCondLst>
-                                  <p:childTnLst>
-                                    <p:set>
-                                      <p:cBhvr>
-                                        <p:cTn id="12" dur="1" fill="hold">
-                                          <p:stCondLst>
-                                            <p:cond delay="0"/>
-                                          </p:stCondLst>
-                                        </p:cTn>
-                                        <p:tgtEl>
-                                          <p:spTgt spid="25604"/>
-                                        </p:tgtEl>
-                                        <p:attrNameLst>
-                                          <p:attrName>style.visibility</p:attrName>
-                                        </p:attrNameLst>
-                                      </p:cBhvr>
-                                      <p:to>
-                                        <p:strVal val="visible"/>
-                                      </p:to>
-                                    </p:set>
-                                    <p:anim calcmode="lin" valueType="num">
-                                      <p:cBhvr additive="base">
-                                        <p:cTn id="13" dur="500" fill="hold"/>
-                                        <p:tgtEl>
-                                          <p:spTgt spid="25604"/>
-                                        </p:tgtEl>
-                                        <p:attrNameLst>
-                                          <p:attrName>ppt_x</p:attrName>
-                                        </p:attrNameLst>
-                                      </p:cBhvr>
-                                      <p:tavLst>
-                                        <p:tav tm="0">
-                                          <p:val>
-                                            <p:strVal val="#ppt_x"/>
-                                          </p:val>
-                                        </p:tav>
-                                        <p:tav tm="100000">
-                                          <p:val>
-                                            <p:strVal val="#ppt_x"/>
-                                          </p:val>
-                                        </p:tav>
-                                      </p:tavLst>
-                                    </p:anim>
-                                    <p:anim calcmode="lin" valueType="num">
-                                      <p:cBhvr additive="base">
-                                        <p:cTn id="14" dur="500" fill="hold"/>
-                                        <p:tgtEl>
-                                          <p:spTgt spid="25604"/>
-                                        </p:tgtEl>
-                                        <p:attrNameLst>
-                                          <p:attrName>ppt_y</p:attrName>
-                                        </p:attrNameLst>
-                                      </p:cBhvr>
-                                      <p:tavLst>
-                                        <p:tav tm="0">
-                                          <p:val>
-                                            <p:strVal val="1+#ppt_h/2"/>
-                                          </p:val>
-                                        </p:tav>
-                                        <p:tav tm="100000">
-                                          <p:val>
-                                            <p:strVal val="#ppt_y"/>
-                                          </p:val>
-                                        </p:tav>
-                                      </p:tavLst>
-                                    </p:anim>
-                                  </p:childTnLst>
-                                </p:cTn>
-                              </p:par>
-                            </p:childTnLst>
-                          </p:cTn>
-                        </p:par>
-                      </p:childTnLst>
-                    </p:cTn>
-                  </p:par>
-                </p:childTnLst>
-              </p:cTn>
-              <p:prevCondLst>
-                <p:cond evt="onPrev" delay="0">
-                  <p:tgtEl>
-                    <p:sldTgt/>
-                  </p:tgtEl>
-                </p:cond>
-              </p:prevCondLst>
-              <p:nextCondLst>
-                <p:cond evt="onNext" delay="0">
-                  <p:tgtEl>
-                    <p:sldTgt/>
-                  </p:tgtEl>
-                </p:cond>
-              </p:nextCondLst>
-            </p:seq>
-          </p:childTnLst>
-        </p:cTn>
-      </p:par>
-    </p:tnLst>
-  </p:timing>
-</p:sld>
-</file>
-
-<file path=ppt/slides/slide31.xml><?xml version="1.0" encoding="utf-8"?>
-<p:sld xmlns:a="http://schemas.openxmlformats.org/drawingml/2006/main" xmlns:r="http://schemas.openxmlformats.org/officeDocument/2006/relationships" xmlns:p="http://schemas.openxmlformats.org/presentationml/2006/main">
-  <p:cSld>
-    <p:spTree>
-      <p:nvGrpSpPr>
-        <p:cNvPr id="1" name=""/>
-        <p:cNvGrpSpPr/>
-        <p:nvPr/>
-      </p:nvGrpSpPr>
-      <p:grpSpPr>
-        <a:xfrm>
-          <a:off x="0" y="0"/>
-          <a:ext cx="0" cy="0"/>
-          <a:chOff x="0" y="0"/>
-          <a:chExt cx="0" cy="0"/>
-        </a:xfrm>
-      </p:grpSpPr>
       <p:sp>
         <p:nvSpPr>
           <p:cNvPr id="5" name="Rectangle 5"/>
@@ -26204,7 +26730,7 @@
           <a:graphicData uri="http://schemas.openxmlformats.org/presentationml/2006/ole">
             <mc:AlternateContent xmlns:mc="http://schemas.openxmlformats.org/markup-compatibility/2006">
               <mc:Choice xmlns:v="urn:schemas-microsoft-com:vml" Requires="v">
-                <p:oleObj spid="_x0000_s10318" name="Equation" r:id="rId3" imgW="2451100" imgH="431800" progId="Equation.DSMT4">
+                <p:oleObj spid="_x0000_s10328" name="Equation" r:id="rId3" imgW="2451100" imgH="431800" progId="Equation.DSMT4">
                   <p:embed/>
                 </p:oleObj>
               </mc:Choice>
@@ -26243,7 +26769,7 @@
                       <a:noFill/>
                       <a:extLst>
                         <a:ext uri="{909E8E84-426E-40dd-AFC4-6F175D3DCCD1}">
-                          <a14:hiddenFill xmlns="" xmlns:a14="http://schemas.microsoft.com/office/drawing/2010/main">
+                          <a14:hiddenFill xmlns:a14="http://schemas.microsoft.com/office/drawing/2010/main" xmlns="">
                             <a:solidFill>
                               <a:srgbClr val="FFFFFF"/>
                             </a:solidFill>
@@ -26292,10 +26818,10 @@
       </p:pic>
       <p:sp>
         <p:nvSpPr>
-          <p:cNvPr id="19" name="Rectangle 18">
+          <p:cNvPr id="18" name="Rectangle 17">
             <a:extLst>
               <a:ext uri="{FF2B5EF4-FFF2-40B4-BE49-F238E27FC236}">
-                <a16:creationId xmlns:a16="http://schemas.microsoft.com/office/drawing/2014/main" id="{CF41BF73-F9F7-484F-8E05-A7D232DA6898}"/>
+                <a16:creationId xmlns:a16="http://schemas.microsoft.com/office/drawing/2014/main" id="{B3E4F05B-8653-4931-865F-07F8B123AEA2}"/>
               </a:ext>
             </a:extLst>
           </p:cNvPr>
@@ -26306,7 +26832,7 @@
         </p:nvSpPr>
         <p:spPr bwMode="auto">
           <a:xfrm>
-            <a:off x="75508" y="159617"/>
+            <a:off x="60518" y="174607"/>
             <a:ext cx="8991601" cy="1127125"/>
           </a:xfrm>
           <a:prstGeom prst="rect">
@@ -26347,13 +26873,13 @@
               </a:tabLst>
             </a:pPr>
             <a:r>
-              <a:rPr lang="en-GB" sz="3600" dirty="0">
+              <a:rPr lang="en-GB" sz="2800" dirty="0">
                 <a:solidFill>
                   <a:srgbClr val="000000"/>
                 </a:solidFill>
                 <a:latin typeface="Times New Roman" pitchFamily="18" charset="0"/>
               </a:rPr>
-              <a:t>The “Bayesian Framework” in Forensic Science</a:t>
+              <a:t>Aside: The “Bayesian Framework” in Forensic Science</a:t>
             </a:r>
           </a:p>
         </p:txBody>
@@ -26934,7 +27460,7 @@
 </p:sld>
 </file>
 
-<file path=ppt/slides/slide32.xml><?xml version="1.0" encoding="utf-8"?>
+<file path=ppt/slides/slide31.xml><?xml version="1.0" encoding="utf-8"?>
 <p:sld xmlns:a="http://schemas.openxmlformats.org/drawingml/2006/main" xmlns:r="http://schemas.openxmlformats.org/officeDocument/2006/relationships" xmlns:p="http://schemas.openxmlformats.org/presentationml/2006/main">
   <p:cSld>
     <p:spTree>
@@ -27031,7 +27557,7 @@
           <a:graphicData uri="http://schemas.openxmlformats.org/presentationml/2006/ole">
             <mc:AlternateContent xmlns:mc="http://schemas.openxmlformats.org/markup-compatibility/2006">
               <mc:Choice xmlns:v="urn:schemas-microsoft-com:vml" Requires="v">
-                <p:oleObj spid="_x0000_s42062" name="Equation" r:id="rId3" imgW="1155700" imgH="431800" progId="Equation.DSMT4">
+                <p:oleObj spid="_x0000_s42072" name="Equation" r:id="rId3" imgW="1155700" imgH="431800" progId="Equation.DSMT4">
                   <p:embed/>
                 </p:oleObj>
               </mc:Choice>
@@ -27070,7 +27596,7 @@
                       <a:noFill/>
                       <a:extLst>
                         <a:ext uri="{909E8E84-426E-40dd-AFC4-6F175D3DCCD1}">
-                          <a14:hiddenFill xmlns="" xmlns:a14="http://schemas.microsoft.com/office/drawing/2010/main">
+                          <a14:hiddenFill xmlns:a14="http://schemas.microsoft.com/office/drawing/2010/main" xmlns="">
                             <a:solidFill>
                               <a:srgbClr val="FFFFFF"/>
                             </a:solidFill>
@@ -27381,10 +27907,10 @@
       </p:sp>
       <p:sp>
         <p:nvSpPr>
-          <p:cNvPr id="7" name="Rectangle 6">
+          <p:cNvPr id="8" name="Rectangle 7">
             <a:extLst>
               <a:ext uri="{FF2B5EF4-FFF2-40B4-BE49-F238E27FC236}">
-                <a16:creationId xmlns:a16="http://schemas.microsoft.com/office/drawing/2014/main" id="{FCBA7021-AAA4-4885-B9E0-3065245300C3}"/>
+                <a16:creationId xmlns:a16="http://schemas.microsoft.com/office/drawing/2014/main" id="{240E5AD5-C2AA-4049-A620-DDCC4762566B}"/>
               </a:ext>
             </a:extLst>
           </p:cNvPr>
@@ -27395,7 +27921,7 @@
         </p:nvSpPr>
         <p:spPr bwMode="auto">
           <a:xfrm>
-            <a:off x="75508" y="159617"/>
+            <a:off x="60518" y="174607"/>
             <a:ext cx="8991601" cy="1127125"/>
           </a:xfrm>
           <a:prstGeom prst="rect">
@@ -27436,13 +27962,13 @@
               </a:tabLst>
             </a:pPr>
             <a:r>
-              <a:rPr lang="en-GB" sz="3600" dirty="0">
+              <a:rPr lang="en-GB" sz="2800" dirty="0">
                 <a:solidFill>
                   <a:srgbClr val="000000"/>
                 </a:solidFill>
                 <a:latin typeface="Times New Roman" pitchFamily="18" charset="0"/>
               </a:rPr>
-              <a:t>The “Bayesian Framework” in Forensic Science</a:t>
+              <a:t>Aside: The “Bayesian Framework” in Forensic Science</a:t>
             </a:r>
           </a:p>
         </p:txBody>
@@ -27455,7 +27981,7 @@
 </p:sld>
 </file>
 
-<file path=ppt/slides/slide33.xml><?xml version="1.0" encoding="utf-8"?>
+<file path=ppt/slides/slide32.xml><?xml version="1.0" encoding="utf-8"?>
 <p:sld xmlns:a="http://schemas.openxmlformats.org/drawingml/2006/main" xmlns:r="http://schemas.openxmlformats.org/officeDocument/2006/relationships" xmlns:p="http://schemas.openxmlformats.org/presentationml/2006/main">
   <p:cSld>
     <p:spTree>
@@ -27584,7 +28110,7 @@
           <a:graphicData uri="http://schemas.openxmlformats.org/presentationml/2006/ole">
             <mc:AlternateContent xmlns:mc="http://schemas.openxmlformats.org/markup-compatibility/2006">
               <mc:Choice xmlns:v="urn:schemas-microsoft-com:vml" Requires="v">
-                <p:oleObj spid="_x0000_s44109" name="Equation" r:id="rId3" imgW="1155700" imgH="431800" progId="Equation.DSMT4">
+                <p:oleObj spid="_x0000_s44119" name="Equation" r:id="rId3" imgW="1155700" imgH="431800" progId="Equation.DSMT4">
                   <p:embed/>
                 </p:oleObj>
               </mc:Choice>
@@ -27623,7 +28149,7 @@
                       <a:noFill/>
                       <a:extLst>
                         <a:ext uri="{909E8E84-426E-40dd-AFC4-6F175D3DCCD1}">
-                          <a14:hiddenFill xmlns="" xmlns:a14="http://schemas.microsoft.com/office/drawing/2010/main">
+                          <a14:hiddenFill xmlns:a14="http://schemas.microsoft.com/office/drawing/2010/main" xmlns="">
                             <a:solidFill>
                               <a:srgbClr val="FFFFFF"/>
                             </a:solidFill>
@@ -28002,10 +28528,10 @@
       </p:sp>
       <p:sp>
         <p:nvSpPr>
-          <p:cNvPr id="10" name="Rectangle 9">
+          <p:cNvPr id="11" name="Rectangle 10">
             <a:extLst>
               <a:ext uri="{FF2B5EF4-FFF2-40B4-BE49-F238E27FC236}">
-                <a16:creationId xmlns:a16="http://schemas.microsoft.com/office/drawing/2014/main" id="{1741325C-7482-44B7-947D-1EA4EAE816E7}"/>
+                <a16:creationId xmlns:a16="http://schemas.microsoft.com/office/drawing/2014/main" id="{5294886E-4DC0-400B-BB4C-F00063DD90E5}"/>
               </a:ext>
             </a:extLst>
           </p:cNvPr>
@@ -28016,7 +28542,7 @@
         </p:nvSpPr>
         <p:spPr bwMode="auto">
           <a:xfrm>
-            <a:off x="75508" y="159617"/>
+            <a:off x="60518" y="174607"/>
             <a:ext cx="8991601" cy="1127125"/>
           </a:xfrm>
           <a:prstGeom prst="rect">
@@ -28057,13 +28583,13 @@
               </a:tabLst>
             </a:pPr>
             <a:r>
-              <a:rPr lang="en-GB" sz="3600" dirty="0">
+              <a:rPr lang="en-GB" sz="2800" dirty="0">
                 <a:solidFill>
                   <a:srgbClr val="000000"/>
                 </a:solidFill>
                 <a:latin typeface="Times New Roman" pitchFamily="18" charset="0"/>
               </a:rPr>
-              <a:t>The “Bayesian Framework” in Forensic Science</a:t>
+              <a:t>Aside: The “Bayesian Framework” in Forensic Science</a:t>
             </a:r>
           </a:p>
         </p:txBody>
@@ -28476,7 +29002,7 @@
 </p:sld>
 </file>
 
-<file path=ppt/slides/slide34.xml><?xml version="1.0" encoding="utf-8"?>
+<file path=ppt/slides/slide33.xml><?xml version="1.0" encoding="utf-8"?>
 <p:sld xmlns:a="http://schemas.openxmlformats.org/drawingml/2006/main" xmlns:r="http://schemas.openxmlformats.org/officeDocument/2006/relationships" xmlns:p="http://schemas.openxmlformats.org/presentationml/2006/main">
   <p:cSld>
     <p:spTree>
@@ -28509,7 +29035,7 @@
           <a:graphicData uri="http://schemas.openxmlformats.org/presentationml/2006/ole">
             <mc:AlternateContent xmlns:mc="http://schemas.openxmlformats.org/markup-compatibility/2006">
               <mc:Choice xmlns:v="urn:schemas-microsoft-com:vml" Requires="v">
-                <p:oleObj spid="_x0000_s61504" name="Equation" r:id="rId3" imgW="1155700" imgH="431800" progId="Equation.DSMT4">
+                <p:oleObj spid="_x0000_s61514" name="Equation" r:id="rId3" imgW="1155700" imgH="431800" progId="Equation.DSMT4">
                   <p:embed/>
                 </p:oleObj>
               </mc:Choice>
@@ -28548,7 +29074,7 @@
                       <a:noFill/>
                       <a:extLst>
                         <a:ext uri="{909E8E84-426E-40dd-AFC4-6F175D3DCCD1}">
-                          <a14:hiddenFill xmlns="" xmlns:a14="http://schemas.microsoft.com/office/drawing/2010/main">
+                          <a14:hiddenFill xmlns:a14="http://schemas.microsoft.com/office/drawing/2010/main" xmlns="">
                             <a:solidFill>
                               <a:srgbClr val="FFFFFF"/>
                             </a:solidFill>
@@ -28760,10 +29286,10 @@
       </p:sp>
       <p:sp>
         <p:nvSpPr>
-          <p:cNvPr id="6" name="Rectangle 5">
+          <p:cNvPr id="8" name="Rectangle 7">
             <a:extLst>
               <a:ext uri="{FF2B5EF4-FFF2-40B4-BE49-F238E27FC236}">
-                <a16:creationId xmlns:a16="http://schemas.microsoft.com/office/drawing/2014/main" id="{DD81A243-28F0-4743-A32B-BB566A807054}"/>
+                <a16:creationId xmlns:a16="http://schemas.microsoft.com/office/drawing/2014/main" id="{9BE39542-1B68-44CF-A37C-B770F7853F25}"/>
               </a:ext>
             </a:extLst>
           </p:cNvPr>
@@ -28774,7 +29300,7 @@
         </p:nvSpPr>
         <p:spPr bwMode="auto">
           <a:xfrm>
-            <a:off x="75508" y="159617"/>
+            <a:off x="60518" y="174607"/>
             <a:ext cx="8991601" cy="1127125"/>
           </a:xfrm>
           <a:prstGeom prst="rect">
@@ -28815,13 +29341,13 @@
               </a:tabLst>
             </a:pPr>
             <a:r>
-              <a:rPr lang="en-GB" sz="3600" dirty="0">
+              <a:rPr lang="en-GB" sz="2800" dirty="0">
                 <a:solidFill>
                   <a:srgbClr val="000000"/>
                 </a:solidFill>
                 <a:latin typeface="Times New Roman" pitchFamily="18" charset="0"/>
               </a:rPr>
-              <a:t>The “Bayesian Framework” in Forensic Science</a:t>
+              <a:t>Aside: The “Bayesian Framework” in Forensic Science</a:t>
             </a:r>
           </a:p>
         </p:txBody>
@@ -28836,6 +29362,1597 @@
   <p:clrMapOvr>
     <a:masterClrMapping/>
   </p:clrMapOvr>
+</p:sld>
+</file>
+
+<file path=ppt/slides/slide34.xml><?xml version="1.0" encoding="utf-8"?>
+<p:sld xmlns:a="http://schemas.openxmlformats.org/drawingml/2006/main" xmlns:r="http://schemas.openxmlformats.org/officeDocument/2006/relationships" xmlns:p="http://schemas.openxmlformats.org/presentationml/2006/main">
+  <p:cSld>
+    <p:spTree>
+      <p:nvGrpSpPr>
+        <p:cNvPr id="1" name=""/>
+        <p:cNvGrpSpPr/>
+        <p:nvPr/>
+      </p:nvGrpSpPr>
+      <p:grpSpPr>
+        <a:xfrm>
+          <a:off x="0" y="0"/>
+          <a:ext cx="0" cy="0"/>
+          <a:chOff x="0" y="0"/>
+          <a:chExt cx="0" cy="0"/>
+        </a:xfrm>
+      </p:grpSpPr>
+      <p:pic>
+        <p:nvPicPr>
+          <p:cNvPr id="4" name="Picture 2">
+            <a:extLst>
+              <a:ext uri="{FF2B5EF4-FFF2-40B4-BE49-F238E27FC236}">
+                <a16:creationId xmlns:a16="http://schemas.microsoft.com/office/drawing/2014/main" id="{A31D8861-D430-4FCB-B4C2-940EFD9ABF35}"/>
+              </a:ext>
+            </a:extLst>
+          </p:cNvPr>
+          <p:cNvPicPr>
+            <a:picLocks noChangeAspect="1" noChangeArrowheads="1"/>
+          </p:cNvPicPr>
+          <p:nvPr/>
+        </p:nvPicPr>
+        <p:blipFill>
+          <a:blip r:embed="rId2" cstate="print"/>
+          <a:srcRect/>
+          <a:stretch>
+            <a:fillRect/>
+          </a:stretch>
+        </p:blipFill>
+        <p:spPr bwMode="auto">
+          <a:xfrm>
+            <a:off x="484188" y="76200"/>
+            <a:ext cx="8202612" cy="239712"/>
+          </a:xfrm>
+          <a:prstGeom prst="rect">
+            <a:avLst/>
+          </a:prstGeom>
+          <a:noFill/>
+          <a:ln w="9525">
+            <a:noFill/>
+            <a:round/>
+            <a:headEnd/>
+            <a:tailEnd/>
+          </a:ln>
+        </p:spPr>
+      </p:pic>
+      <p:sp>
+        <p:nvSpPr>
+          <p:cNvPr id="5" name="Rectangle 4">
+            <a:extLst>
+              <a:ext uri="{FF2B5EF4-FFF2-40B4-BE49-F238E27FC236}">
+                <a16:creationId xmlns:a16="http://schemas.microsoft.com/office/drawing/2014/main" id="{B28F4E61-8FC7-4BDA-B34C-F6CB4D999AEE}"/>
+              </a:ext>
+            </a:extLst>
+          </p:cNvPr>
+          <p:cNvSpPr>
+            <a:spLocks noChangeArrowheads="1"/>
+          </p:cNvSpPr>
+          <p:nvPr/>
+        </p:nvSpPr>
+        <p:spPr bwMode="auto">
+          <a:xfrm>
+            <a:off x="135468" y="84667"/>
+            <a:ext cx="8991601" cy="1127125"/>
+          </a:xfrm>
+          <a:prstGeom prst="rect">
+            <a:avLst/>
+          </a:prstGeom>
+          <a:noFill/>
+          <a:ln w="9525">
+            <a:noFill/>
+            <a:round/>
+            <a:headEnd/>
+            <a:tailEnd/>
+          </a:ln>
+        </p:spPr>
+        <p:txBody>
+          <a:bodyPr lIns="0" tIns="0" rIns="0" bIns="0" anchor="ctr"/>
+          <a:lstStyle/>
+          <a:p>
+            <a:pPr algn="ctr">
+              <a:buClr>
+                <a:srgbClr val="000000"/>
+              </a:buClr>
+              <a:buSzPct val="100000"/>
+              <a:buFont typeface="Times New Roman" pitchFamily="18" charset="0"/>
+              <a:buNone/>
+              <a:tabLst>
+                <a:tab pos="0" algn="l"/>
+                <a:tab pos="914400" algn="l"/>
+                <a:tab pos="1828800" algn="l"/>
+                <a:tab pos="2743200" algn="l"/>
+                <a:tab pos="3657600" algn="l"/>
+                <a:tab pos="4572000" algn="l"/>
+                <a:tab pos="5486400" algn="l"/>
+                <a:tab pos="6400800" algn="l"/>
+                <a:tab pos="7315200" algn="l"/>
+                <a:tab pos="8229600" algn="l"/>
+                <a:tab pos="9144000" algn="l"/>
+                <a:tab pos="10058400" algn="l"/>
+              </a:tabLst>
+            </a:pPr>
+            <a:r>
+              <a:rPr lang="en-GB" sz="3600" dirty="0">
+                <a:solidFill>
+                  <a:srgbClr val="000000"/>
+                </a:solidFill>
+                <a:latin typeface="Times New Roman" pitchFamily="18" charset="0"/>
+              </a:rPr>
+              <a:t>Back to Bayesian Model Checking</a:t>
+            </a:r>
+          </a:p>
+        </p:txBody>
+      </p:sp>
+      <p:sp>
+        <p:nvSpPr>
+          <p:cNvPr id="6" name="Rectangle 5">
+            <a:extLst>
+              <a:ext uri="{FF2B5EF4-FFF2-40B4-BE49-F238E27FC236}">
+                <a16:creationId xmlns:a16="http://schemas.microsoft.com/office/drawing/2014/main" id="{989588FB-1817-472A-8726-845C677FC418}"/>
+              </a:ext>
+            </a:extLst>
+          </p:cNvPr>
+          <p:cNvSpPr>
+            <a:spLocks noChangeArrowheads="1"/>
+          </p:cNvSpPr>
+          <p:nvPr/>
+        </p:nvSpPr>
+        <p:spPr bwMode="auto">
+          <a:xfrm>
+            <a:off x="254980" y="1517737"/>
+            <a:ext cx="8634039" cy="1356092"/>
+          </a:xfrm>
+          <a:prstGeom prst="rect">
+            <a:avLst/>
+          </a:prstGeom>
+          <a:noFill/>
+          <a:ln w="9525">
+            <a:noFill/>
+            <a:round/>
+            <a:headEnd/>
+            <a:tailEnd/>
+          </a:ln>
+        </p:spPr>
+        <p:txBody>
+          <a:bodyPr lIns="0" tIns="0" rIns="0" bIns="0"/>
+          <a:lstStyle/>
+          <a:p>
+            <a:pPr marL="430213" indent="-323850">
+              <a:lnSpc>
+                <a:spcPct val="100000"/>
+              </a:lnSpc>
+              <a:spcBef>
+                <a:spcPts val="800"/>
+              </a:spcBef>
+              <a:buFont typeface="Times New Roman" pitchFamily="18" charset="0"/>
+              <a:buChar char="•"/>
+              <a:tabLst>
+                <a:tab pos="430213" algn="l"/>
+                <a:tab pos="1344613" algn="l"/>
+                <a:tab pos="2259013" algn="l"/>
+                <a:tab pos="3173413" algn="l"/>
+                <a:tab pos="4087813" algn="l"/>
+                <a:tab pos="5002213" algn="l"/>
+                <a:tab pos="5916613" algn="l"/>
+                <a:tab pos="6831013" algn="l"/>
+                <a:tab pos="7745413" algn="l"/>
+                <a:tab pos="8659813" algn="l"/>
+                <a:tab pos="9574213" algn="l"/>
+                <a:tab pos="10488613" algn="l"/>
+              </a:tabLst>
+            </a:pPr>
+            <a:r>
+              <a:rPr lang="en-GB" sz="2400" dirty="0">
+                <a:solidFill>
+                  <a:srgbClr val="000000"/>
+                </a:solidFill>
+                <a:latin typeface="Times New Roman" pitchFamily="18" charset="0"/>
+              </a:rPr>
+              <a:t>More heuristic, but far more practical is to consider how well the posterior predicts “future” data</a:t>
+            </a:r>
+          </a:p>
+          <a:p>
+            <a:pPr marL="887413" lvl="1" indent="-323850">
+              <a:spcBef>
+                <a:spcPts val="800"/>
+              </a:spcBef>
+              <a:buFont typeface="Times New Roman" pitchFamily="18" charset="0"/>
+              <a:buChar char="•"/>
+              <a:tabLst>
+                <a:tab pos="430213" algn="l"/>
+                <a:tab pos="1344613" algn="l"/>
+                <a:tab pos="2259013" algn="l"/>
+                <a:tab pos="3173413" algn="l"/>
+                <a:tab pos="4087813" algn="l"/>
+                <a:tab pos="5002213" algn="l"/>
+                <a:tab pos="5916613" algn="l"/>
+                <a:tab pos="6831013" algn="l"/>
+                <a:tab pos="7745413" algn="l"/>
+                <a:tab pos="8659813" algn="l"/>
+                <a:tab pos="9574213" algn="l"/>
+                <a:tab pos="10488613" algn="l"/>
+              </a:tabLst>
+            </a:pPr>
+            <a:r>
+              <a:rPr lang="en-GB" sz="2200" dirty="0">
+                <a:solidFill>
+                  <a:srgbClr val="000000"/>
+                </a:solidFill>
+                <a:latin typeface="Times New Roman" pitchFamily="18" charset="0"/>
+              </a:rPr>
+              <a:t>i.e. data not used to obtain the posterior</a:t>
+            </a:r>
+          </a:p>
+        </p:txBody>
+      </p:sp>
+      <p:sp>
+        <p:nvSpPr>
+          <p:cNvPr id="7" name="Rectangle 6">
+            <a:extLst>
+              <a:ext uri="{FF2B5EF4-FFF2-40B4-BE49-F238E27FC236}">
+                <a16:creationId xmlns:a16="http://schemas.microsoft.com/office/drawing/2014/main" id="{CA0B3C02-B5CE-473C-A299-24977E174EDC}"/>
+              </a:ext>
+            </a:extLst>
+          </p:cNvPr>
+          <p:cNvSpPr>
+            <a:spLocks noChangeArrowheads="1"/>
+          </p:cNvSpPr>
+          <p:nvPr/>
+        </p:nvSpPr>
+        <p:spPr bwMode="auto">
+          <a:xfrm>
+            <a:off x="254979" y="3156858"/>
+            <a:ext cx="8634039" cy="1356092"/>
+          </a:xfrm>
+          <a:prstGeom prst="rect">
+            <a:avLst/>
+          </a:prstGeom>
+          <a:noFill/>
+          <a:ln w="9525">
+            <a:noFill/>
+            <a:round/>
+            <a:headEnd/>
+            <a:tailEnd/>
+          </a:ln>
+        </p:spPr>
+        <p:txBody>
+          <a:bodyPr lIns="0" tIns="0" rIns="0" bIns="0"/>
+          <a:lstStyle/>
+          <a:p>
+            <a:pPr marL="430213" indent="-323850">
+              <a:lnSpc>
+                <a:spcPct val="100000"/>
+              </a:lnSpc>
+              <a:spcBef>
+                <a:spcPts val="800"/>
+              </a:spcBef>
+              <a:buFont typeface="Times New Roman" pitchFamily="18" charset="0"/>
+              <a:buChar char="•"/>
+              <a:tabLst>
+                <a:tab pos="430213" algn="l"/>
+                <a:tab pos="1344613" algn="l"/>
+                <a:tab pos="2259013" algn="l"/>
+                <a:tab pos="3173413" algn="l"/>
+                <a:tab pos="4087813" algn="l"/>
+                <a:tab pos="5002213" algn="l"/>
+                <a:tab pos="5916613" algn="l"/>
+                <a:tab pos="6831013" algn="l"/>
+                <a:tab pos="7745413" algn="l"/>
+                <a:tab pos="8659813" algn="l"/>
+                <a:tab pos="9574213" algn="l"/>
+                <a:tab pos="10488613" algn="l"/>
+              </a:tabLst>
+            </a:pPr>
+            <a:r>
+              <a:rPr lang="en-GB" sz="2400" dirty="0">
+                <a:solidFill>
+                  <a:srgbClr val="000000"/>
+                </a:solidFill>
+                <a:latin typeface="Times New Roman" pitchFamily="18" charset="0"/>
+              </a:rPr>
+              <a:t>A general performance measure which we pay attention to is the expected log posterior density:</a:t>
+            </a:r>
+            <a:endParaRPr lang="en-GB" sz="2200" dirty="0">
+              <a:solidFill>
+                <a:srgbClr val="000000"/>
+              </a:solidFill>
+              <a:latin typeface="Times New Roman" pitchFamily="18" charset="0"/>
+            </a:endParaRPr>
+          </a:p>
+        </p:txBody>
+      </p:sp>
+      <p:pic>
+        <p:nvPicPr>
+          <p:cNvPr id="62466" name="Picture 2">
+            <a:extLst>
+              <a:ext uri="{FF2B5EF4-FFF2-40B4-BE49-F238E27FC236}">
+                <a16:creationId xmlns:a16="http://schemas.microsoft.com/office/drawing/2014/main" id="{9A9DEE1E-907A-4AAD-B76C-C437403F5D3E}"/>
+              </a:ext>
+            </a:extLst>
+          </p:cNvPr>
+          <p:cNvPicPr>
+            <a:picLocks noChangeAspect="1" noChangeArrowheads="1"/>
+          </p:cNvPicPr>
+          <p:nvPr/>
+        </p:nvPicPr>
+        <p:blipFill>
+          <a:blip r:embed="rId3">
+            <a:extLst>
+              <a:ext uri="{28A0092B-C50C-407E-A947-70E740481C1C}">
+                <a14:useLocalDpi xmlns:a14="http://schemas.microsoft.com/office/drawing/2010/main" val="0"/>
+              </a:ext>
+            </a:extLst>
+          </a:blip>
+          <a:srcRect/>
+          <a:stretch>
+            <a:fillRect/>
+          </a:stretch>
+        </p:blipFill>
+        <p:spPr bwMode="auto">
+          <a:xfrm>
+            <a:off x="1480454" y="4393101"/>
+            <a:ext cx="6183087" cy="858763"/>
+          </a:xfrm>
+          <a:prstGeom prst="rect">
+            <a:avLst/>
+          </a:prstGeom>
+          <a:noFill/>
+          <a:ln>
+            <a:noFill/>
+          </a:ln>
+          <a:effectLst/>
+          <a:extLst>
+            <a:ext uri="{909E8E84-426E-40DD-AFC4-6F175D3DCCD1}">
+              <a14:hiddenFill xmlns:a14="http://schemas.microsoft.com/office/drawing/2010/main">
+                <a:solidFill>
+                  <a:schemeClr val="accent1"/>
+                </a:solidFill>
+              </a14:hiddenFill>
+            </a:ext>
+            <a:ext uri="{91240B29-F687-4F45-9708-019B960494DF}">
+              <a14:hiddenLine xmlns:a14="http://schemas.microsoft.com/office/drawing/2010/main" w="9525">
+                <a:solidFill>
+                  <a:schemeClr val="tx1"/>
+                </a:solidFill>
+                <a:miter lim="800000"/>
+                <a:headEnd/>
+                <a:tailEnd/>
+              </a14:hiddenLine>
+            </a:ext>
+            <a:ext uri="{AF507438-7753-43E0-B8FC-AC1667EBCBE1}">
+              <a14:hiddenEffects xmlns:a14="http://schemas.microsoft.com/office/drawing/2010/main">
+                <a:effectLst>
+                  <a:outerShdw dist="35921" dir="2700000" algn="ctr" rotWithShape="0">
+                    <a:schemeClr val="bg2"/>
+                  </a:outerShdw>
+                </a:effectLst>
+              </a14:hiddenEffects>
+            </a:ext>
+          </a:extLst>
+        </p:spPr>
+      </p:pic>
+      <p:sp>
+        <p:nvSpPr>
+          <p:cNvPr id="8" name="Rectangle 7">
+            <a:extLst>
+              <a:ext uri="{FF2B5EF4-FFF2-40B4-BE49-F238E27FC236}">
+                <a16:creationId xmlns:a16="http://schemas.microsoft.com/office/drawing/2014/main" id="{5037CFA5-C124-49B1-ADCB-DA8FE4454862}"/>
+              </a:ext>
+            </a:extLst>
+          </p:cNvPr>
+          <p:cNvSpPr>
+            <a:spLocks noChangeArrowheads="1"/>
+          </p:cNvSpPr>
+          <p:nvPr/>
+        </p:nvSpPr>
+        <p:spPr bwMode="auto">
+          <a:xfrm>
+            <a:off x="247988" y="5799937"/>
+            <a:ext cx="8634039" cy="720132"/>
+          </a:xfrm>
+          <a:prstGeom prst="rect">
+            <a:avLst/>
+          </a:prstGeom>
+          <a:noFill/>
+          <a:ln w="9525">
+            <a:noFill/>
+            <a:round/>
+            <a:headEnd/>
+            <a:tailEnd/>
+          </a:ln>
+        </p:spPr>
+        <p:txBody>
+          <a:bodyPr lIns="0" tIns="0" rIns="0" bIns="0"/>
+          <a:lstStyle/>
+          <a:p>
+            <a:pPr marL="887413" lvl="1" indent="-323850">
+              <a:spcBef>
+                <a:spcPts val="800"/>
+              </a:spcBef>
+              <a:buFont typeface="Times New Roman" pitchFamily="18" charset="0"/>
+              <a:buChar char="•"/>
+              <a:tabLst>
+                <a:tab pos="430213" algn="l"/>
+                <a:tab pos="1344613" algn="l"/>
+                <a:tab pos="2259013" algn="l"/>
+                <a:tab pos="3173413" algn="l"/>
+                <a:tab pos="4087813" algn="l"/>
+                <a:tab pos="5002213" algn="l"/>
+                <a:tab pos="5916613" algn="l"/>
+                <a:tab pos="6831013" algn="l"/>
+                <a:tab pos="7745413" algn="l"/>
+                <a:tab pos="8659813" algn="l"/>
+                <a:tab pos="9574213" algn="l"/>
+                <a:tab pos="10488613" algn="l"/>
+              </a:tabLst>
+            </a:pPr>
+            <a:r>
+              <a:rPr lang="en-GB" sz="2200" dirty="0">
+                <a:solidFill>
+                  <a:srgbClr val="000000"/>
+                </a:solidFill>
+                <a:latin typeface="Times New Roman" pitchFamily="18" charset="0"/>
+              </a:rPr>
+              <a:t>Expresses how “close” the posterior predictive distribution is to the data’s true distribution </a:t>
+            </a:r>
+            <a:r>
+              <a:rPr lang="en-GB" sz="2200" i="1" dirty="0">
+                <a:solidFill>
+                  <a:srgbClr val="000000"/>
+                </a:solidFill>
+                <a:latin typeface="Times New Roman" pitchFamily="18" charset="0"/>
+              </a:rPr>
+              <a:t>f</a:t>
+            </a:r>
+            <a:r>
+              <a:rPr lang="en-GB" sz="2200" dirty="0">
+                <a:solidFill>
+                  <a:srgbClr val="000000"/>
+                </a:solidFill>
+                <a:latin typeface="Times New Roman" pitchFamily="18" charset="0"/>
+              </a:rPr>
+              <a:t>(</a:t>
+            </a:r>
+            <a:r>
+              <a:rPr lang="en-GB" sz="2200" i="1" dirty="0" err="1">
+                <a:solidFill>
+                  <a:srgbClr val="000000"/>
+                </a:solidFill>
+                <a:latin typeface="Times New Roman" pitchFamily="18" charset="0"/>
+              </a:rPr>
+              <a:t>y</a:t>
+            </a:r>
+            <a:r>
+              <a:rPr lang="en-GB" sz="2200" baseline="-25000" dirty="0" err="1">
+                <a:solidFill>
+                  <a:srgbClr val="000000"/>
+                </a:solidFill>
+                <a:latin typeface="Times New Roman" pitchFamily="18" charset="0"/>
+              </a:rPr>
+              <a:t>new</a:t>
+            </a:r>
+            <a:r>
+              <a:rPr lang="en-GB" sz="2200" dirty="0">
+                <a:solidFill>
+                  <a:srgbClr val="000000"/>
+                </a:solidFill>
+                <a:latin typeface="Times New Roman" pitchFamily="18" charset="0"/>
+              </a:rPr>
+              <a:t>).  </a:t>
+            </a:r>
+          </a:p>
+        </p:txBody>
+      </p:sp>
+    </p:spTree>
+    <p:extLst>
+      <p:ext uri="{BB962C8B-B14F-4D97-AF65-F5344CB8AC3E}">
+        <p14:creationId xmlns:p14="http://schemas.microsoft.com/office/powerpoint/2010/main" val="3846533351"/>
+      </p:ext>
+    </p:extLst>
+  </p:cSld>
+  <p:clrMapOvr>
+    <a:masterClrMapping/>
+  </p:clrMapOvr>
+  <p:timing>
+    <p:tnLst>
+      <p:par>
+        <p:cTn id="1" dur="indefinite" restart="never" nodeType="tmRoot">
+          <p:childTnLst>
+            <p:seq concurrent="1" nextAc="seek">
+              <p:cTn id="2" dur="indefinite" nodeType="mainSeq">
+                <p:childTnLst>
+                  <p:par>
+                    <p:cTn id="3" fill="hold">
+                      <p:stCondLst>
+                        <p:cond delay="indefinite"/>
+                      </p:stCondLst>
+                      <p:childTnLst>
+                        <p:par>
+                          <p:cTn id="4" fill="hold">
+                            <p:stCondLst>
+                              <p:cond delay="0"/>
+                            </p:stCondLst>
+                            <p:childTnLst>
+                              <p:par>
+                                <p:cTn id="5" presetID="2" presetClass="entr" presetSubtype="4" fill="hold" grpId="0" nodeType="clickEffect">
+                                  <p:stCondLst>
+                                    <p:cond delay="0"/>
+                                  </p:stCondLst>
+                                  <p:childTnLst>
+                                    <p:set>
+                                      <p:cBhvr>
+                                        <p:cTn id="6" dur="1" fill="hold">
+                                          <p:stCondLst>
+                                            <p:cond delay="0"/>
+                                          </p:stCondLst>
+                                        </p:cTn>
+                                        <p:tgtEl>
+                                          <p:spTgt spid="6"/>
+                                        </p:tgtEl>
+                                        <p:attrNameLst>
+                                          <p:attrName>style.visibility</p:attrName>
+                                        </p:attrNameLst>
+                                      </p:cBhvr>
+                                      <p:to>
+                                        <p:strVal val="visible"/>
+                                      </p:to>
+                                    </p:set>
+                                    <p:anim calcmode="lin" valueType="num">
+                                      <p:cBhvr additive="base">
+                                        <p:cTn id="7" dur="500" fill="hold"/>
+                                        <p:tgtEl>
+                                          <p:spTgt spid="6"/>
+                                        </p:tgtEl>
+                                        <p:attrNameLst>
+                                          <p:attrName>ppt_x</p:attrName>
+                                        </p:attrNameLst>
+                                      </p:cBhvr>
+                                      <p:tavLst>
+                                        <p:tav tm="0">
+                                          <p:val>
+                                            <p:strVal val="#ppt_x"/>
+                                          </p:val>
+                                        </p:tav>
+                                        <p:tav tm="100000">
+                                          <p:val>
+                                            <p:strVal val="#ppt_x"/>
+                                          </p:val>
+                                        </p:tav>
+                                      </p:tavLst>
+                                    </p:anim>
+                                    <p:anim calcmode="lin" valueType="num">
+                                      <p:cBhvr additive="base">
+                                        <p:cTn id="8" dur="500" fill="hold"/>
+                                        <p:tgtEl>
+                                          <p:spTgt spid="6"/>
+                                        </p:tgtEl>
+                                        <p:attrNameLst>
+                                          <p:attrName>ppt_y</p:attrName>
+                                        </p:attrNameLst>
+                                      </p:cBhvr>
+                                      <p:tavLst>
+                                        <p:tav tm="0">
+                                          <p:val>
+                                            <p:strVal val="1+#ppt_h/2"/>
+                                          </p:val>
+                                        </p:tav>
+                                        <p:tav tm="100000">
+                                          <p:val>
+                                            <p:strVal val="#ppt_y"/>
+                                          </p:val>
+                                        </p:tav>
+                                      </p:tavLst>
+                                    </p:anim>
+                                  </p:childTnLst>
+                                </p:cTn>
+                              </p:par>
+                            </p:childTnLst>
+                          </p:cTn>
+                        </p:par>
+                      </p:childTnLst>
+                    </p:cTn>
+                  </p:par>
+                  <p:par>
+                    <p:cTn id="9" fill="hold">
+                      <p:stCondLst>
+                        <p:cond delay="indefinite"/>
+                      </p:stCondLst>
+                      <p:childTnLst>
+                        <p:par>
+                          <p:cTn id="10" fill="hold">
+                            <p:stCondLst>
+                              <p:cond delay="0"/>
+                            </p:stCondLst>
+                            <p:childTnLst>
+                              <p:par>
+                                <p:cTn id="11" presetID="2" presetClass="entr" presetSubtype="4" fill="hold" grpId="0" nodeType="clickEffect">
+                                  <p:stCondLst>
+                                    <p:cond delay="0"/>
+                                  </p:stCondLst>
+                                  <p:childTnLst>
+                                    <p:set>
+                                      <p:cBhvr>
+                                        <p:cTn id="12" dur="1" fill="hold">
+                                          <p:stCondLst>
+                                            <p:cond delay="0"/>
+                                          </p:stCondLst>
+                                        </p:cTn>
+                                        <p:tgtEl>
+                                          <p:spTgt spid="7"/>
+                                        </p:tgtEl>
+                                        <p:attrNameLst>
+                                          <p:attrName>style.visibility</p:attrName>
+                                        </p:attrNameLst>
+                                      </p:cBhvr>
+                                      <p:to>
+                                        <p:strVal val="visible"/>
+                                      </p:to>
+                                    </p:set>
+                                    <p:anim calcmode="lin" valueType="num">
+                                      <p:cBhvr additive="base">
+                                        <p:cTn id="13" dur="500" fill="hold"/>
+                                        <p:tgtEl>
+                                          <p:spTgt spid="7"/>
+                                        </p:tgtEl>
+                                        <p:attrNameLst>
+                                          <p:attrName>ppt_x</p:attrName>
+                                        </p:attrNameLst>
+                                      </p:cBhvr>
+                                      <p:tavLst>
+                                        <p:tav tm="0">
+                                          <p:val>
+                                            <p:strVal val="#ppt_x"/>
+                                          </p:val>
+                                        </p:tav>
+                                        <p:tav tm="100000">
+                                          <p:val>
+                                            <p:strVal val="#ppt_x"/>
+                                          </p:val>
+                                        </p:tav>
+                                      </p:tavLst>
+                                    </p:anim>
+                                    <p:anim calcmode="lin" valueType="num">
+                                      <p:cBhvr additive="base">
+                                        <p:cTn id="14" dur="500" fill="hold"/>
+                                        <p:tgtEl>
+                                          <p:spTgt spid="7"/>
+                                        </p:tgtEl>
+                                        <p:attrNameLst>
+                                          <p:attrName>ppt_y</p:attrName>
+                                        </p:attrNameLst>
+                                      </p:cBhvr>
+                                      <p:tavLst>
+                                        <p:tav tm="0">
+                                          <p:val>
+                                            <p:strVal val="1+#ppt_h/2"/>
+                                          </p:val>
+                                        </p:tav>
+                                        <p:tav tm="100000">
+                                          <p:val>
+                                            <p:strVal val="#ppt_y"/>
+                                          </p:val>
+                                        </p:tav>
+                                      </p:tavLst>
+                                    </p:anim>
+                                  </p:childTnLst>
+                                </p:cTn>
+                              </p:par>
+                            </p:childTnLst>
+                          </p:cTn>
+                        </p:par>
+                        <p:par>
+                          <p:cTn id="15" fill="hold">
+                            <p:stCondLst>
+                              <p:cond delay="500"/>
+                            </p:stCondLst>
+                            <p:childTnLst>
+                              <p:par>
+                                <p:cTn id="16" presetID="2" presetClass="entr" presetSubtype="4" fill="hold" nodeType="afterEffect">
+                                  <p:stCondLst>
+                                    <p:cond delay="0"/>
+                                  </p:stCondLst>
+                                  <p:childTnLst>
+                                    <p:set>
+                                      <p:cBhvr>
+                                        <p:cTn id="17" dur="1" fill="hold">
+                                          <p:stCondLst>
+                                            <p:cond delay="0"/>
+                                          </p:stCondLst>
+                                        </p:cTn>
+                                        <p:tgtEl>
+                                          <p:spTgt spid="62466"/>
+                                        </p:tgtEl>
+                                        <p:attrNameLst>
+                                          <p:attrName>style.visibility</p:attrName>
+                                        </p:attrNameLst>
+                                      </p:cBhvr>
+                                      <p:to>
+                                        <p:strVal val="visible"/>
+                                      </p:to>
+                                    </p:set>
+                                    <p:anim calcmode="lin" valueType="num">
+                                      <p:cBhvr additive="base">
+                                        <p:cTn id="18" dur="500" fill="hold"/>
+                                        <p:tgtEl>
+                                          <p:spTgt spid="62466"/>
+                                        </p:tgtEl>
+                                        <p:attrNameLst>
+                                          <p:attrName>ppt_x</p:attrName>
+                                        </p:attrNameLst>
+                                      </p:cBhvr>
+                                      <p:tavLst>
+                                        <p:tav tm="0">
+                                          <p:val>
+                                            <p:strVal val="#ppt_x"/>
+                                          </p:val>
+                                        </p:tav>
+                                        <p:tav tm="100000">
+                                          <p:val>
+                                            <p:strVal val="#ppt_x"/>
+                                          </p:val>
+                                        </p:tav>
+                                      </p:tavLst>
+                                    </p:anim>
+                                    <p:anim calcmode="lin" valueType="num">
+                                      <p:cBhvr additive="base">
+                                        <p:cTn id="19" dur="500" fill="hold"/>
+                                        <p:tgtEl>
+                                          <p:spTgt spid="62466"/>
+                                        </p:tgtEl>
+                                        <p:attrNameLst>
+                                          <p:attrName>ppt_y</p:attrName>
+                                        </p:attrNameLst>
+                                      </p:cBhvr>
+                                      <p:tavLst>
+                                        <p:tav tm="0">
+                                          <p:val>
+                                            <p:strVal val="1+#ppt_h/2"/>
+                                          </p:val>
+                                        </p:tav>
+                                        <p:tav tm="100000">
+                                          <p:val>
+                                            <p:strVal val="#ppt_y"/>
+                                          </p:val>
+                                        </p:tav>
+                                      </p:tavLst>
+                                    </p:anim>
+                                  </p:childTnLst>
+                                </p:cTn>
+                              </p:par>
+                            </p:childTnLst>
+                          </p:cTn>
+                        </p:par>
+                      </p:childTnLst>
+                    </p:cTn>
+                  </p:par>
+                  <p:par>
+                    <p:cTn id="20" fill="hold">
+                      <p:stCondLst>
+                        <p:cond delay="indefinite"/>
+                      </p:stCondLst>
+                      <p:childTnLst>
+                        <p:par>
+                          <p:cTn id="21" fill="hold">
+                            <p:stCondLst>
+                              <p:cond delay="0"/>
+                            </p:stCondLst>
+                            <p:childTnLst>
+                              <p:par>
+                                <p:cTn id="22" presetID="2" presetClass="entr" presetSubtype="4" fill="hold" grpId="0" nodeType="clickEffect">
+                                  <p:stCondLst>
+                                    <p:cond delay="0"/>
+                                  </p:stCondLst>
+                                  <p:childTnLst>
+                                    <p:set>
+                                      <p:cBhvr>
+                                        <p:cTn id="23" dur="1" fill="hold">
+                                          <p:stCondLst>
+                                            <p:cond delay="0"/>
+                                          </p:stCondLst>
+                                        </p:cTn>
+                                        <p:tgtEl>
+                                          <p:spTgt spid="8"/>
+                                        </p:tgtEl>
+                                        <p:attrNameLst>
+                                          <p:attrName>style.visibility</p:attrName>
+                                        </p:attrNameLst>
+                                      </p:cBhvr>
+                                      <p:to>
+                                        <p:strVal val="visible"/>
+                                      </p:to>
+                                    </p:set>
+                                    <p:anim calcmode="lin" valueType="num">
+                                      <p:cBhvr additive="base">
+                                        <p:cTn id="24" dur="500" fill="hold"/>
+                                        <p:tgtEl>
+                                          <p:spTgt spid="8"/>
+                                        </p:tgtEl>
+                                        <p:attrNameLst>
+                                          <p:attrName>ppt_x</p:attrName>
+                                        </p:attrNameLst>
+                                      </p:cBhvr>
+                                      <p:tavLst>
+                                        <p:tav tm="0">
+                                          <p:val>
+                                            <p:strVal val="#ppt_x"/>
+                                          </p:val>
+                                        </p:tav>
+                                        <p:tav tm="100000">
+                                          <p:val>
+                                            <p:strVal val="#ppt_x"/>
+                                          </p:val>
+                                        </p:tav>
+                                      </p:tavLst>
+                                    </p:anim>
+                                    <p:anim calcmode="lin" valueType="num">
+                                      <p:cBhvr additive="base">
+                                        <p:cTn id="25" dur="500" fill="hold"/>
+                                        <p:tgtEl>
+                                          <p:spTgt spid="8"/>
+                                        </p:tgtEl>
+                                        <p:attrNameLst>
+                                          <p:attrName>ppt_y</p:attrName>
+                                        </p:attrNameLst>
+                                      </p:cBhvr>
+                                      <p:tavLst>
+                                        <p:tav tm="0">
+                                          <p:val>
+                                            <p:strVal val="1+#ppt_h/2"/>
+                                          </p:val>
+                                        </p:tav>
+                                        <p:tav tm="100000">
+                                          <p:val>
+                                            <p:strVal val="#ppt_y"/>
+                                          </p:val>
+                                        </p:tav>
+                                      </p:tavLst>
+                                    </p:anim>
+                                  </p:childTnLst>
+                                </p:cTn>
+                              </p:par>
+                            </p:childTnLst>
+                          </p:cTn>
+                        </p:par>
+                      </p:childTnLst>
+                    </p:cTn>
+                  </p:par>
+                </p:childTnLst>
+              </p:cTn>
+              <p:prevCondLst>
+                <p:cond evt="onPrev" delay="0">
+                  <p:tgtEl>
+                    <p:sldTgt/>
+                  </p:tgtEl>
+                </p:cond>
+              </p:prevCondLst>
+              <p:nextCondLst>
+                <p:cond evt="onNext" delay="0">
+                  <p:tgtEl>
+                    <p:sldTgt/>
+                  </p:tgtEl>
+                </p:cond>
+              </p:nextCondLst>
+            </p:seq>
+          </p:childTnLst>
+        </p:cTn>
+      </p:par>
+    </p:tnLst>
+    <p:bldLst>
+      <p:bldP spid="6" grpId="0"/>
+      <p:bldP spid="7" grpId="0"/>
+      <p:bldP spid="8" grpId="0"/>
+    </p:bldLst>
+  </p:timing>
+</p:sld>
+</file>
+
+<file path=ppt/slides/slide35.xml><?xml version="1.0" encoding="utf-8"?>
+<p:sld xmlns:a="http://schemas.openxmlformats.org/drawingml/2006/main" xmlns:r="http://schemas.openxmlformats.org/officeDocument/2006/relationships" xmlns:p="http://schemas.openxmlformats.org/presentationml/2006/main">
+  <p:cSld>
+    <p:spTree>
+      <p:nvGrpSpPr>
+        <p:cNvPr id="1" name=""/>
+        <p:cNvGrpSpPr/>
+        <p:nvPr/>
+      </p:nvGrpSpPr>
+      <p:grpSpPr>
+        <a:xfrm>
+          <a:off x="0" y="0"/>
+          <a:ext cx="0" cy="0"/>
+          <a:chOff x="0" y="0"/>
+          <a:chExt cx="0" cy="0"/>
+        </a:xfrm>
+      </p:grpSpPr>
+      <p:pic>
+        <p:nvPicPr>
+          <p:cNvPr id="4" name="Picture 2">
+            <a:extLst>
+              <a:ext uri="{FF2B5EF4-FFF2-40B4-BE49-F238E27FC236}">
+                <a16:creationId xmlns:a16="http://schemas.microsoft.com/office/drawing/2014/main" id="{8D64B4BF-E95A-4F81-8CED-E664E9E32F61}"/>
+              </a:ext>
+            </a:extLst>
+          </p:cNvPr>
+          <p:cNvPicPr>
+            <a:picLocks noChangeAspect="1" noChangeArrowheads="1"/>
+          </p:cNvPicPr>
+          <p:nvPr/>
+        </p:nvPicPr>
+        <p:blipFill>
+          <a:blip r:embed="rId2" cstate="print"/>
+          <a:srcRect/>
+          <a:stretch>
+            <a:fillRect/>
+          </a:stretch>
+        </p:blipFill>
+        <p:spPr bwMode="auto">
+          <a:xfrm>
+            <a:off x="484188" y="76200"/>
+            <a:ext cx="8202612" cy="239712"/>
+          </a:xfrm>
+          <a:prstGeom prst="rect">
+            <a:avLst/>
+          </a:prstGeom>
+          <a:noFill/>
+          <a:ln w="9525">
+            <a:noFill/>
+            <a:round/>
+            <a:headEnd/>
+            <a:tailEnd/>
+          </a:ln>
+        </p:spPr>
+      </p:pic>
+      <p:sp>
+        <p:nvSpPr>
+          <p:cNvPr id="5" name="Rectangle 4">
+            <a:extLst>
+              <a:ext uri="{FF2B5EF4-FFF2-40B4-BE49-F238E27FC236}">
+                <a16:creationId xmlns:a16="http://schemas.microsoft.com/office/drawing/2014/main" id="{2558F5E7-0C1A-417A-95D0-0672C20DAAAE}"/>
+              </a:ext>
+            </a:extLst>
+          </p:cNvPr>
+          <p:cNvSpPr>
+            <a:spLocks noChangeArrowheads="1"/>
+          </p:cNvSpPr>
+          <p:nvPr/>
+        </p:nvSpPr>
+        <p:spPr bwMode="auto">
+          <a:xfrm>
+            <a:off x="135468" y="84667"/>
+            <a:ext cx="8991601" cy="1127125"/>
+          </a:xfrm>
+          <a:prstGeom prst="rect">
+            <a:avLst/>
+          </a:prstGeom>
+          <a:noFill/>
+          <a:ln w="9525">
+            <a:noFill/>
+            <a:round/>
+            <a:headEnd/>
+            <a:tailEnd/>
+          </a:ln>
+        </p:spPr>
+        <p:txBody>
+          <a:bodyPr lIns="0" tIns="0" rIns="0" bIns="0" anchor="ctr"/>
+          <a:lstStyle/>
+          <a:p>
+            <a:pPr algn="ctr">
+              <a:buClr>
+                <a:srgbClr val="000000"/>
+              </a:buClr>
+              <a:buSzPct val="100000"/>
+              <a:buFont typeface="Times New Roman" pitchFamily="18" charset="0"/>
+              <a:buNone/>
+              <a:tabLst>
+                <a:tab pos="0" algn="l"/>
+                <a:tab pos="914400" algn="l"/>
+                <a:tab pos="1828800" algn="l"/>
+                <a:tab pos="2743200" algn="l"/>
+                <a:tab pos="3657600" algn="l"/>
+                <a:tab pos="4572000" algn="l"/>
+                <a:tab pos="5486400" algn="l"/>
+                <a:tab pos="6400800" algn="l"/>
+                <a:tab pos="7315200" algn="l"/>
+                <a:tab pos="8229600" algn="l"/>
+                <a:tab pos="9144000" algn="l"/>
+                <a:tab pos="10058400" algn="l"/>
+              </a:tabLst>
+            </a:pPr>
+            <a:r>
+              <a:rPr lang="en-GB" sz="3600" dirty="0">
+                <a:solidFill>
+                  <a:srgbClr val="000000"/>
+                </a:solidFill>
+                <a:latin typeface="Times New Roman" pitchFamily="18" charset="0"/>
+              </a:rPr>
+              <a:t>Back to Bayesian Model Checking</a:t>
+            </a:r>
+          </a:p>
+        </p:txBody>
+      </p:sp>
+      <p:sp>
+        <p:nvSpPr>
+          <p:cNvPr id="6" name="Rectangle 5">
+            <a:extLst>
+              <a:ext uri="{FF2B5EF4-FFF2-40B4-BE49-F238E27FC236}">
+                <a16:creationId xmlns:a16="http://schemas.microsoft.com/office/drawing/2014/main" id="{C7B28B98-A049-4F23-B3A8-4451EBB2AE0A}"/>
+              </a:ext>
+            </a:extLst>
+          </p:cNvPr>
+          <p:cNvSpPr>
+            <a:spLocks noChangeArrowheads="1"/>
+          </p:cNvSpPr>
+          <p:nvPr/>
+        </p:nvSpPr>
+        <p:spPr bwMode="auto">
+          <a:xfrm>
+            <a:off x="135468" y="1471726"/>
+            <a:ext cx="8634039" cy="1356092"/>
+          </a:xfrm>
+          <a:prstGeom prst="rect">
+            <a:avLst/>
+          </a:prstGeom>
+          <a:noFill/>
+          <a:ln w="9525">
+            <a:noFill/>
+            <a:round/>
+            <a:headEnd/>
+            <a:tailEnd/>
+          </a:ln>
+        </p:spPr>
+        <p:txBody>
+          <a:bodyPr lIns="0" tIns="0" rIns="0" bIns="0"/>
+          <a:lstStyle/>
+          <a:p>
+            <a:pPr marL="430213" indent="-323850">
+              <a:lnSpc>
+                <a:spcPct val="100000"/>
+              </a:lnSpc>
+              <a:spcBef>
+                <a:spcPts val="800"/>
+              </a:spcBef>
+              <a:buFont typeface="Times New Roman" pitchFamily="18" charset="0"/>
+              <a:buChar char="•"/>
+              <a:tabLst>
+                <a:tab pos="430213" algn="l"/>
+                <a:tab pos="1344613" algn="l"/>
+                <a:tab pos="2259013" algn="l"/>
+                <a:tab pos="3173413" algn="l"/>
+                <a:tab pos="4087813" algn="l"/>
+                <a:tab pos="5002213" algn="l"/>
+                <a:tab pos="5916613" algn="l"/>
+                <a:tab pos="6831013" algn="l"/>
+                <a:tab pos="7745413" algn="l"/>
+                <a:tab pos="8659813" algn="l"/>
+                <a:tab pos="9574213" algn="l"/>
+                <a:tab pos="10488613" algn="l"/>
+              </a:tabLst>
+            </a:pPr>
+            <a:r>
+              <a:rPr lang="en-GB" sz="2400" i="1" dirty="0">
+                <a:solidFill>
+                  <a:srgbClr val="000000"/>
+                </a:solidFill>
+                <a:latin typeface="Times New Roman" pitchFamily="18" charset="0"/>
+              </a:rPr>
+              <a:t>f</a:t>
+            </a:r>
+            <a:r>
+              <a:rPr lang="en-GB" sz="2400" dirty="0">
+                <a:solidFill>
+                  <a:srgbClr val="000000"/>
+                </a:solidFill>
+                <a:latin typeface="Times New Roman" pitchFamily="18" charset="0"/>
+              </a:rPr>
+              <a:t>(</a:t>
+            </a:r>
+            <a:r>
+              <a:rPr lang="en-GB" sz="2400" i="1" dirty="0" err="1">
+                <a:solidFill>
+                  <a:srgbClr val="000000"/>
+                </a:solidFill>
+                <a:latin typeface="Times New Roman" pitchFamily="18" charset="0"/>
+              </a:rPr>
+              <a:t>y</a:t>
+            </a:r>
+            <a:r>
+              <a:rPr lang="en-GB" sz="2400" baseline="-25000" dirty="0" err="1">
+                <a:solidFill>
+                  <a:srgbClr val="000000"/>
+                </a:solidFill>
+                <a:latin typeface="Times New Roman" pitchFamily="18" charset="0"/>
+              </a:rPr>
+              <a:t>new</a:t>
+            </a:r>
+            <a:r>
+              <a:rPr lang="en-GB" sz="2400" dirty="0">
+                <a:solidFill>
+                  <a:srgbClr val="000000"/>
+                </a:solidFill>
+                <a:latin typeface="Times New Roman" pitchFamily="18" charset="0"/>
+              </a:rPr>
+              <a:t>), besides being all possible data’s true density, is also the all possible data’s marginal likelihood. </a:t>
+            </a:r>
+          </a:p>
+          <a:p>
+            <a:pPr marL="887413" lvl="1" indent="-323850">
+              <a:spcBef>
+                <a:spcPts val="800"/>
+              </a:spcBef>
+              <a:buFont typeface="Times New Roman" pitchFamily="18" charset="0"/>
+              <a:buChar char="•"/>
+              <a:tabLst>
+                <a:tab pos="430213" algn="l"/>
+                <a:tab pos="1344613" algn="l"/>
+                <a:tab pos="2259013" algn="l"/>
+                <a:tab pos="3173413" algn="l"/>
+                <a:tab pos="4087813" algn="l"/>
+                <a:tab pos="5002213" algn="l"/>
+                <a:tab pos="5916613" algn="l"/>
+                <a:tab pos="6831013" algn="l"/>
+                <a:tab pos="7745413" algn="l"/>
+                <a:tab pos="8659813" algn="l"/>
+                <a:tab pos="9574213" algn="l"/>
+                <a:tab pos="10488613" algn="l"/>
+              </a:tabLst>
+            </a:pPr>
+            <a:r>
+              <a:rPr lang="en-GB" sz="2200" dirty="0">
+                <a:solidFill>
+                  <a:srgbClr val="000000"/>
+                </a:solidFill>
+                <a:latin typeface="Times New Roman" pitchFamily="18" charset="0"/>
+              </a:rPr>
+              <a:t>Only the gods know it</a:t>
+            </a:r>
+          </a:p>
+        </p:txBody>
+      </p:sp>
+      <p:sp>
+        <p:nvSpPr>
+          <p:cNvPr id="8" name="Rectangle 7">
+            <a:extLst>
+              <a:ext uri="{FF2B5EF4-FFF2-40B4-BE49-F238E27FC236}">
+                <a16:creationId xmlns:a16="http://schemas.microsoft.com/office/drawing/2014/main" id="{927E5B48-850D-40C7-A81C-03464AD72809}"/>
+              </a:ext>
+            </a:extLst>
+          </p:cNvPr>
+          <p:cNvSpPr>
+            <a:spLocks noChangeArrowheads="1"/>
+          </p:cNvSpPr>
+          <p:nvPr/>
+        </p:nvSpPr>
+        <p:spPr bwMode="auto">
+          <a:xfrm>
+            <a:off x="254979" y="3156857"/>
+            <a:ext cx="8634039" cy="1945229"/>
+          </a:xfrm>
+          <a:prstGeom prst="rect">
+            <a:avLst/>
+          </a:prstGeom>
+          <a:noFill/>
+          <a:ln w="9525">
+            <a:noFill/>
+            <a:round/>
+            <a:headEnd/>
+            <a:tailEnd/>
+          </a:ln>
+        </p:spPr>
+        <p:txBody>
+          <a:bodyPr lIns="0" tIns="0" rIns="0" bIns="0"/>
+          <a:lstStyle/>
+          <a:p>
+            <a:pPr marL="430213" indent="-323850">
+              <a:lnSpc>
+                <a:spcPct val="100000"/>
+              </a:lnSpc>
+              <a:spcBef>
+                <a:spcPts val="800"/>
+              </a:spcBef>
+              <a:buFont typeface="Times New Roman" pitchFamily="18" charset="0"/>
+              <a:buChar char="•"/>
+              <a:tabLst>
+                <a:tab pos="430213" algn="l"/>
+                <a:tab pos="1344613" algn="l"/>
+                <a:tab pos="2259013" algn="l"/>
+                <a:tab pos="3173413" algn="l"/>
+                <a:tab pos="4087813" algn="l"/>
+                <a:tab pos="5002213" algn="l"/>
+                <a:tab pos="5916613" algn="l"/>
+                <a:tab pos="6831013" algn="l"/>
+                <a:tab pos="7745413" algn="l"/>
+                <a:tab pos="8659813" algn="l"/>
+                <a:tab pos="9574213" algn="l"/>
+                <a:tab pos="10488613" algn="l"/>
+              </a:tabLst>
+            </a:pPr>
+            <a:r>
+              <a:rPr lang="en-GB" sz="2400" dirty="0">
+                <a:solidFill>
+                  <a:srgbClr val="000000"/>
+                </a:solidFill>
+                <a:latin typeface="Times New Roman" pitchFamily="18" charset="0"/>
+              </a:rPr>
+              <a:t>Luckily we can approximate </a:t>
+            </a:r>
+            <a:r>
+              <a:rPr lang="en-GB" sz="2400" dirty="0" err="1">
+                <a:solidFill>
+                  <a:srgbClr val="000000"/>
+                </a:solidFill>
+                <a:latin typeface="Times New Roman" pitchFamily="18" charset="0"/>
+              </a:rPr>
+              <a:t>elpd</a:t>
+            </a:r>
+            <a:r>
+              <a:rPr lang="en-GB" sz="2400" dirty="0">
+                <a:solidFill>
+                  <a:srgbClr val="000000"/>
+                </a:solidFill>
+                <a:latin typeface="Times New Roman" pitchFamily="18" charset="0"/>
+              </a:rPr>
+              <a:t> even though we don’t have</a:t>
+            </a:r>
+            <a:r>
+              <a:rPr lang="en-GB" sz="2800" dirty="0">
+                <a:solidFill>
+                  <a:srgbClr val="000000"/>
+                </a:solidFill>
+                <a:latin typeface="Times New Roman" pitchFamily="18" charset="0"/>
+              </a:rPr>
+              <a:t> </a:t>
+            </a:r>
+            <a:r>
+              <a:rPr lang="en-GB" sz="2400" i="1" dirty="0">
+                <a:solidFill>
+                  <a:srgbClr val="000000"/>
+                </a:solidFill>
+                <a:latin typeface="Times New Roman" pitchFamily="18" charset="0"/>
+              </a:rPr>
+              <a:t>f</a:t>
+            </a:r>
+            <a:r>
+              <a:rPr lang="en-GB" sz="2400" dirty="0">
+                <a:solidFill>
+                  <a:srgbClr val="000000"/>
+                </a:solidFill>
+                <a:latin typeface="Times New Roman" pitchFamily="18" charset="0"/>
+              </a:rPr>
+              <a:t>(</a:t>
+            </a:r>
+            <a:r>
+              <a:rPr lang="en-GB" sz="2400" i="1" dirty="0" err="1">
+                <a:solidFill>
+                  <a:srgbClr val="000000"/>
+                </a:solidFill>
+                <a:latin typeface="Times New Roman" pitchFamily="18" charset="0"/>
+              </a:rPr>
+              <a:t>y</a:t>
+            </a:r>
+            <a:r>
+              <a:rPr lang="en-GB" sz="2400" baseline="-25000" dirty="0" err="1">
+                <a:solidFill>
+                  <a:srgbClr val="000000"/>
+                </a:solidFill>
+                <a:latin typeface="Times New Roman" pitchFamily="18" charset="0"/>
+              </a:rPr>
+              <a:t>new</a:t>
+            </a:r>
+            <a:r>
+              <a:rPr lang="en-GB" sz="2400" dirty="0">
+                <a:solidFill>
+                  <a:srgbClr val="000000"/>
+                </a:solidFill>
+                <a:latin typeface="Times New Roman" pitchFamily="18" charset="0"/>
+              </a:rPr>
+              <a:t>)</a:t>
+            </a:r>
+          </a:p>
+          <a:p>
+            <a:pPr marL="887413" lvl="1" indent="-323850">
+              <a:spcBef>
+                <a:spcPts val="800"/>
+              </a:spcBef>
+              <a:buFont typeface="Times New Roman" pitchFamily="18" charset="0"/>
+              <a:buChar char="•"/>
+              <a:tabLst>
+                <a:tab pos="430213" algn="l"/>
+                <a:tab pos="1344613" algn="l"/>
+                <a:tab pos="2259013" algn="l"/>
+                <a:tab pos="3173413" algn="l"/>
+                <a:tab pos="4087813" algn="l"/>
+                <a:tab pos="5002213" algn="l"/>
+                <a:tab pos="5916613" algn="l"/>
+                <a:tab pos="6831013" algn="l"/>
+                <a:tab pos="7745413" algn="l"/>
+                <a:tab pos="8659813" algn="l"/>
+                <a:tab pos="9574213" algn="l"/>
+                <a:tab pos="10488613" algn="l"/>
+              </a:tabLst>
+            </a:pPr>
+            <a:r>
+              <a:rPr lang="en-GB" sz="2200" dirty="0">
+                <a:solidFill>
+                  <a:srgbClr val="000000"/>
+                </a:solidFill>
+                <a:latin typeface="Times New Roman" pitchFamily="18" charset="0"/>
+              </a:rPr>
+              <a:t>We’ll do it after we learn how to fit models</a:t>
+            </a:r>
+          </a:p>
+          <a:p>
+            <a:pPr marL="887413" lvl="1" indent="-323850">
+              <a:spcBef>
+                <a:spcPts val="800"/>
+              </a:spcBef>
+              <a:buFont typeface="Times New Roman" pitchFamily="18" charset="0"/>
+              <a:buChar char="•"/>
+              <a:tabLst>
+                <a:tab pos="430213" algn="l"/>
+                <a:tab pos="1344613" algn="l"/>
+                <a:tab pos="2259013" algn="l"/>
+                <a:tab pos="3173413" algn="l"/>
+                <a:tab pos="4087813" algn="l"/>
+                <a:tab pos="5002213" algn="l"/>
+                <a:tab pos="5916613" algn="l"/>
+                <a:tab pos="6831013" algn="l"/>
+                <a:tab pos="7745413" algn="l"/>
+                <a:tab pos="8659813" algn="l"/>
+                <a:tab pos="9574213" algn="l"/>
+                <a:tab pos="10488613" algn="l"/>
+              </a:tabLst>
+            </a:pPr>
+            <a:r>
+              <a:rPr lang="en-GB" sz="2200" dirty="0" err="1">
+                <a:solidFill>
+                  <a:srgbClr val="000000"/>
+                </a:solidFill>
+                <a:latin typeface="Times New Roman" pitchFamily="18" charset="0"/>
+              </a:rPr>
+              <a:t>elpd</a:t>
+            </a:r>
+            <a:r>
+              <a:rPr lang="en-GB" sz="2200" dirty="0">
+                <a:solidFill>
+                  <a:srgbClr val="000000"/>
+                </a:solidFill>
+                <a:latin typeface="Times New Roman" pitchFamily="18" charset="0"/>
+              </a:rPr>
+              <a:t> is also (much) easier to estimate than Bayes factors or their constituent marginal likelihoods</a:t>
+            </a:r>
+          </a:p>
+        </p:txBody>
+      </p:sp>
+    </p:spTree>
+    <p:extLst>
+      <p:ext uri="{BB962C8B-B14F-4D97-AF65-F5344CB8AC3E}">
+        <p14:creationId xmlns:p14="http://schemas.microsoft.com/office/powerpoint/2010/main" val="3547751808"/>
+      </p:ext>
+    </p:extLst>
+  </p:cSld>
+  <p:clrMapOvr>
+    <a:masterClrMapping/>
+  </p:clrMapOvr>
+  <p:timing>
+    <p:tnLst>
+      <p:par>
+        <p:cTn id="1" dur="indefinite" restart="never" nodeType="tmRoot">
+          <p:childTnLst>
+            <p:seq concurrent="1" nextAc="seek">
+              <p:cTn id="2" dur="indefinite" nodeType="mainSeq">
+                <p:childTnLst>
+                  <p:par>
+                    <p:cTn id="3" fill="hold">
+                      <p:stCondLst>
+                        <p:cond delay="indefinite"/>
+                      </p:stCondLst>
+                      <p:childTnLst>
+                        <p:par>
+                          <p:cTn id="4" fill="hold">
+                            <p:stCondLst>
+                              <p:cond delay="0"/>
+                            </p:stCondLst>
+                            <p:childTnLst>
+                              <p:par>
+                                <p:cTn id="5" presetID="2" presetClass="entr" presetSubtype="4" fill="hold" grpId="0" nodeType="clickEffect">
+                                  <p:stCondLst>
+                                    <p:cond delay="0"/>
+                                  </p:stCondLst>
+                                  <p:childTnLst>
+                                    <p:set>
+                                      <p:cBhvr>
+                                        <p:cTn id="6" dur="1" fill="hold">
+                                          <p:stCondLst>
+                                            <p:cond delay="0"/>
+                                          </p:stCondLst>
+                                        </p:cTn>
+                                        <p:tgtEl>
+                                          <p:spTgt spid="6"/>
+                                        </p:tgtEl>
+                                        <p:attrNameLst>
+                                          <p:attrName>style.visibility</p:attrName>
+                                        </p:attrNameLst>
+                                      </p:cBhvr>
+                                      <p:to>
+                                        <p:strVal val="visible"/>
+                                      </p:to>
+                                    </p:set>
+                                    <p:anim calcmode="lin" valueType="num">
+                                      <p:cBhvr additive="base">
+                                        <p:cTn id="7" dur="500" fill="hold"/>
+                                        <p:tgtEl>
+                                          <p:spTgt spid="6"/>
+                                        </p:tgtEl>
+                                        <p:attrNameLst>
+                                          <p:attrName>ppt_x</p:attrName>
+                                        </p:attrNameLst>
+                                      </p:cBhvr>
+                                      <p:tavLst>
+                                        <p:tav tm="0">
+                                          <p:val>
+                                            <p:strVal val="#ppt_x"/>
+                                          </p:val>
+                                        </p:tav>
+                                        <p:tav tm="100000">
+                                          <p:val>
+                                            <p:strVal val="#ppt_x"/>
+                                          </p:val>
+                                        </p:tav>
+                                      </p:tavLst>
+                                    </p:anim>
+                                    <p:anim calcmode="lin" valueType="num">
+                                      <p:cBhvr additive="base">
+                                        <p:cTn id="8" dur="500" fill="hold"/>
+                                        <p:tgtEl>
+                                          <p:spTgt spid="6"/>
+                                        </p:tgtEl>
+                                        <p:attrNameLst>
+                                          <p:attrName>ppt_y</p:attrName>
+                                        </p:attrNameLst>
+                                      </p:cBhvr>
+                                      <p:tavLst>
+                                        <p:tav tm="0">
+                                          <p:val>
+                                            <p:strVal val="1+#ppt_h/2"/>
+                                          </p:val>
+                                        </p:tav>
+                                        <p:tav tm="100000">
+                                          <p:val>
+                                            <p:strVal val="#ppt_y"/>
+                                          </p:val>
+                                        </p:tav>
+                                      </p:tavLst>
+                                    </p:anim>
+                                  </p:childTnLst>
+                                </p:cTn>
+                              </p:par>
+                            </p:childTnLst>
+                          </p:cTn>
+                        </p:par>
+                      </p:childTnLst>
+                    </p:cTn>
+                  </p:par>
+                  <p:par>
+                    <p:cTn id="9" fill="hold">
+                      <p:stCondLst>
+                        <p:cond delay="indefinite"/>
+                      </p:stCondLst>
+                      <p:childTnLst>
+                        <p:par>
+                          <p:cTn id="10" fill="hold">
+                            <p:stCondLst>
+                              <p:cond delay="0"/>
+                            </p:stCondLst>
+                            <p:childTnLst>
+                              <p:par>
+                                <p:cTn id="11" presetID="2" presetClass="entr" presetSubtype="4" fill="hold" grpId="0" nodeType="clickEffect">
+                                  <p:stCondLst>
+                                    <p:cond delay="0"/>
+                                  </p:stCondLst>
+                                  <p:childTnLst>
+                                    <p:set>
+                                      <p:cBhvr>
+                                        <p:cTn id="12" dur="1" fill="hold">
+                                          <p:stCondLst>
+                                            <p:cond delay="0"/>
+                                          </p:stCondLst>
+                                        </p:cTn>
+                                        <p:tgtEl>
+                                          <p:spTgt spid="8"/>
+                                        </p:tgtEl>
+                                        <p:attrNameLst>
+                                          <p:attrName>style.visibility</p:attrName>
+                                        </p:attrNameLst>
+                                      </p:cBhvr>
+                                      <p:to>
+                                        <p:strVal val="visible"/>
+                                      </p:to>
+                                    </p:set>
+                                    <p:anim calcmode="lin" valueType="num">
+                                      <p:cBhvr additive="base">
+                                        <p:cTn id="13" dur="500" fill="hold"/>
+                                        <p:tgtEl>
+                                          <p:spTgt spid="8"/>
+                                        </p:tgtEl>
+                                        <p:attrNameLst>
+                                          <p:attrName>ppt_x</p:attrName>
+                                        </p:attrNameLst>
+                                      </p:cBhvr>
+                                      <p:tavLst>
+                                        <p:tav tm="0">
+                                          <p:val>
+                                            <p:strVal val="#ppt_x"/>
+                                          </p:val>
+                                        </p:tav>
+                                        <p:tav tm="100000">
+                                          <p:val>
+                                            <p:strVal val="#ppt_x"/>
+                                          </p:val>
+                                        </p:tav>
+                                      </p:tavLst>
+                                    </p:anim>
+                                    <p:anim calcmode="lin" valueType="num">
+                                      <p:cBhvr additive="base">
+                                        <p:cTn id="14" dur="500" fill="hold"/>
+                                        <p:tgtEl>
+                                          <p:spTgt spid="8"/>
+                                        </p:tgtEl>
+                                        <p:attrNameLst>
+                                          <p:attrName>ppt_y</p:attrName>
+                                        </p:attrNameLst>
+                                      </p:cBhvr>
+                                      <p:tavLst>
+                                        <p:tav tm="0">
+                                          <p:val>
+                                            <p:strVal val="1+#ppt_h/2"/>
+                                          </p:val>
+                                        </p:tav>
+                                        <p:tav tm="100000">
+                                          <p:val>
+                                            <p:strVal val="#ppt_y"/>
+                                          </p:val>
+                                        </p:tav>
+                                      </p:tavLst>
+                                    </p:anim>
+                                  </p:childTnLst>
+                                </p:cTn>
+                              </p:par>
+                            </p:childTnLst>
+                          </p:cTn>
+                        </p:par>
+                      </p:childTnLst>
+                    </p:cTn>
+                  </p:par>
+                </p:childTnLst>
+              </p:cTn>
+              <p:prevCondLst>
+                <p:cond evt="onPrev" delay="0">
+                  <p:tgtEl>
+                    <p:sldTgt/>
+                  </p:tgtEl>
+                </p:cond>
+              </p:prevCondLst>
+              <p:nextCondLst>
+                <p:cond evt="onNext" delay="0">
+                  <p:tgtEl>
+                    <p:sldTgt/>
+                  </p:tgtEl>
+                </p:cond>
+              </p:nextCondLst>
+            </p:seq>
+          </p:childTnLst>
+        </p:cTn>
+      </p:par>
+    </p:tnLst>
+    <p:bldLst>
+      <p:bldP spid="6" grpId="0"/>
+      <p:bldP spid="8" grpId="0"/>
+    </p:bldLst>
+  </p:timing>
 </p:sld>
 </file>
 
@@ -29338,7 +31455,7 @@
           <a:graphicData uri="http://schemas.openxmlformats.org/presentationml/2006/ole">
             <mc:AlternateContent xmlns:mc="http://schemas.openxmlformats.org/markup-compatibility/2006">
               <mc:Choice xmlns:v="urn:schemas-microsoft-com:vml" Requires="v">
-                <p:oleObj spid="_x0000_s47176" name="Equation" r:id="rId4" imgW="1943100" imgH="393700" progId="Equation.3">
+                <p:oleObj spid="_x0000_s47186" name="Equation" r:id="rId4" imgW="1943100" imgH="393700" progId="Equation.3">
                   <p:embed/>
                 </p:oleObj>
               </mc:Choice>
@@ -29377,7 +31494,7 @@
                       <a:noFill/>
                       <a:extLst>
                         <a:ext uri="{909E8E84-426E-40dd-AFC4-6F175D3DCCD1}">
-                          <a14:hiddenFill xmlns="" xmlns:a14="http://schemas.microsoft.com/office/drawing/2010/main">
+                          <a14:hiddenFill xmlns:a14="http://schemas.microsoft.com/office/drawing/2010/main" xmlns="">
                             <a:solidFill>
                               <a:srgbClr val="FFFFFF"/>
                             </a:solidFill>
